--- a/0.0.5/site/intro2.pptx
+++ b/0.0.5/site/intro2.pptx
@@ -267,7 +267,7 @@
           <a:p>
             <a:fld id="{18CC6136-A0F9-4F11-8D2F-590E0E437A17}" type="datetimeFigureOut">
               <a:rPr lang="en-US" smtClean="0"/>
-              <a:t>11/25/2022</a:t>
+              <a:t>12/13/2022</a:t>
             </a:fld>
             <a:endParaRPr lang="en-US"/>
           </a:p>
@@ -465,7 +465,7 @@
           <a:p>
             <a:fld id="{18CC6136-A0F9-4F11-8D2F-590E0E437A17}" type="datetimeFigureOut">
               <a:rPr lang="en-US" smtClean="0"/>
-              <a:t>11/25/2022</a:t>
+              <a:t>12/13/2022</a:t>
             </a:fld>
             <a:endParaRPr lang="en-US"/>
           </a:p>
@@ -673,7 +673,7 @@
           <a:p>
             <a:fld id="{18CC6136-A0F9-4F11-8D2F-590E0E437A17}" type="datetimeFigureOut">
               <a:rPr lang="en-US" smtClean="0"/>
-              <a:t>11/25/2022</a:t>
+              <a:t>12/13/2022</a:t>
             </a:fld>
             <a:endParaRPr lang="en-US"/>
           </a:p>
@@ -871,7 +871,7 @@
           <a:p>
             <a:fld id="{18CC6136-A0F9-4F11-8D2F-590E0E437A17}" type="datetimeFigureOut">
               <a:rPr lang="en-US" smtClean="0"/>
-              <a:t>11/25/2022</a:t>
+              <a:t>12/13/2022</a:t>
             </a:fld>
             <a:endParaRPr lang="en-US"/>
           </a:p>
@@ -1146,7 +1146,7 @@
           <a:p>
             <a:fld id="{18CC6136-A0F9-4F11-8D2F-590E0E437A17}" type="datetimeFigureOut">
               <a:rPr lang="en-US" smtClean="0"/>
-              <a:t>11/25/2022</a:t>
+              <a:t>12/13/2022</a:t>
             </a:fld>
             <a:endParaRPr lang="en-US"/>
           </a:p>
@@ -1411,7 +1411,7 @@
           <a:p>
             <a:fld id="{18CC6136-A0F9-4F11-8D2F-590E0E437A17}" type="datetimeFigureOut">
               <a:rPr lang="en-US" smtClean="0"/>
-              <a:t>11/25/2022</a:t>
+              <a:t>12/13/2022</a:t>
             </a:fld>
             <a:endParaRPr lang="en-US"/>
           </a:p>
@@ -1823,7 +1823,7 @@
           <a:p>
             <a:fld id="{18CC6136-A0F9-4F11-8D2F-590E0E437A17}" type="datetimeFigureOut">
               <a:rPr lang="en-US" smtClean="0"/>
-              <a:t>11/25/2022</a:t>
+              <a:t>12/13/2022</a:t>
             </a:fld>
             <a:endParaRPr lang="en-US"/>
           </a:p>
@@ -1964,7 +1964,7 @@
           <a:p>
             <a:fld id="{18CC6136-A0F9-4F11-8D2F-590E0E437A17}" type="datetimeFigureOut">
               <a:rPr lang="en-US" smtClean="0"/>
-              <a:t>11/25/2022</a:t>
+              <a:t>12/13/2022</a:t>
             </a:fld>
             <a:endParaRPr lang="en-US"/>
           </a:p>
@@ -2077,7 +2077,7 @@
           <a:p>
             <a:fld id="{18CC6136-A0F9-4F11-8D2F-590E0E437A17}" type="datetimeFigureOut">
               <a:rPr lang="en-US" smtClean="0"/>
-              <a:t>11/25/2022</a:t>
+              <a:t>12/13/2022</a:t>
             </a:fld>
             <a:endParaRPr lang="en-US"/>
           </a:p>
@@ -2388,7 +2388,7 @@
           <a:p>
             <a:fld id="{18CC6136-A0F9-4F11-8D2F-590E0E437A17}" type="datetimeFigureOut">
               <a:rPr lang="en-US" smtClean="0"/>
-              <a:t>11/25/2022</a:t>
+              <a:t>12/13/2022</a:t>
             </a:fld>
             <a:endParaRPr lang="en-US"/>
           </a:p>
@@ -2676,7 +2676,7 @@
           <a:p>
             <a:fld id="{18CC6136-A0F9-4F11-8D2F-590E0E437A17}" type="datetimeFigureOut">
               <a:rPr lang="en-US" smtClean="0"/>
-              <a:t>11/25/2022</a:t>
+              <a:t>12/13/2022</a:t>
             </a:fld>
             <a:endParaRPr lang="en-US"/>
           </a:p>
@@ -2917,7 +2917,7 @@
           <a:p>
             <a:fld id="{18CC6136-A0F9-4F11-8D2F-590E0E437A17}" type="datetimeFigureOut">
               <a:rPr lang="en-US" smtClean="0"/>
-              <a:t>11/25/2022</a:t>
+              <a:t>12/13/2022</a:t>
             </a:fld>
             <a:endParaRPr lang="en-US"/>
           </a:p>
@@ -3527,7 +3527,7 @@
               <a:t> </a:t>
             </a:r>
             <a:r>
-              <a:rPr lang="en-US" sz="1400" dirty="0" err="1">
+              <a:rPr lang="en-US" sz="1400" dirty="0">
                 <a:solidFill>
                   <a:srgbClr val="8BC926"/>
                 </a:solidFill>
@@ -3595,28 +3595,18 @@
           </a:p>
           <a:p>
             <a:r>
+              <a:rPr lang="en-US" sz="1400" dirty="0">
+                <a:solidFill>
+                  <a:schemeClr val="bg1"/>
+                </a:solidFill>
+                <a:latin typeface="Roboto Mono" pitchFamily="49" charset="0"/>
+                <a:ea typeface="Roboto Mono" pitchFamily="49" charset="0"/>
+              </a:rPr>
+              <a:t>data = </a:t>
+            </a:r>
+            <a:r>
               <a:rPr lang="en-US" sz="1400" dirty="0" err="1">
                 <a:solidFill>
-                  <a:schemeClr val="bg1"/>
-                </a:solidFill>
-                <a:latin typeface="Roboto Mono" pitchFamily="49" charset="0"/>
-                <a:ea typeface="Roboto Mono" pitchFamily="49" charset="0"/>
-              </a:rPr>
-              <a:t>df</a:t>
-            </a:r>
-            <a:r>
-              <a:rPr lang="en-US" sz="1400" dirty="0">
-                <a:solidFill>
-                  <a:schemeClr val="bg1"/>
-                </a:solidFill>
-                <a:latin typeface="Roboto Mono" pitchFamily="49" charset="0"/>
-                <a:ea typeface="Roboto Mono" pitchFamily="49" charset="0"/>
-              </a:rPr>
-              <a:t> = </a:t>
-            </a:r>
-            <a:r>
-              <a:rPr lang="en-US" sz="1400" dirty="0" err="1">
-                <a:solidFill>
                   <a:srgbClr val="8BC926"/>
                 </a:solidFill>
                 <a:latin typeface="Roboto Mono" pitchFamily="49" charset="0"/>
@@ -3632,27 +3622,7 @@
                 <a:latin typeface="Roboto Mono" pitchFamily="49" charset="0"/>
                 <a:ea typeface="Roboto Mono" pitchFamily="49" charset="0"/>
               </a:rPr>
-              <a:t>('</a:t>
-            </a:r>
-            <a:r>
-              <a:rPr lang="en-US" sz="1400" dirty="0" err="1">
-                <a:solidFill>
-                  <a:schemeClr val="bg1"/>
-                </a:solidFill>
-                <a:latin typeface="Roboto Mono" pitchFamily="49" charset="0"/>
-                <a:ea typeface="Roboto Mono" pitchFamily="49" charset="0"/>
-              </a:rPr>
-              <a:t>pop.csv</a:t>
-            </a:r>
-            <a:r>
-              <a:rPr lang="en-US" sz="1400" dirty="0">
-                <a:solidFill>
-                  <a:schemeClr val="bg1"/>
-                </a:solidFill>
-                <a:latin typeface="Roboto Mono" pitchFamily="49" charset="0"/>
-                <a:ea typeface="Roboto Mono" pitchFamily="49" charset="0"/>
-              </a:rPr>
-              <a:t>')</a:t>
+              <a:t>(‘mock_data.csv')</a:t>
             </a:r>
           </a:p>
           <a:p>
@@ -3666,7 +3636,7 @@
           </a:p>
           <a:p>
             <a:r>
-              <a:rPr lang="en-US" sz="1400" dirty="0" err="1">
+              <a:rPr lang="en-US" sz="1400" dirty="0">
                 <a:solidFill>
                   <a:srgbClr val="8BC926"/>
                 </a:solidFill>
@@ -3781,32 +3751,12 @@
             <a:r>
               <a:rPr lang="en-US" sz="1400" dirty="0">
                 <a:solidFill>
-                  <a:schemeClr val="bg1"/>
-                </a:solidFill>
-                <a:latin typeface="Roboto Mono" pitchFamily="49" charset="0"/>
-                <a:ea typeface="Roboto Mono" pitchFamily="49" charset="0"/>
-              </a:rPr>
-              <a:t>   </a:t>
-            </a:r>
-            <a:r>
-              <a:rPr lang="en-US" sz="1400" dirty="0">
-                <a:solidFill>
                   <a:srgbClr val="8BC926"/>
                 </a:solidFill>
                 <a:latin typeface="Roboto Mono" pitchFamily="49" charset="0"/>
                 <a:ea typeface="Roboto Mono" pitchFamily="49" charset="0"/>
               </a:rPr>
-              <a:t>col1</a:t>
-            </a:r>
-            <a:r>
-              <a:rPr lang="en-US" sz="1400" dirty="0">
-                <a:solidFill>
-                  <a:schemeClr val="bg1"/>
-                </a:solidFill>
-                <a:latin typeface="Roboto Mono" pitchFamily="49" charset="0"/>
-                <a:ea typeface="Roboto Mono" pitchFamily="49" charset="0"/>
-              </a:rPr>
-              <a:t> = </a:t>
+              <a:t>	</a:t>
             </a:r>
             <a:r>
               <a:rPr lang="en-US" sz="1400" dirty="0" err="1">
@@ -3816,7 +3766,7 @@
                 <a:latin typeface="Roboto Mono" pitchFamily="49" charset="0"/>
                 <a:ea typeface="Roboto Mono" pitchFamily="49" charset="0"/>
               </a:rPr>
-              <a:t>ps.bar</a:t>
+              <a:t>ps.chart</a:t>
             </a:r>
             <a:r>
               <a:rPr lang="en-US" sz="1400" dirty="0">
@@ -3838,7 +3788,7 @@
                 <a:latin typeface="Roboto Mono" pitchFamily="49" charset="0"/>
                 <a:ea typeface="Roboto Mono" pitchFamily="49" charset="0"/>
               </a:rPr>
-              <a:t>        </a:t>
+              <a:t>		</a:t>
             </a:r>
             <a:r>
               <a:rPr lang="en-US" sz="1400" dirty="0">
@@ -3858,39 +3808,91 @@
                 <a:latin typeface="Roboto Mono" pitchFamily="49" charset="0"/>
                 <a:ea typeface="Roboto Mono" pitchFamily="49" charset="0"/>
               </a:rPr>
-              <a:t> = 'Population of Cities',</a:t>
-            </a:r>
-          </a:p>
-          <a:p>
-            <a:r>
-              <a:rPr lang="en-US" sz="1400" dirty="0">
-                <a:solidFill>
-                  <a:schemeClr val="bg1"/>
-                </a:solidFill>
-                <a:latin typeface="Roboto Mono" pitchFamily="49" charset="0"/>
-                <a:ea typeface="Roboto Mono" pitchFamily="49" charset="0"/>
-              </a:rPr>
-              <a:t>        </a:t>
+              <a:t> = '</a:t>
             </a:r>
             <a:r>
               <a:rPr lang="en-US" sz="1400" dirty="0" err="1">
                 <a:solidFill>
+                  <a:schemeClr val="bg1"/>
+                </a:solidFill>
+                <a:latin typeface="Roboto Mono" pitchFamily="49" charset="0"/>
+                <a:ea typeface="Roboto Mono" pitchFamily="49" charset="0"/>
+              </a:rPr>
+              <a:t>myChart</a:t>
+            </a:r>
+            <a:r>
+              <a:rPr lang="en-US" sz="1400" dirty="0">
+                <a:solidFill>
+                  <a:schemeClr val="bg1"/>
+                </a:solidFill>
+                <a:latin typeface="Roboto Mono" pitchFamily="49" charset="0"/>
+                <a:ea typeface="Roboto Mono" pitchFamily="49" charset="0"/>
+              </a:rPr>
+              <a:t>’,</a:t>
+            </a:r>
+          </a:p>
+          <a:p>
+            <a:r>
+              <a:rPr lang="en-US" sz="1400" dirty="0">
+                <a:solidFill>
+                  <a:schemeClr val="bg1"/>
+                </a:solidFill>
+                <a:latin typeface="Roboto Mono" pitchFamily="49" charset="0"/>
+                <a:ea typeface="Roboto Mono" pitchFamily="49" charset="0"/>
+              </a:rPr>
+              <a:t>		</a:t>
+            </a:r>
+            <a:r>
+              <a:rPr lang="en-US" sz="1400" dirty="0" err="1">
+                <a:solidFill>
                   <a:srgbClr val="FFCA39"/>
                 </a:solidFill>
                 <a:latin typeface="Roboto Mono" pitchFamily="49" charset="0"/>
                 <a:ea typeface="Roboto Mono" pitchFamily="49" charset="0"/>
               </a:rPr>
-              <a:t>dataframe</a:t>
-            </a:r>
-            <a:r>
-              <a:rPr lang="en-US" sz="1400" dirty="0">
-                <a:solidFill>
-                  <a:schemeClr val="bg1"/>
-                </a:solidFill>
-                <a:latin typeface="Roboto Mono" pitchFamily="49" charset="0"/>
-                <a:ea typeface="Roboto Mono" pitchFamily="49" charset="0"/>
-              </a:rPr>
-              <a:t> = </a:t>
+              <a:t>df</a:t>
+            </a:r>
+            <a:r>
+              <a:rPr lang="en-US" sz="1400" dirty="0">
+                <a:solidFill>
+                  <a:schemeClr val="bg1"/>
+                </a:solidFill>
+                <a:latin typeface="Roboto Mono" pitchFamily="49" charset="0"/>
+                <a:ea typeface="Roboto Mono" pitchFamily="49" charset="0"/>
+              </a:rPr>
+              <a:t> = data,</a:t>
+            </a:r>
+          </a:p>
+          <a:p>
+            <a:r>
+              <a:rPr lang="en-US" sz="1400" dirty="0">
+                <a:solidFill>
+                  <a:schemeClr val="bg1"/>
+                </a:solidFill>
+                <a:latin typeface="Roboto Mono" pitchFamily="49" charset="0"/>
+                <a:ea typeface="Roboto Mono" pitchFamily="49" charset="0"/>
+              </a:rPr>
+              <a:t>		</a:t>
+            </a:r>
+            <a:r>
+              <a:rPr lang="en-US" sz="1400" dirty="0">
+                <a:solidFill>
+                  <a:srgbClr val="FFCA39"/>
+                </a:solidFill>
+                <a:latin typeface="Roboto Mono" pitchFamily="49" charset="0"/>
+                <a:ea typeface="Roboto Mono" pitchFamily="49" charset="0"/>
+              </a:rPr>
+              <a:t>columns</a:t>
+            </a:r>
+            <a:r>
+              <a:rPr lang="en-US" sz="1400" dirty="0">
+                <a:solidFill>
+                  <a:schemeClr val="bg1"/>
+                </a:solidFill>
+                <a:latin typeface="Roboto Mono" pitchFamily="49" charset="0"/>
+                <a:ea typeface="Roboto Mono" pitchFamily="49" charset="0"/>
+              </a:rPr>
+              <a:t> = ['</a:t>
             </a:r>
             <a:r>
               <a:rPr lang="en-US" sz="1400" dirty="0" err="1">
@@ -3900,113 +3902,81 @@
                 <a:latin typeface="Roboto Mono" pitchFamily="49" charset="0"/>
                 <a:ea typeface="Roboto Mono" pitchFamily="49" charset="0"/>
               </a:rPr>
-              <a:t>df</a:t>
-            </a:r>
-            <a:r>
-              <a:rPr lang="en-US" sz="1400" dirty="0">
-                <a:solidFill>
-                  <a:schemeClr val="bg1"/>
-                </a:solidFill>
-                <a:latin typeface="Roboto Mono" pitchFamily="49" charset="0"/>
-                <a:ea typeface="Roboto Mono" pitchFamily="49" charset="0"/>
-              </a:rPr>
-              <a:t>,</a:t>
-            </a:r>
-          </a:p>
-          <a:p>
-            <a:r>
-              <a:rPr lang="en-US" sz="1400" dirty="0">
-                <a:solidFill>
-                  <a:schemeClr val="bg1"/>
-                </a:solidFill>
-                <a:latin typeface="Roboto Mono" pitchFamily="49" charset="0"/>
-                <a:ea typeface="Roboto Mono" pitchFamily="49" charset="0"/>
-              </a:rPr>
-              <a:t>        </a:t>
-            </a:r>
-            <a:r>
-              <a:rPr lang="en-US" sz="1400" dirty="0" err="1">
+              <a:t>Month','Data</a:t>
+            </a:r>
+            <a:r>
+              <a:rPr lang="en-US" sz="1400" dirty="0">
+                <a:solidFill>
+                  <a:schemeClr val="bg1"/>
+                </a:solidFill>
+                <a:latin typeface="Roboto Mono" pitchFamily="49" charset="0"/>
+                <a:ea typeface="Roboto Mono" pitchFamily="49" charset="0"/>
+              </a:rPr>
+              <a:t> 1’],</a:t>
+            </a:r>
+          </a:p>
+          <a:p>
+            <a:r>
+              <a:rPr lang="en-US" sz="1400" dirty="0">
+                <a:solidFill>
+                  <a:schemeClr val="bg1"/>
+                </a:solidFill>
+                <a:latin typeface="Roboto Mono" pitchFamily="49" charset="0"/>
+                <a:ea typeface="Roboto Mono" pitchFamily="49" charset="0"/>
+              </a:rPr>
+              <a:t>		</a:t>
+            </a:r>
+            <a:r>
+              <a:rPr lang="en-US" sz="1400" dirty="0">
                 <a:solidFill>
                   <a:srgbClr val="FFCA39"/>
                 </a:solidFill>
                 <a:latin typeface="Roboto Mono" pitchFamily="49" charset="0"/>
                 <a:ea typeface="Roboto Mono" pitchFamily="49" charset="0"/>
               </a:rPr>
-              <a:t>xlabel</a:t>
-            </a:r>
-            <a:r>
-              <a:rPr lang="en-US" sz="1400" dirty="0">
-                <a:solidFill>
-                  <a:schemeClr val="bg1"/>
-                </a:solidFill>
-                <a:latin typeface="Roboto Mono" pitchFamily="49" charset="0"/>
-                <a:ea typeface="Roboto Mono" pitchFamily="49" charset="0"/>
-              </a:rPr>
-              <a:t> = 'City',</a:t>
-            </a:r>
-          </a:p>
-          <a:p>
-            <a:r>
-              <a:rPr lang="en-US" sz="1400" dirty="0">
-                <a:solidFill>
-                  <a:schemeClr val="bg1"/>
-                </a:solidFill>
-                <a:latin typeface="Roboto Mono" pitchFamily="49" charset="0"/>
-                <a:ea typeface="Roboto Mono" pitchFamily="49" charset="0"/>
-              </a:rPr>
-              <a:t>        </a:t>
-            </a:r>
-            <a:r>
-              <a:rPr lang="en-US" sz="1400" dirty="0" err="1">
+              <a:t>xcolumn</a:t>
+            </a:r>
+            <a:r>
+              <a:rPr lang="en-US" sz="1400" dirty="0">
+                <a:solidFill>
+                  <a:schemeClr val="bg1"/>
+                </a:solidFill>
+                <a:latin typeface="Roboto Mono" pitchFamily="49" charset="0"/>
+                <a:ea typeface="Roboto Mono" pitchFamily="49" charset="0"/>
+              </a:rPr>
+              <a:t> = 'Month’,</a:t>
+            </a:r>
+          </a:p>
+          <a:p>
+            <a:r>
+              <a:rPr lang="en-US" sz="1400" dirty="0">
+                <a:solidFill>
+                  <a:schemeClr val="bg1"/>
+                </a:solidFill>
+                <a:latin typeface="Roboto Mono" pitchFamily="49" charset="0"/>
+                <a:ea typeface="Roboto Mono" pitchFamily="49" charset="0"/>
+              </a:rPr>
+              <a:t>		</a:t>
+            </a:r>
+            <a:r>
+              <a:rPr lang="en-US" sz="1400" dirty="0">
                 <a:solidFill>
                   <a:srgbClr val="FFCA39"/>
                 </a:solidFill>
                 <a:latin typeface="Roboto Mono" pitchFamily="49" charset="0"/>
                 <a:ea typeface="Roboto Mono" pitchFamily="49" charset="0"/>
               </a:rPr>
-              <a:t>xdata</a:t>
-            </a:r>
-            <a:r>
-              <a:rPr lang="en-US" sz="1400" dirty="0">
-                <a:solidFill>
-                  <a:schemeClr val="bg1"/>
-                </a:solidFill>
-                <a:latin typeface="Roboto Mono" pitchFamily="49" charset="0"/>
-                <a:ea typeface="Roboto Mono" pitchFamily="49" charset="0"/>
-              </a:rPr>
-              <a:t> = 'Population 2020', </a:t>
-            </a:r>
-          </a:p>
-          <a:p>
-            <a:r>
-              <a:rPr lang="en-US" sz="1400" dirty="0">
-                <a:solidFill>
-                  <a:schemeClr val="bg1"/>
-                </a:solidFill>
-                <a:latin typeface="Roboto Mono" pitchFamily="49" charset="0"/>
-                <a:ea typeface="Roboto Mono" pitchFamily="49" charset="0"/>
-              </a:rPr>
-              <a:t>        </a:t>
-            </a:r>
-            <a:r>
-              <a:rPr lang="en-US" sz="1400" dirty="0" err="1">
-                <a:solidFill>
-                  <a:srgbClr val="FFCA39"/>
-                </a:solidFill>
-                <a:latin typeface="Roboto Mono" pitchFamily="49" charset="0"/>
-                <a:ea typeface="Roboto Mono" pitchFamily="49" charset="0"/>
-              </a:rPr>
-              <a:t>ylabel</a:t>
-            </a:r>
-            <a:r>
-              <a:rPr lang="en-US" sz="1400" dirty="0">
-                <a:solidFill>
-                  <a:schemeClr val="bg1"/>
-                </a:solidFill>
-                <a:latin typeface="Roboto Mono" pitchFamily="49" charset="0"/>
-                <a:ea typeface="Roboto Mono" pitchFamily="49" charset="0"/>
-              </a:rPr>
-              <a:t> = ‘2020 Population in Millions'</a:t>
+              <a:t>type</a:t>
+            </a:r>
+            <a:r>
+              <a:rPr lang="en-US" sz="1400" dirty="0">
+                <a:solidFill>
+                  <a:schemeClr val="bg1"/>
+                </a:solidFill>
+                <a:latin typeface="Roboto Mono" pitchFamily="49" charset="0"/>
+                <a:ea typeface="Roboto Mono" pitchFamily="49" charset="0"/>
+              </a:rPr>
+              <a:t> = 'bar'</a:t>
             </a:r>
           </a:p>
           <a:p>
@@ -4325,27 +4295,7 @@
                 <a:latin typeface="Roboto Mono" pitchFamily="49" charset="0"/>
                 <a:ea typeface="Roboto Mono" pitchFamily="49" charset="0"/>
               </a:rPr>
-              <a:t>$&lt;</a:t>
-            </a:r>
-            <a:r>
-              <a:rPr lang="en-US" sz="1400" dirty="0" err="1">
-                <a:solidFill>
-                  <a:schemeClr val="bg1"/>
-                </a:solidFill>
-                <a:latin typeface="Roboto Mono" pitchFamily="49" charset="0"/>
-                <a:ea typeface="Roboto Mono" pitchFamily="49" charset="0"/>
-              </a:rPr>
-              <a:t>piesparrow</a:t>
-            </a:r>
-            <a:r>
-              <a:rPr lang="en-US" sz="1400" dirty="0">
-                <a:solidFill>
-                  <a:schemeClr val="bg1"/>
-                </a:solidFill>
-                <a:latin typeface="Roboto Mono" pitchFamily="49" charset="0"/>
-                <a:ea typeface="Roboto Mono" pitchFamily="49" charset="0"/>
-              </a:rPr>
-              <a:t>&gt;</a:t>
+              <a:t>$&lt;piesparrow&gt;</a:t>
             </a:r>
             <a:endParaRPr lang="en-PK" sz="1400" dirty="0">
               <a:solidFill>
@@ -4667,7 +4617,7 @@
               <a:t> </a:t>
             </a:r>
             <a:r>
-              <a:rPr lang="en-US" sz="1400" dirty="0" err="1">
+              <a:rPr lang="en-US" sz="1400" dirty="0">
                 <a:solidFill>
                   <a:srgbClr val="8BC926"/>
                 </a:solidFill>
@@ -5465,27 +5415,7 @@
                 <a:latin typeface="Roboto Mono" pitchFamily="49" charset="0"/>
                 <a:ea typeface="Roboto Mono" pitchFamily="49" charset="0"/>
               </a:rPr>
-              <a:t>$&lt;</a:t>
-            </a:r>
-            <a:r>
-              <a:rPr lang="en-US" sz="1400" dirty="0" err="1">
-                <a:solidFill>
-                  <a:schemeClr val="bg1"/>
-                </a:solidFill>
-                <a:latin typeface="Roboto Mono" pitchFamily="49" charset="0"/>
-                <a:ea typeface="Roboto Mono" pitchFamily="49" charset="0"/>
-              </a:rPr>
-              <a:t>piesparrow</a:t>
-            </a:r>
-            <a:r>
-              <a:rPr lang="en-US" sz="1400" dirty="0">
-                <a:solidFill>
-                  <a:schemeClr val="bg1"/>
-                </a:solidFill>
-                <a:latin typeface="Roboto Mono" pitchFamily="49" charset="0"/>
-                <a:ea typeface="Roboto Mono" pitchFamily="49" charset="0"/>
-              </a:rPr>
-              <a:t>&gt;</a:t>
+              <a:t>$&lt;piesparrow&gt;</a:t>
             </a:r>
             <a:endParaRPr lang="en-PK" sz="1400" dirty="0">
               <a:solidFill>
@@ -5860,7 +5790,7 @@
               <a:t> </a:t>
             </a:r>
             <a:r>
-              <a:rPr lang="en-US" sz="1400" dirty="0" err="1">
+              <a:rPr lang="en-US" sz="1400" dirty="0">
                 <a:solidFill>
                   <a:srgbClr val="8BC926"/>
                 </a:solidFill>
@@ -6658,27 +6588,7 @@
                 <a:latin typeface="Roboto Mono" pitchFamily="49" charset="0"/>
                 <a:ea typeface="Roboto Mono" pitchFamily="49" charset="0"/>
               </a:rPr>
-              <a:t>$&lt;</a:t>
-            </a:r>
-            <a:r>
-              <a:rPr lang="en-US" sz="1400" dirty="0" err="1">
-                <a:solidFill>
-                  <a:schemeClr val="bg1"/>
-                </a:solidFill>
-                <a:latin typeface="Roboto Mono" pitchFamily="49" charset="0"/>
-                <a:ea typeface="Roboto Mono" pitchFamily="49" charset="0"/>
-              </a:rPr>
-              <a:t>piesparrow</a:t>
-            </a:r>
-            <a:r>
-              <a:rPr lang="en-US" sz="1400" dirty="0">
-                <a:solidFill>
-                  <a:schemeClr val="bg1"/>
-                </a:solidFill>
-                <a:latin typeface="Roboto Mono" pitchFamily="49" charset="0"/>
-                <a:ea typeface="Roboto Mono" pitchFamily="49" charset="0"/>
-              </a:rPr>
-              <a:t>&gt;</a:t>
+              <a:t>$&lt;piesparrow&gt;</a:t>
             </a:r>
             <a:endParaRPr lang="en-PK" sz="1400" dirty="0">
               <a:solidFill>
@@ -7048,7 +6958,7 @@
               <a:t> </a:t>
             </a:r>
             <a:r>
-              <a:rPr lang="en-US" sz="1400" dirty="0" err="1">
+              <a:rPr lang="en-US" sz="1400" dirty="0">
                 <a:solidFill>
                   <a:srgbClr val="8BC926"/>
                 </a:solidFill>
@@ -7846,59 +7756,19 @@
                 <a:latin typeface="Roboto Mono" pitchFamily="49" charset="0"/>
                 <a:ea typeface="Roboto Mono" pitchFamily="49" charset="0"/>
               </a:rPr>
-              <a:t>$&lt;</a:t>
-            </a:r>
-            <a:r>
-              <a:rPr lang="en-US" sz="1400" dirty="0" err="1">
-                <a:solidFill>
-                  <a:schemeClr val="bg1"/>
-                </a:solidFill>
-                <a:latin typeface="Roboto Mono" pitchFamily="49" charset="0"/>
-                <a:ea typeface="Roboto Mono" pitchFamily="49" charset="0"/>
-              </a:rPr>
-              <a:t>piesparrow</a:t>
-            </a:r>
-            <a:r>
-              <a:rPr lang="en-US" sz="1400" dirty="0">
-                <a:solidFill>
-                  <a:schemeClr val="bg1"/>
-                </a:solidFill>
-                <a:latin typeface="Roboto Mono" pitchFamily="49" charset="0"/>
-                <a:ea typeface="Roboto Mono" pitchFamily="49" charset="0"/>
-              </a:rPr>
-              <a:t>&gt;</a:t>
-            </a:r>
-          </a:p>
-          <a:p>
-            <a:r>
-              <a:rPr lang="en-US" sz="1400" dirty="0">
-                <a:solidFill>
-                  <a:schemeClr val="bg1"/>
-                </a:solidFill>
-                <a:latin typeface="Roboto Mono" pitchFamily="49" charset="0"/>
-                <a:ea typeface="Roboto Mono" pitchFamily="49" charset="0"/>
-              </a:rPr>
-              <a:t>$&lt;</a:t>
-            </a:r>
-            <a:r>
-              <a:rPr lang="en-US" sz="1400" dirty="0" err="1">
-                <a:solidFill>
-                  <a:schemeClr val="bg1"/>
-                </a:solidFill>
-                <a:latin typeface="Roboto Mono" pitchFamily="49" charset="0"/>
-                <a:ea typeface="Roboto Mono" pitchFamily="49" charset="0"/>
-              </a:rPr>
-              <a:t>piesparrow</a:t>
-            </a:r>
-            <a:r>
-              <a:rPr lang="en-US" sz="1400" dirty="0">
-                <a:solidFill>
-                  <a:schemeClr val="bg1"/>
-                </a:solidFill>
-                <a:latin typeface="Roboto Mono" pitchFamily="49" charset="0"/>
-                <a:ea typeface="Roboto Mono" pitchFamily="49" charset="0"/>
-              </a:rPr>
-              <a:t>&gt;</a:t>
+              <a:t>$&lt;piesparrow&gt;</a:t>
+            </a:r>
+          </a:p>
+          <a:p>
+            <a:r>
+              <a:rPr lang="en-US" sz="1400" dirty="0">
+                <a:solidFill>
+                  <a:schemeClr val="bg1"/>
+                </a:solidFill>
+                <a:latin typeface="Roboto Mono" pitchFamily="49" charset="0"/>
+                <a:ea typeface="Roboto Mono" pitchFamily="49" charset="0"/>
+              </a:rPr>
+              <a:t>$&lt;piesparrow&gt;</a:t>
             </a:r>
             <a:endParaRPr lang="en-PK" sz="1400" dirty="0">
               <a:solidFill>
@@ -8304,7 +8174,7 @@
               <a:t> </a:t>
             </a:r>
             <a:r>
-              <a:rPr lang="en-US" sz="1400" dirty="0" err="1">
+              <a:rPr lang="en-US" sz="1400" dirty="0">
                 <a:solidFill>
                   <a:srgbClr val="8BC926"/>
                 </a:solidFill>
@@ -9102,59 +8972,19 @@
                 <a:latin typeface="Roboto Mono" pitchFamily="49" charset="0"/>
                 <a:ea typeface="Roboto Mono" pitchFamily="49" charset="0"/>
               </a:rPr>
-              <a:t>$&lt;</a:t>
-            </a:r>
-            <a:r>
-              <a:rPr lang="en-US" sz="1400" dirty="0" err="1">
-                <a:solidFill>
-                  <a:schemeClr val="bg1"/>
-                </a:solidFill>
-                <a:latin typeface="Roboto Mono" pitchFamily="49" charset="0"/>
-                <a:ea typeface="Roboto Mono" pitchFamily="49" charset="0"/>
-              </a:rPr>
-              <a:t>piesparrow</a:t>
-            </a:r>
-            <a:r>
-              <a:rPr lang="en-US" sz="1400" dirty="0">
-                <a:solidFill>
-                  <a:schemeClr val="bg1"/>
-                </a:solidFill>
-                <a:latin typeface="Roboto Mono" pitchFamily="49" charset="0"/>
-                <a:ea typeface="Roboto Mono" pitchFamily="49" charset="0"/>
-              </a:rPr>
-              <a:t>&gt;</a:t>
-            </a:r>
-          </a:p>
-          <a:p>
-            <a:r>
-              <a:rPr lang="en-US" sz="1400" dirty="0">
-                <a:solidFill>
-                  <a:schemeClr val="bg1"/>
-                </a:solidFill>
-                <a:latin typeface="Roboto Mono" pitchFamily="49" charset="0"/>
-                <a:ea typeface="Roboto Mono" pitchFamily="49" charset="0"/>
-              </a:rPr>
-              <a:t>$&lt;</a:t>
-            </a:r>
-            <a:r>
-              <a:rPr lang="en-US" sz="1400" dirty="0" err="1">
-                <a:solidFill>
-                  <a:schemeClr val="bg1"/>
-                </a:solidFill>
-                <a:latin typeface="Roboto Mono" pitchFamily="49" charset="0"/>
-                <a:ea typeface="Roboto Mono" pitchFamily="49" charset="0"/>
-              </a:rPr>
-              <a:t>piesparrow</a:t>
-            </a:r>
-            <a:r>
-              <a:rPr lang="en-US" sz="1400" dirty="0">
-                <a:solidFill>
-                  <a:schemeClr val="bg1"/>
-                </a:solidFill>
-                <a:latin typeface="Roboto Mono" pitchFamily="49" charset="0"/>
-                <a:ea typeface="Roboto Mono" pitchFamily="49" charset="0"/>
-              </a:rPr>
-              <a:t>&gt;</a:t>
+              <a:t>$&lt;piesparrow&gt;</a:t>
+            </a:r>
+          </a:p>
+          <a:p>
+            <a:r>
+              <a:rPr lang="en-US" sz="1400" dirty="0">
+                <a:solidFill>
+                  <a:schemeClr val="bg1"/>
+                </a:solidFill>
+                <a:latin typeface="Roboto Mono" pitchFamily="49" charset="0"/>
+                <a:ea typeface="Roboto Mono" pitchFamily="49" charset="0"/>
+              </a:rPr>
+              <a:t>$&lt;piesparrow&gt;</a:t>
             </a:r>
             <a:endParaRPr lang="en-PK" sz="1400" dirty="0">
               <a:solidFill>
@@ -9621,7 +9451,7 @@
               <a:t> </a:t>
             </a:r>
             <a:r>
-              <a:rPr lang="en-US" sz="1400" dirty="0" err="1">
+              <a:rPr lang="en-US" sz="1400" dirty="0">
                 <a:solidFill>
                   <a:srgbClr val="8BC926"/>
                 </a:solidFill>
@@ -10419,59 +10249,19 @@
                 <a:latin typeface="Roboto Mono" pitchFamily="49" charset="0"/>
                 <a:ea typeface="Roboto Mono" pitchFamily="49" charset="0"/>
               </a:rPr>
-              <a:t>$&lt;</a:t>
-            </a:r>
-            <a:r>
-              <a:rPr lang="en-US" sz="1400" dirty="0" err="1">
-                <a:solidFill>
-                  <a:schemeClr val="bg1"/>
-                </a:solidFill>
-                <a:latin typeface="Roboto Mono" pitchFamily="49" charset="0"/>
-                <a:ea typeface="Roboto Mono" pitchFamily="49" charset="0"/>
-              </a:rPr>
-              <a:t>piesparrow</a:t>
-            </a:r>
-            <a:r>
-              <a:rPr lang="en-US" sz="1400" dirty="0">
-                <a:solidFill>
-                  <a:schemeClr val="bg1"/>
-                </a:solidFill>
-                <a:latin typeface="Roboto Mono" pitchFamily="49" charset="0"/>
-                <a:ea typeface="Roboto Mono" pitchFamily="49" charset="0"/>
-              </a:rPr>
-              <a:t>&gt;</a:t>
-            </a:r>
-          </a:p>
-          <a:p>
-            <a:r>
-              <a:rPr lang="en-US" sz="1400" dirty="0">
-                <a:solidFill>
-                  <a:schemeClr val="bg1"/>
-                </a:solidFill>
-                <a:latin typeface="Roboto Mono" pitchFamily="49" charset="0"/>
-                <a:ea typeface="Roboto Mono" pitchFamily="49" charset="0"/>
-              </a:rPr>
-              <a:t>$&lt;</a:t>
-            </a:r>
-            <a:r>
-              <a:rPr lang="en-US" sz="1400" dirty="0" err="1">
-                <a:solidFill>
-                  <a:schemeClr val="bg1"/>
-                </a:solidFill>
-                <a:latin typeface="Roboto Mono" pitchFamily="49" charset="0"/>
-                <a:ea typeface="Roboto Mono" pitchFamily="49" charset="0"/>
-              </a:rPr>
-              <a:t>piesparrow</a:t>
-            </a:r>
-            <a:r>
-              <a:rPr lang="en-US" sz="1400" dirty="0">
-                <a:solidFill>
-                  <a:schemeClr val="bg1"/>
-                </a:solidFill>
-                <a:latin typeface="Roboto Mono" pitchFamily="49" charset="0"/>
-                <a:ea typeface="Roboto Mono" pitchFamily="49" charset="0"/>
-              </a:rPr>
-              <a:t>&gt;</a:t>
+              <a:t>$&lt;piesparrow&gt;</a:t>
+            </a:r>
+          </a:p>
+          <a:p>
+            <a:r>
+              <a:rPr lang="en-US" sz="1400" dirty="0">
+                <a:solidFill>
+                  <a:schemeClr val="bg1"/>
+                </a:solidFill>
+                <a:latin typeface="Roboto Mono" pitchFamily="49" charset="0"/>
+                <a:ea typeface="Roboto Mono" pitchFamily="49" charset="0"/>
+              </a:rPr>
+              <a:t>$&lt;piesparrow&gt;</a:t>
             </a:r>
             <a:endParaRPr lang="en-PK" sz="1400" dirty="0">
               <a:solidFill>
@@ -11615,27 +11405,7 @@
                 <a:latin typeface="Roboto Mono" pitchFamily="49" charset="0"/>
                 <a:ea typeface="Roboto Mono" pitchFamily="49" charset="0"/>
               </a:rPr>
-              <a:t>$&lt;</a:t>
-            </a:r>
-            <a:r>
-              <a:rPr lang="en-US" sz="1400" dirty="0" err="1">
-                <a:solidFill>
-                  <a:schemeClr val="bg1"/>
-                </a:solidFill>
-                <a:latin typeface="Roboto Mono" pitchFamily="49" charset="0"/>
-                <a:ea typeface="Roboto Mono" pitchFamily="49" charset="0"/>
-              </a:rPr>
-              <a:t>piesparrow</a:t>
-            </a:r>
-            <a:r>
-              <a:rPr lang="en-US" sz="1400" dirty="0">
-                <a:solidFill>
-                  <a:schemeClr val="bg1"/>
-                </a:solidFill>
-                <a:latin typeface="Roboto Mono" pitchFamily="49" charset="0"/>
-                <a:ea typeface="Roboto Mono" pitchFamily="49" charset="0"/>
-              </a:rPr>
-              <a:t>&gt;</a:t>
+              <a:t>$&lt;piesparrow&gt;</a:t>
             </a:r>
             <a:endParaRPr lang="en-PK" sz="1400" dirty="0">
               <a:solidFill>

--- a/0.0.5/site/intro2.pptx
+++ b/0.0.5/site/intro2.pptx
@@ -267,7 +267,7 @@
           <a:p>
             <a:fld id="{18CC6136-A0F9-4F11-8D2F-590E0E437A17}" type="datetimeFigureOut">
               <a:rPr lang="en-US" smtClean="0"/>
-              <a:t>12/13/2022</a:t>
+              <a:t>12/15/2022</a:t>
             </a:fld>
             <a:endParaRPr lang="en-US"/>
           </a:p>
@@ -465,7 +465,7 @@
           <a:p>
             <a:fld id="{18CC6136-A0F9-4F11-8D2F-590E0E437A17}" type="datetimeFigureOut">
               <a:rPr lang="en-US" smtClean="0"/>
-              <a:t>12/13/2022</a:t>
+              <a:t>12/15/2022</a:t>
             </a:fld>
             <a:endParaRPr lang="en-US"/>
           </a:p>
@@ -673,7 +673,7 @@
           <a:p>
             <a:fld id="{18CC6136-A0F9-4F11-8D2F-590E0E437A17}" type="datetimeFigureOut">
               <a:rPr lang="en-US" smtClean="0"/>
-              <a:t>12/13/2022</a:t>
+              <a:t>12/15/2022</a:t>
             </a:fld>
             <a:endParaRPr lang="en-US"/>
           </a:p>
@@ -871,7 +871,7 @@
           <a:p>
             <a:fld id="{18CC6136-A0F9-4F11-8D2F-590E0E437A17}" type="datetimeFigureOut">
               <a:rPr lang="en-US" smtClean="0"/>
-              <a:t>12/13/2022</a:t>
+              <a:t>12/15/2022</a:t>
             </a:fld>
             <a:endParaRPr lang="en-US"/>
           </a:p>
@@ -1146,7 +1146,7 @@
           <a:p>
             <a:fld id="{18CC6136-A0F9-4F11-8D2F-590E0E437A17}" type="datetimeFigureOut">
               <a:rPr lang="en-US" smtClean="0"/>
-              <a:t>12/13/2022</a:t>
+              <a:t>12/15/2022</a:t>
             </a:fld>
             <a:endParaRPr lang="en-US"/>
           </a:p>
@@ -1411,7 +1411,7 @@
           <a:p>
             <a:fld id="{18CC6136-A0F9-4F11-8D2F-590E0E437A17}" type="datetimeFigureOut">
               <a:rPr lang="en-US" smtClean="0"/>
-              <a:t>12/13/2022</a:t>
+              <a:t>12/15/2022</a:t>
             </a:fld>
             <a:endParaRPr lang="en-US"/>
           </a:p>
@@ -1823,7 +1823,7 @@
           <a:p>
             <a:fld id="{18CC6136-A0F9-4F11-8D2F-590E0E437A17}" type="datetimeFigureOut">
               <a:rPr lang="en-US" smtClean="0"/>
-              <a:t>12/13/2022</a:t>
+              <a:t>12/15/2022</a:t>
             </a:fld>
             <a:endParaRPr lang="en-US"/>
           </a:p>
@@ -1964,7 +1964,7 @@
           <a:p>
             <a:fld id="{18CC6136-A0F9-4F11-8D2F-590E0E437A17}" type="datetimeFigureOut">
               <a:rPr lang="en-US" smtClean="0"/>
-              <a:t>12/13/2022</a:t>
+              <a:t>12/15/2022</a:t>
             </a:fld>
             <a:endParaRPr lang="en-US"/>
           </a:p>
@@ -2077,7 +2077,7 @@
           <a:p>
             <a:fld id="{18CC6136-A0F9-4F11-8D2F-590E0E437A17}" type="datetimeFigureOut">
               <a:rPr lang="en-US" smtClean="0"/>
-              <a:t>12/13/2022</a:t>
+              <a:t>12/15/2022</a:t>
             </a:fld>
             <a:endParaRPr lang="en-US"/>
           </a:p>
@@ -2388,7 +2388,7 @@
           <a:p>
             <a:fld id="{18CC6136-A0F9-4F11-8D2F-590E0E437A17}" type="datetimeFigureOut">
               <a:rPr lang="en-US" smtClean="0"/>
-              <a:t>12/13/2022</a:t>
+              <a:t>12/15/2022</a:t>
             </a:fld>
             <a:endParaRPr lang="en-US"/>
           </a:p>
@@ -2676,7 +2676,7 @@
           <a:p>
             <a:fld id="{18CC6136-A0F9-4F11-8D2F-590E0E437A17}" type="datetimeFigureOut">
               <a:rPr lang="en-US" smtClean="0"/>
-              <a:t>12/13/2022</a:t>
+              <a:t>12/15/2022</a:t>
             </a:fld>
             <a:endParaRPr lang="en-US"/>
           </a:p>
@@ -2917,7 +2917,7 @@
           <a:p>
             <a:fld id="{18CC6136-A0F9-4F11-8D2F-590E0E437A17}" type="datetimeFigureOut">
               <a:rPr lang="en-US" smtClean="0"/>
-              <a:t>12/13/2022</a:t>
+              <a:t>12/15/2022</a:t>
             </a:fld>
             <a:endParaRPr lang="en-US"/>
           </a:p>
@@ -4498,642 +4498,6 @@
       </p:pic>
       <p:sp>
         <p:nvSpPr>
-          <p:cNvPr id="8" name="TextBox 7">
-            <a:extLst>
-              <a:ext uri="{FF2B5EF4-FFF2-40B4-BE49-F238E27FC236}">
-                <a16:creationId xmlns:a16="http://schemas.microsoft.com/office/drawing/2014/main" id="{D9177F28-A0DE-EEB7-084E-387FEDD06A03}"/>
-              </a:ext>
-            </a:extLst>
-          </p:cNvPr>
-          <p:cNvSpPr txBox="1"/>
-          <p:nvPr/>
-        </p:nvSpPr>
-        <p:spPr>
-          <a:xfrm>
-            <a:off x="292187" y="1247518"/>
-            <a:ext cx="5339923" cy="3539430"/>
-          </a:xfrm>
-          <a:prstGeom prst="rect">
-            <a:avLst/>
-          </a:prstGeom>
-          <a:noFill/>
-        </p:spPr>
-        <p:txBody>
-          <a:bodyPr wrap="none" rtlCol="0">
-            <a:spAutoFit/>
-          </a:bodyPr>
-          <a:lstStyle/>
-          <a:p>
-            <a:r>
-              <a:rPr lang="en-US" sz="1400" dirty="0">
-                <a:solidFill>
-                  <a:srgbClr val="FF595E"/>
-                </a:solidFill>
-                <a:latin typeface="Roboto Mono" pitchFamily="49" charset="0"/>
-                <a:ea typeface="Roboto Mono" pitchFamily="49" charset="0"/>
-              </a:rPr>
-              <a:t>import</a:t>
-            </a:r>
-            <a:r>
-              <a:rPr lang="en-US" sz="1400" dirty="0">
-                <a:solidFill>
-                  <a:schemeClr val="bg1"/>
-                </a:solidFill>
-                <a:latin typeface="Roboto Mono" pitchFamily="49" charset="0"/>
-                <a:ea typeface="Roboto Mono" pitchFamily="49" charset="0"/>
-              </a:rPr>
-              <a:t> </a:t>
-            </a:r>
-            <a:r>
-              <a:rPr lang="en-US" sz="1400" dirty="0">
-                <a:solidFill>
-                  <a:srgbClr val="8BC926"/>
-                </a:solidFill>
-                <a:latin typeface="Roboto Mono" pitchFamily="49" charset="0"/>
-                <a:ea typeface="Roboto Mono" pitchFamily="49" charset="0"/>
-              </a:rPr>
-              <a:t>pandas</a:t>
-            </a:r>
-            <a:r>
-              <a:rPr lang="en-US" sz="1400" dirty="0">
-                <a:solidFill>
-                  <a:schemeClr val="bg1"/>
-                </a:solidFill>
-                <a:latin typeface="Roboto Mono" pitchFamily="49" charset="0"/>
-                <a:ea typeface="Roboto Mono" pitchFamily="49" charset="0"/>
-              </a:rPr>
-              <a:t> </a:t>
-            </a:r>
-            <a:r>
-              <a:rPr lang="en-US" sz="1400" dirty="0">
-                <a:solidFill>
-                  <a:srgbClr val="FF595E"/>
-                </a:solidFill>
-                <a:latin typeface="Roboto Mono" pitchFamily="49" charset="0"/>
-                <a:ea typeface="Roboto Mono" pitchFamily="49" charset="0"/>
-              </a:rPr>
-              <a:t>as</a:t>
-            </a:r>
-            <a:r>
-              <a:rPr lang="en-US" sz="1400" dirty="0">
-                <a:solidFill>
-                  <a:schemeClr val="bg1"/>
-                </a:solidFill>
-                <a:latin typeface="Roboto Mono" pitchFamily="49" charset="0"/>
-                <a:ea typeface="Roboto Mono" pitchFamily="49" charset="0"/>
-              </a:rPr>
-              <a:t> </a:t>
-            </a:r>
-            <a:r>
-              <a:rPr lang="en-US" sz="1400" dirty="0">
-                <a:solidFill>
-                  <a:srgbClr val="8BC926"/>
-                </a:solidFill>
-                <a:latin typeface="Roboto Mono" pitchFamily="49" charset="0"/>
-                <a:ea typeface="Roboto Mono" pitchFamily="49" charset="0"/>
-              </a:rPr>
-              <a:t>pd</a:t>
-            </a:r>
-          </a:p>
-          <a:p>
-            <a:r>
-              <a:rPr lang="en-US" sz="1400" dirty="0">
-                <a:solidFill>
-                  <a:srgbClr val="FF595E"/>
-                </a:solidFill>
-                <a:latin typeface="Roboto Mono" pitchFamily="49" charset="0"/>
-                <a:ea typeface="Roboto Mono" pitchFamily="49" charset="0"/>
-              </a:rPr>
-              <a:t>import</a:t>
-            </a:r>
-            <a:r>
-              <a:rPr lang="en-US" sz="1400" dirty="0">
-                <a:solidFill>
-                  <a:schemeClr val="bg1"/>
-                </a:solidFill>
-                <a:latin typeface="Roboto Mono" pitchFamily="49" charset="0"/>
-                <a:ea typeface="Roboto Mono" pitchFamily="49" charset="0"/>
-              </a:rPr>
-              <a:t> </a:t>
-            </a:r>
-            <a:r>
-              <a:rPr lang="en-US" sz="1400" dirty="0">
-                <a:solidFill>
-                  <a:srgbClr val="8BC926"/>
-                </a:solidFill>
-                <a:latin typeface="Roboto Mono" pitchFamily="49" charset="0"/>
-                <a:ea typeface="Roboto Mono" pitchFamily="49" charset="0"/>
-              </a:rPr>
-              <a:t>piesparrow</a:t>
-            </a:r>
-            <a:r>
-              <a:rPr lang="en-US" sz="1400" dirty="0">
-                <a:solidFill>
-                  <a:schemeClr val="bg1"/>
-                </a:solidFill>
-                <a:latin typeface="Roboto Mono" pitchFamily="49" charset="0"/>
-                <a:ea typeface="Roboto Mono" pitchFamily="49" charset="0"/>
-              </a:rPr>
-              <a:t> </a:t>
-            </a:r>
-            <a:r>
-              <a:rPr lang="en-US" sz="1400" dirty="0">
-                <a:solidFill>
-                  <a:srgbClr val="FF595E"/>
-                </a:solidFill>
-                <a:latin typeface="Roboto Mono" pitchFamily="49" charset="0"/>
-                <a:ea typeface="Roboto Mono" pitchFamily="49" charset="0"/>
-              </a:rPr>
-              <a:t>as</a:t>
-            </a:r>
-            <a:r>
-              <a:rPr lang="en-US" sz="1400" dirty="0">
-                <a:solidFill>
-                  <a:schemeClr val="bg1"/>
-                </a:solidFill>
-                <a:latin typeface="Roboto Mono" pitchFamily="49" charset="0"/>
-                <a:ea typeface="Roboto Mono" pitchFamily="49" charset="0"/>
-              </a:rPr>
-              <a:t> </a:t>
-            </a:r>
-            <a:r>
-              <a:rPr lang="en-US" sz="1400" dirty="0" err="1">
-                <a:solidFill>
-                  <a:srgbClr val="8BC926"/>
-                </a:solidFill>
-                <a:latin typeface="Roboto Mono" pitchFamily="49" charset="0"/>
-                <a:ea typeface="Roboto Mono" pitchFamily="49" charset="0"/>
-              </a:rPr>
-              <a:t>ps</a:t>
-            </a:r>
-            <a:endParaRPr lang="en-US" sz="1400" dirty="0">
-              <a:solidFill>
-                <a:srgbClr val="8BC926"/>
-              </a:solidFill>
-              <a:latin typeface="Roboto Mono" pitchFamily="49" charset="0"/>
-              <a:ea typeface="Roboto Mono" pitchFamily="49" charset="0"/>
-            </a:endParaRPr>
-          </a:p>
-          <a:p>
-            <a:endParaRPr lang="en-US" sz="1400" dirty="0">
-              <a:solidFill>
-                <a:schemeClr val="bg1"/>
-              </a:solidFill>
-              <a:latin typeface="Roboto Mono" pitchFamily="49" charset="0"/>
-              <a:ea typeface="Roboto Mono" pitchFamily="49" charset="0"/>
-            </a:endParaRPr>
-          </a:p>
-          <a:p>
-            <a:r>
-              <a:rPr lang="en-US" sz="1400" dirty="0" err="1">
-                <a:solidFill>
-                  <a:schemeClr val="bg1"/>
-                </a:solidFill>
-                <a:latin typeface="Roboto Mono" pitchFamily="49" charset="0"/>
-                <a:ea typeface="Roboto Mono" pitchFamily="49" charset="0"/>
-              </a:rPr>
-              <a:t>df</a:t>
-            </a:r>
-            <a:r>
-              <a:rPr lang="en-US" sz="1400" dirty="0">
-                <a:solidFill>
-                  <a:schemeClr val="bg1"/>
-                </a:solidFill>
-                <a:latin typeface="Roboto Mono" pitchFamily="49" charset="0"/>
-                <a:ea typeface="Roboto Mono" pitchFamily="49" charset="0"/>
-              </a:rPr>
-              <a:t> = </a:t>
-            </a:r>
-            <a:r>
-              <a:rPr lang="en-US" sz="1400" dirty="0" err="1">
-                <a:solidFill>
-                  <a:srgbClr val="8BC926"/>
-                </a:solidFill>
-                <a:latin typeface="Roboto Mono" pitchFamily="49" charset="0"/>
-                <a:ea typeface="Roboto Mono" pitchFamily="49" charset="0"/>
-              </a:rPr>
-              <a:t>pd.read_csv</a:t>
-            </a:r>
-            <a:r>
-              <a:rPr lang="en-US" sz="1400" dirty="0">
-                <a:solidFill>
-                  <a:schemeClr val="bg1"/>
-                </a:solidFill>
-                <a:latin typeface="Roboto Mono" pitchFamily="49" charset="0"/>
-                <a:ea typeface="Roboto Mono" pitchFamily="49" charset="0"/>
-              </a:rPr>
-              <a:t>('</a:t>
-            </a:r>
-            <a:r>
-              <a:rPr lang="en-US" sz="1400" dirty="0" err="1">
-                <a:solidFill>
-                  <a:schemeClr val="bg1"/>
-                </a:solidFill>
-                <a:latin typeface="Roboto Mono" pitchFamily="49" charset="0"/>
-                <a:ea typeface="Roboto Mono" pitchFamily="49" charset="0"/>
-              </a:rPr>
-              <a:t>pop.csv</a:t>
-            </a:r>
-            <a:r>
-              <a:rPr lang="en-US" sz="1400" dirty="0">
-                <a:solidFill>
-                  <a:schemeClr val="bg1"/>
-                </a:solidFill>
-                <a:latin typeface="Roboto Mono" pitchFamily="49" charset="0"/>
-                <a:ea typeface="Roboto Mono" pitchFamily="49" charset="0"/>
-              </a:rPr>
-              <a:t>')</a:t>
-            </a:r>
-          </a:p>
-          <a:p>
-            <a:endParaRPr lang="en-US" sz="1400" dirty="0">
-              <a:solidFill>
-                <a:schemeClr val="bg1"/>
-              </a:solidFill>
-              <a:latin typeface="Roboto Mono" pitchFamily="49" charset="0"/>
-              <a:ea typeface="Roboto Mono" pitchFamily="49" charset="0"/>
-            </a:endParaRPr>
-          </a:p>
-          <a:p>
-            <a:r>
-              <a:rPr lang="en-US" sz="1400" dirty="0" err="1">
-                <a:solidFill>
-                  <a:srgbClr val="8BC926"/>
-                </a:solidFill>
-                <a:latin typeface="Roboto Mono" pitchFamily="49" charset="0"/>
-                <a:ea typeface="Roboto Mono" pitchFamily="49" charset="0"/>
-              </a:rPr>
-              <a:t>ps.init</a:t>
-            </a:r>
-            <a:r>
-              <a:rPr lang="en-US" sz="1400" dirty="0">
-                <a:solidFill>
-                  <a:schemeClr val="bg1"/>
-                </a:solidFill>
-                <a:latin typeface="Roboto Mono" pitchFamily="49" charset="0"/>
-                <a:ea typeface="Roboto Mono" pitchFamily="49" charset="0"/>
-              </a:rPr>
-              <a:t>(</a:t>
-            </a:r>
-            <a:r>
-              <a:rPr lang="en-US" sz="1400" dirty="0">
-                <a:solidFill>
-                  <a:srgbClr val="FFCA39"/>
-                </a:solidFill>
-                <a:latin typeface="Roboto Mono" pitchFamily="49" charset="0"/>
-                <a:ea typeface="Roboto Mono" pitchFamily="49" charset="0"/>
-              </a:rPr>
-              <a:t>filename</a:t>
-            </a:r>
-            <a:r>
-              <a:rPr lang="en-US" sz="1400" dirty="0">
-                <a:solidFill>
-                  <a:schemeClr val="bg1"/>
-                </a:solidFill>
-                <a:latin typeface="Roboto Mono" pitchFamily="49" charset="0"/>
-                <a:ea typeface="Roboto Mono" pitchFamily="49" charset="0"/>
-              </a:rPr>
-              <a:t> = '</a:t>
-            </a:r>
-            <a:r>
-              <a:rPr lang="en-US" sz="1400" dirty="0" err="1">
-                <a:solidFill>
-                  <a:schemeClr val="bg1"/>
-                </a:solidFill>
-                <a:latin typeface="Roboto Mono" pitchFamily="49" charset="0"/>
-                <a:ea typeface="Roboto Mono" pitchFamily="49" charset="0"/>
-              </a:rPr>
-              <a:t>myChart</a:t>
-            </a:r>
-            <a:r>
-              <a:rPr lang="en-US" sz="1400" dirty="0">
-                <a:solidFill>
-                  <a:schemeClr val="bg1"/>
-                </a:solidFill>
-                <a:latin typeface="Roboto Mono" pitchFamily="49" charset="0"/>
-                <a:ea typeface="Roboto Mono" pitchFamily="49" charset="0"/>
-              </a:rPr>
-              <a:t>',</a:t>
-            </a:r>
-            <a:r>
-              <a:rPr lang="en-US" sz="1400" dirty="0">
-                <a:solidFill>
-                  <a:srgbClr val="FFCA39"/>
-                </a:solidFill>
-                <a:latin typeface="Roboto Mono" pitchFamily="49" charset="0"/>
-                <a:ea typeface="Roboto Mono" pitchFamily="49" charset="0"/>
-              </a:rPr>
-              <a:t>title </a:t>
-            </a:r>
-            <a:r>
-              <a:rPr lang="en-US" sz="1400" dirty="0">
-                <a:solidFill>
-                  <a:schemeClr val="bg1"/>
-                </a:solidFill>
-                <a:latin typeface="Roboto Mono" pitchFamily="49" charset="0"/>
-                <a:ea typeface="Roboto Mono" pitchFamily="49" charset="0"/>
-              </a:rPr>
-              <a:t>= ‘My Chart')</a:t>
-            </a:r>
-          </a:p>
-          <a:p>
-            <a:endParaRPr lang="en-US" sz="1400" dirty="0">
-              <a:solidFill>
-                <a:schemeClr val="bg1"/>
-              </a:solidFill>
-              <a:latin typeface="Roboto Mono" pitchFamily="49" charset="0"/>
-              <a:ea typeface="Roboto Mono" pitchFamily="49" charset="0"/>
-            </a:endParaRPr>
-          </a:p>
-          <a:p>
-            <a:r>
-              <a:rPr lang="en-US" sz="1400" dirty="0" err="1">
-                <a:solidFill>
-                  <a:srgbClr val="8BC926"/>
-                </a:solidFill>
-                <a:latin typeface="Roboto Mono" pitchFamily="49" charset="0"/>
-                <a:ea typeface="Roboto Mono" pitchFamily="49" charset="0"/>
-              </a:rPr>
-              <a:t>ps.row</a:t>
-            </a:r>
-            <a:r>
-              <a:rPr lang="en-US" sz="1400" dirty="0">
-                <a:solidFill>
-                  <a:schemeClr val="bg1"/>
-                </a:solidFill>
-                <a:latin typeface="Roboto Mono" pitchFamily="49" charset="0"/>
-                <a:ea typeface="Roboto Mono" pitchFamily="49" charset="0"/>
-              </a:rPr>
-              <a:t>(</a:t>
-            </a:r>
-          </a:p>
-          <a:p>
-            <a:r>
-              <a:rPr lang="en-US" sz="1400" dirty="0">
-                <a:solidFill>
-                  <a:schemeClr val="bg1"/>
-                </a:solidFill>
-                <a:latin typeface="Roboto Mono" pitchFamily="49" charset="0"/>
-                <a:ea typeface="Roboto Mono" pitchFamily="49" charset="0"/>
-              </a:rPr>
-              <a:t>   </a:t>
-            </a:r>
-            <a:r>
-              <a:rPr lang="en-US" sz="1400" dirty="0">
-                <a:solidFill>
-                  <a:srgbClr val="8BC926"/>
-                </a:solidFill>
-                <a:latin typeface="Roboto Mono" pitchFamily="49" charset="0"/>
-                <a:ea typeface="Roboto Mono" pitchFamily="49" charset="0"/>
-              </a:rPr>
-              <a:t>col1</a:t>
-            </a:r>
-            <a:r>
-              <a:rPr lang="en-US" sz="1400" dirty="0">
-                <a:solidFill>
-                  <a:schemeClr val="bg1"/>
-                </a:solidFill>
-                <a:latin typeface="Roboto Mono" pitchFamily="49" charset="0"/>
-                <a:ea typeface="Roboto Mono" pitchFamily="49" charset="0"/>
-              </a:rPr>
-              <a:t> = </a:t>
-            </a:r>
-            <a:r>
-              <a:rPr lang="en-US" sz="1400" dirty="0" err="1">
-                <a:solidFill>
-                  <a:srgbClr val="8BC926"/>
-                </a:solidFill>
-                <a:latin typeface="Roboto Mono" pitchFamily="49" charset="0"/>
-                <a:ea typeface="Roboto Mono" pitchFamily="49" charset="0"/>
-              </a:rPr>
-              <a:t>ps.bar</a:t>
-            </a:r>
-            <a:r>
-              <a:rPr lang="en-US" sz="1400" dirty="0">
-                <a:solidFill>
-                  <a:schemeClr val="bg1"/>
-                </a:solidFill>
-                <a:latin typeface="Roboto Mono" pitchFamily="49" charset="0"/>
-                <a:ea typeface="Roboto Mono" pitchFamily="49" charset="0"/>
-              </a:rPr>
-              <a:t>(</a:t>
-            </a:r>
-          </a:p>
-          <a:p>
-            <a:r>
-              <a:rPr lang="en-US" sz="1400" dirty="0">
-                <a:solidFill>
-                  <a:schemeClr val="bg1"/>
-                </a:solidFill>
-                <a:latin typeface="Roboto Mono" pitchFamily="49" charset="0"/>
-                <a:ea typeface="Roboto Mono" pitchFamily="49" charset="0"/>
-              </a:rPr>
-              <a:t>        </a:t>
-            </a:r>
-            <a:r>
-              <a:rPr lang="en-US" sz="1400" dirty="0">
-                <a:solidFill>
-                  <a:srgbClr val="FFCA39"/>
-                </a:solidFill>
-                <a:latin typeface="Roboto Mono" pitchFamily="49" charset="0"/>
-                <a:ea typeface="Roboto Mono" pitchFamily="49" charset="0"/>
-              </a:rPr>
-              <a:t>title</a:t>
-            </a:r>
-            <a:r>
-              <a:rPr lang="en-US" sz="1400" dirty="0">
-                <a:solidFill>
-                  <a:schemeClr val="bg1"/>
-                </a:solidFill>
-                <a:latin typeface="Roboto Mono" pitchFamily="49" charset="0"/>
-                <a:ea typeface="Roboto Mono" pitchFamily="49" charset="0"/>
-              </a:rPr>
-              <a:t> = 'Population of Cities',</a:t>
-            </a:r>
-          </a:p>
-          <a:p>
-            <a:r>
-              <a:rPr lang="en-US" sz="1400" dirty="0">
-                <a:solidFill>
-                  <a:schemeClr val="bg1"/>
-                </a:solidFill>
-                <a:latin typeface="Roboto Mono" pitchFamily="49" charset="0"/>
-                <a:ea typeface="Roboto Mono" pitchFamily="49" charset="0"/>
-              </a:rPr>
-              <a:t>        </a:t>
-            </a:r>
-            <a:r>
-              <a:rPr lang="en-US" sz="1400" dirty="0" err="1">
-                <a:solidFill>
-                  <a:srgbClr val="FFCA39"/>
-                </a:solidFill>
-                <a:latin typeface="Roboto Mono" pitchFamily="49" charset="0"/>
-                <a:ea typeface="Roboto Mono" pitchFamily="49" charset="0"/>
-              </a:rPr>
-              <a:t>dataframe</a:t>
-            </a:r>
-            <a:r>
-              <a:rPr lang="en-US" sz="1400" dirty="0">
-                <a:solidFill>
-                  <a:schemeClr val="bg1"/>
-                </a:solidFill>
-                <a:latin typeface="Roboto Mono" pitchFamily="49" charset="0"/>
-                <a:ea typeface="Roboto Mono" pitchFamily="49" charset="0"/>
-              </a:rPr>
-              <a:t> = </a:t>
-            </a:r>
-            <a:r>
-              <a:rPr lang="en-US" sz="1400" dirty="0" err="1">
-                <a:solidFill>
-                  <a:schemeClr val="bg1"/>
-                </a:solidFill>
-                <a:latin typeface="Roboto Mono" pitchFamily="49" charset="0"/>
-                <a:ea typeface="Roboto Mono" pitchFamily="49" charset="0"/>
-              </a:rPr>
-              <a:t>df</a:t>
-            </a:r>
-            <a:r>
-              <a:rPr lang="en-US" sz="1400" dirty="0">
-                <a:solidFill>
-                  <a:schemeClr val="bg1"/>
-                </a:solidFill>
-                <a:latin typeface="Roboto Mono" pitchFamily="49" charset="0"/>
-                <a:ea typeface="Roboto Mono" pitchFamily="49" charset="0"/>
-              </a:rPr>
-              <a:t>,</a:t>
-            </a:r>
-          </a:p>
-          <a:p>
-            <a:r>
-              <a:rPr lang="en-US" sz="1400" dirty="0">
-                <a:solidFill>
-                  <a:schemeClr val="bg1"/>
-                </a:solidFill>
-                <a:latin typeface="Roboto Mono" pitchFamily="49" charset="0"/>
-                <a:ea typeface="Roboto Mono" pitchFamily="49" charset="0"/>
-              </a:rPr>
-              <a:t>        </a:t>
-            </a:r>
-            <a:r>
-              <a:rPr lang="en-US" sz="1400" dirty="0" err="1">
-                <a:solidFill>
-                  <a:srgbClr val="FFCA39"/>
-                </a:solidFill>
-                <a:latin typeface="Roboto Mono" pitchFamily="49" charset="0"/>
-                <a:ea typeface="Roboto Mono" pitchFamily="49" charset="0"/>
-              </a:rPr>
-              <a:t>xlabel</a:t>
-            </a:r>
-            <a:r>
-              <a:rPr lang="en-US" sz="1400" dirty="0">
-                <a:solidFill>
-                  <a:schemeClr val="bg1"/>
-                </a:solidFill>
-                <a:latin typeface="Roboto Mono" pitchFamily="49" charset="0"/>
-                <a:ea typeface="Roboto Mono" pitchFamily="49" charset="0"/>
-              </a:rPr>
-              <a:t> = 'City',</a:t>
-            </a:r>
-          </a:p>
-          <a:p>
-            <a:r>
-              <a:rPr lang="en-US" sz="1400" dirty="0">
-                <a:solidFill>
-                  <a:schemeClr val="bg1"/>
-                </a:solidFill>
-                <a:latin typeface="Roboto Mono" pitchFamily="49" charset="0"/>
-                <a:ea typeface="Roboto Mono" pitchFamily="49" charset="0"/>
-              </a:rPr>
-              <a:t>        </a:t>
-            </a:r>
-            <a:r>
-              <a:rPr lang="en-US" sz="1400" dirty="0" err="1">
-                <a:solidFill>
-                  <a:srgbClr val="FFCA39"/>
-                </a:solidFill>
-                <a:latin typeface="Roboto Mono" pitchFamily="49" charset="0"/>
-                <a:ea typeface="Roboto Mono" pitchFamily="49" charset="0"/>
-              </a:rPr>
-              <a:t>xdata</a:t>
-            </a:r>
-            <a:r>
-              <a:rPr lang="en-US" sz="1400" dirty="0">
-                <a:solidFill>
-                  <a:schemeClr val="bg1"/>
-                </a:solidFill>
-                <a:latin typeface="Roboto Mono" pitchFamily="49" charset="0"/>
-                <a:ea typeface="Roboto Mono" pitchFamily="49" charset="0"/>
-              </a:rPr>
-              <a:t> = 'Population 2020', </a:t>
-            </a:r>
-          </a:p>
-          <a:p>
-            <a:r>
-              <a:rPr lang="en-US" sz="1400" dirty="0">
-                <a:solidFill>
-                  <a:schemeClr val="bg1"/>
-                </a:solidFill>
-                <a:latin typeface="Roboto Mono" pitchFamily="49" charset="0"/>
-                <a:ea typeface="Roboto Mono" pitchFamily="49" charset="0"/>
-              </a:rPr>
-              <a:t>        </a:t>
-            </a:r>
-            <a:r>
-              <a:rPr lang="en-US" sz="1400" dirty="0" err="1">
-                <a:solidFill>
-                  <a:srgbClr val="FFCA39"/>
-                </a:solidFill>
-                <a:latin typeface="Roboto Mono" pitchFamily="49" charset="0"/>
-                <a:ea typeface="Roboto Mono" pitchFamily="49" charset="0"/>
-              </a:rPr>
-              <a:t>ylabel</a:t>
-            </a:r>
-            <a:r>
-              <a:rPr lang="en-US" sz="1400" dirty="0">
-                <a:solidFill>
-                  <a:schemeClr val="bg1"/>
-                </a:solidFill>
-                <a:latin typeface="Roboto Mono" pitchFamily="49" charset="0"/>
-                <a:ea typeface="Roboto Mono" pitchFamily="49" charset="0"/>
-              </a:rPr>
-              <a:t> = ‘2020 Population in Millions'</a:t>
-            </a:r>
-          </a:p>
-          <a:p>
-            <a:r>
-              <a:rPr lang="en-US" sz="1400" dirty="0">
-                <a:solidFill>
-                  <a:schemeClr val="bg1"/>
-                </a:solidFill>
-                <a:latin typeface="Roboto Mono" pitchFamily="49" charset="0"/>
-                <a:ea typeface="Roboto Mono" pitchFamily="49" charset="0"/>
-              </a:rPr>
-              <a:t>   )</a:t>
-            </a:r>
-          </a:p>
-          <a:p>
-            <a:r>
-              <a:rPr lang="en-US" sz="1400" dirty="0">
-                <a:solidFill>
-                  <a:schemeClr val="bg1"/>
-                </a:solidFill>
-                <a:latin typeface="Roboto Mono" pitchFamily="49" charset="0"/>
-                <a:ea typeface="Roboto Mono" pitchFamily="49" charset="0"/>
-              </a:rPr>
-              <a:t>) </a:t>
-            </a:r>
-            <a:endParaRPr lang="en-PK" sz="1400" dirty="0">
-              <a:solidFill>
-                <a:schemeClr val="bg1"/>
-              </a:solidFill>
-              <a:latin typeface="Roboto Mono" pitchFamily="49" charset="0"/>
-              <a:ea typeface="Roboto Mono" pitchFamily="49" charset="0"/>
-            </a:endParaRPr>
-          </a:p>
-        </p:txBody>
-      </p:sp>
-      <p:sp>
-        <p:nvSpPr>
           <p:cNvPr id="9" name="TextBox 8">
             <a:extLst>
               <a:ext uri="{FF2B5EF4-FFF2-40B4-BE49-F238E27FC236}">
@@ -5464,6 +4828,612 @@
                 <a:ea typeface="Roboto Mono" pitchFamily="49" charset="0"/>
               </a:rPr>
               <a:t>python myChart.py</a:t>
+            </a:r>
+            <a:endParaRPr lang="en-PK" sz="1400" dirty="0">
+              <a:solidFill>
+                <a:schemeClr val="bg1"/>
+              </a:solidFill>
+              <a:latin typeface="Roboto Mono" pitchFamily="49" charset="0"/>
+              <a:ea typeface="Roboto Mono" pitchFamily="49" charset="0"/>
+            </a:endParaRPr>
+          </a:p>
+        </p:txBody>
+      </p:sp>
+      <p:sp>
+        <p:nvSpPr>
+          <p:cNvPr id="6" name="TextBox 5">
+            <a:extLst>
+              <a:ext uri="{FF2B5EF4-FFF2-40B4-BE49-F238E27FC236}">
+                <a16:creationId xmlns:a16="http://schemas.microsoft.com/office/drawing/2014/main" id="{1C8B7393-2F7F-70C7-8BDC-4B69028E7436}"/>
+              </a:ext>
+            </a:extLst>
+          </p:cNvPr>
+          <p:cNvSpPr txBox="1"/>
+          <p:nvPr/>
+        </p:nvSpPr>
+        <p:spPr>
+          <a:xfrm>
+            <a:off x="292187" y="1247518"/>
+            <a:ext cx="5339923" cy="3539430"/>
+          </a:xfrm>
+          <a:prstGeom prst="rect">
+            <a:avLst/>
+          </a:prstGeom>
+          <a:noFill/>
+        </p:spPr>
+        <p:txBody>
+          <a:bodyPr wrap="none" rtlCol="0">
+            <a:spAutoFit/>
+          </a:bodyPr>
+          <a:lstStyle/>
+          <a:p>
+            <a:r>
+              <a:rPr lang="en-US" sz="1400" dirty="0">
+                <a:solidFill>
+                  <a:srgbClr val="FF595E"/>
+                </a:solidFill>
+                <a:latin typeface="Roboto Mono" pitchFamily="49" charset="0"/>
+                <a:ea typeface="Roboto Mono" pitchFamily="49" charset="0"/>
+              </a:rPr>
+              <a:t>import</a:t>
+            </a:r>
+            <a:r>
+              <a:rPr lang="en-US" sz="1400" dirty="0">
+                <a:solidFill>
+                  <a:schemeClr val="bg1"/>
+                </a:solidFill>
+                <a:latin typeface="Roboto Mono" pitchFamily="49" charset="0"/>
+                <a:ea typeface="Roboto Mono" pitchFamily="49" charset="0"/>
+              </a:rPr>
+              <a:t> </a:t>
+            </a:r>
+            <a:r>
+              <a:rPr lang="en-US" sz="1400" dirty="0">
+                <a:solidFill>
+                  <a:srgbClr val="8BC926"/>
+                </a:solidFill>
+                <a:latin typeface="Roboto Mono" pitchFamily="49" charset="0"/>
+                <a:ea typeface="Roboto Mono" pitchFamily="49" charset="0"/>
+              </a:rPr>
+              <a:t>pandas</a:t>
+            </a:r>
+            <a:r>
+              <a:rPr lang="en-US" sz="1400" dirty="0">
+                <a:solidFill>
+                  <a:schemeClr val="bg1"/>
+                </a:solidFill>
+                <a:latin typeface="Roboto Mono" pitchFamily="49" charset="0"/>
+                <a:ea typeface="Roboto Mono" pitchFamily="49" charset="0"/>
+              </a:rPr>
+              <a:t> </a:t>
+            </a:r>
+            <a:r>
+              <a:rPr lang="en-US" sz="1400" dirty="0">
+                <a:solidFill>
+                  <a:srgbClr val="FF595E"/>
+                </a:solidFill>
+                <a:latin typeface="Roboto Mono" pitchFamily="49" charset="0"/>
+                <a:ea typeface="Roboto Mono" pitchFamily="49" charset="0"/>
+              </a:rPr>
+              <a:t>as</a:t>
+            </a:r>
+            <a:r>
+              <a:rPr lang="en-US" sz="1400" dirty="0">
+                <a:solidFill>
+                  <a:schemeClr val="bg1"/>
+                </a:solidFill>
+                <a:latin typeface="Roboto Mono" pitchFamily="49" charset="0"/>
+                <a:ea typeface="Roboto Mono" pitchFamily="49" charset="0"/>
+              </a:rPr>
+              <a:t> </a:t>
+            </a:r>
+            <a:r>
+              <a:rPr lang="en-US" sz="1400" dirty="0">
+                <a:solidFill>
+                  <a:srgbClr val="8BC926"/>
+                </a:solidFill>
+                <a:latin typeface="Roboto Mono" pitchFamily="49" charset="0"/>
+                <a:ea typeface="Roboto Mono" pitchFamily="49" charset="0"/>
+              </a:rPr>
+              <a:t>pd</a:t>
+            </a:r>
+          </a:p>
+          <a:p>
+            <a:r>
+              <a:rPr lang="en-US" sz="1400" dirty="0">
+                <a:solidFill>
+                  <a:srgbClr val="FF595E"/>
+                </a:solidFill>
+                <a:latin typeface="Roboto Mono" pitchFamily="49" charset="0"/>
+                <a:ea typeface="Roboto Mono" pitchFamily="49" charset="0"/>
+              </a:rPr>
+              <a:t>import</a:t>
+            </a:r>
+            <a:r>
+              <a:rPr lang="en-US" sz="1400" dirty="0">
+                <a:solidFill>
+                  <a:schemeClr val="bg1"/>
+                </a:solidFill>
+                <a:latin typeface="Roboto Mono" pitchFamily="49" charset="0"/>
+                <a:ea typeface="Roboto Mono" pitchFamily="49" charset="0"/>
+              </a:rPr>
+              <a:t> </a:t>
+            </a:r>
+            <a:r>
+              <a:rPr lang="en-US" sz="1400" dirty="0">
+                <a:solidFill>
+                  <a:srgbClr val="8BC926"/>
+                </a:solidFill>
+                <a:latin typeface="Roboto Mono" pitchFamily="49" charset="0"/>
+                <a:ea typeface="Roboto Mono" pitchFamily="49" charset="0"/>
+              </a:rPr>
+              <a:t>piesparrow</a:t>
+            </a:r>
+            <a:r>
+              <a:rPr lang="en-US" sz="1400" dirty="0">
+                <a:solidFill>
+                  <a:schemeClr val="bg1"/>
+                </a:solidFill>
+                <a:latin typeface="Roboto Mono" pitchFamily="49" charset="0"/>
+                <a:ea typeface="Roboto Mono" pitchFamily="49" charset="0"/>
+              </a:rPr>
+              <a:t> </a:t>
+            </a:r>
+            <a:r>
+              <a:rPr lang="en-US" sz="1400" dirty="0">
+                <a:solidFill>
+                  <a:srgbClr val="FF595E"/>
+                </a:solidFill>
+                <a:latin typeface="Roboto Mono" pitchFamily="49" charset="0"/>
+                <a:ea typeface="Roboto Mono" pitchFamily="49" charset="0"/>
+              </a:rPr>
+              <a:t>as</a:t>
+            </a:r>
+            <a:r>
+              <a:rPr lang="en-US" sz="1400" dirty="0">
+                <a:solidFill>
+                  <a:schemeClr val="bg1"/>
+                </a:solidFill>
+                <a:latin typeface="Roboto Mono" pitchFamily="49" charset="0"/>
+                <a:ea typeface="Roboto Mono" pitchFamily="49" charset="0"/>
+              </a:rPr>
+              <a:t> </a:t>
+            </a:r>
+            <a:r>
+              <a:rPr lang="en-US" sz="1400" dirty="0" err="1">
+                <a:solidFill>
+                  <a:srgbClr val="8BC926"/>
+                </a:solidFill>
+                <a:latin typeface="Roboto Mono" pitchFamily="49" charset="0"/>
+                <a:ea typeface="Roboto Mono" pitchFamily="49" charset="0"/>
+              </a:rPr>
+              <a:t>ps</a:t>
+            </a:r>
+            <a:endParaRPr lang="en-US" sz="1400" dirty="0">
+              <a:solidFill>
+                <a:srgbClr val="8BC926"/>
+              </a:solidFill>
+              <a:latin typeface="Roboto Mono" pitchFamily="49" charset="0"/>
+              <a:ea typeface="Roboto Mono" pitchFamily="49" charset="0"/>
+            </a:endParaRPr>
+          </a:p>
+          <a:p>
+            <a:endParaRPr lang="en-US" sz="1400" dirty="0">
+              <a:solidFill>
+                <a:schemeClr val="bg1"/>
+              </a:solidFill>
+              <a:latin typeface="Roboto Mono" pitchFamily="49" charset="0"/>
+              <a:ea typeface="Roboto Mono" pitchFamily="49" charset="0"/>
+            </a:endParaRPr>
+          </a:p>
+          <a:p>
+            <a:r>
+              <a:rPr lang="en-US" sz="1400" dirty="0">
+                <a:solidFill>
+                  <a:schemeClr val="bg1"/>
+                </a:solidFill>
+                <a:latin typeface="Roboto Mono" pitchFamily="49" charset="0"/>
+                <a:ea typeface="Roboto Mono" pitchFamily="49" charset="0"/>
+              </a:rPr>
+              <a:t>data = </a:t>
+            </a:r>
+            <a:r>
+              <a:rPr lang="en-US" sz="1400" dirty="0" err="1">
+                <a:solidFill>
+                  <a:srgbClr val="8BC926"/>
+                </a:solidFill>
+                <a:latin typeface="Roboto Mono" pitchFamily="49" charset="0"/>
+                <a:ea typeface="Roboto Mono" pitchFamily="49" charset="0"/>
+              </a:rPr>
+              <a:t>pd.read_csv</a:t>
+            </a:r>
+            <a:r>
+              <a:rPr lang="en-US" sz="1400" dirty="0">
+                <a:solidFill>
+                  <a:schemeClr val="bg1"/>
+                </a:solidFill>
+                <a:latin typeface="Roboto Mono" pitchFamily="49" charset="0"/>
+                <a:ea typeface="Roboto Mono" pitchFamily="49" charset="0"/>
+              </a:rPr>
+              <a:t>(‘mock_data.csv')</a:t>
+            </a:r>
+          </a:p>
+          <a:p>
+            <a:endParaRPr lang="en-US" sz="1400" dirty="0">
+              <a:solidFill>
+                <a:schemeClr val="bg1"/>
+              </a:solidFill>
+              <a:latin typeface="Roboto Mono" pitchFamily="49" charset="0"/>
+              <a:ea typeface="Roboto Mono" pitchFamily="49" charset="0"/>
+            </a:endParaRPr>
+          </a:p>
+          <a:p>
+            <a:r>
+              <a:rPr lang="en-US" sz="1400" dirty="0">
+                <a:solidFill>
+                  <a:srgbClr val="8BC926"/>
+                </a:solidFill>
+                <a:latin typeface="Roboto Mono" pitchFamily="49" charset="0"/>
+                <a:ea typeface="Roboto Mono" pitchFamily="49" charset="0"/>
+              </a:rPr>
+              <a:t>ps.init</a:t>
+            </a:r>
+            <a:r>
+              <a:rPr lang="en-US" sz="1400" dirty="0">
+                <a:solidFill>
+                  <a:schemeClr val="bg1"/>
+                </a:solidFill>
+                <a:latin typeface="Roboto Mono" pitchFamily="49" charset="0"/>
+                <a:ea typeface="Roboto Mono" pitchFamily="49" charset="0"/>
+              </a:rPr>
+              <a:t>(</a:t>
+            </a:r>
+            <a:r>
+              <a:rPr lang="en-US" sz="1400" dirty="0">
+                <a:solidFill>
+                  <a:srgbClr val="FFCA39"/>
+                </a:solidFill>
+                <a:latin typeface="Roboto Mono" pitchFamily="49" charset="0"/>
+                <a:ea typeface="Roboto Mono" pitchFamily="49" charset="0"/>
+              </a:rPr>
+              <a:t>filename</a:t>
+            </a:r>
+            <a:r>
+              <a:rPr lang="en-US" sz="1400" dirty="0">
+                <a:solidFill>
+                  <a:schemeClr val="bg1"/>
+                </a:solidFill>
+                <a:latin typeface="Roboto Mono" pitchFamily="49" charset="0"/>
+                <a:ea typeface="Roboto Mono" pitchFamily="49" charset="0"/>
+              </a:rPr>
+              <a:t> = '</a:t>
+            </a:r>
+            <a:r>
+              <a:rPr lang="en-US" sz="1400" dirty="0" err="1">
+                <a:solidFill>
+                  <a:schemeClr val="bg1"/>
+                </a:solidFill>
+                <a:latin typeface="Roboto Mono" pitchFamily="49" charset="0"/>
+                <a:ea typeface="Roboto Mono" pitchFamily="49" charset="0"/>
+              </a:rPr>
+              <a:t>myChart</a:t>
+            </a:r>
+            <a:r>
+              <a:rPr lang="en-US" sz="1400" dirty="0">
+                <a:solidFill>
+                  <a:schemeClr val="bg1"/>
+                </a:solidFill>
+                <a:latin typeface="Roboto Mono" pitchFamily="49" charset="0"/>
+                <a:ea typeface="Roboto Mono" pitchFamily="49" charset="0"/>
+              </a:rPr>
+              <a:t>',</a:t>
+            </a:r>
+            <a:r>
+              <a:rPr lang="en-US" sz="1400" dirty="0">
+                <a:solidFill>
+                  <a:srgbClr val="FFCA39"/>
+                </a:solidFill>
+                <a:latin typeface="Roboto Mono" pitchFamily="49" charset="0"/>
+                <a:ea typeface="Roboto Mono" pitchFamily="49" charset="0"/>
+              </a:rPr>
+              <a:t>title </a:t>
+            </a:r>
+            <a:r>
+              <a:rPr lang="en-US" sz="1400" dirty="0">
+                <a:solidFill>
+                  <a:schemeClr val="bg1"/>
+                </a:solidFill>
+                <a:latin typeface="Roboto Mono" pitchFamily="49" charset="0"/>
+                <a:ea typeface="Roboto Mono" pitchFamily="49" charset="0"/>
+              </a:rPr>
+              <a:t>= ‘My Chart')</a:t>
+            </a:r>
+          </a:p>
+          <a:p>
+            <a:endParaRPr lang="en-US" sz="1400" dirty="0">
+              <a:solidFill>
+                <a:schemeClr val="bg1"/>
+              </a:solidFill>
+              <a:latin typeface="Roboto Mono" pitchFamily="49" charset="0"/>
+              <a:ea typeface="Roboto Mono" pitchFamily="49" charset="0"/>
+            </a:endParaRPr>
+          </a:p>
+          <a:p>
+            <a:r>
+              <a:rPr lang="en-US" sz="1400" dirty="0" err="1">
+                <a:solidFill>
+                  <a:srgbClr val="8BC926"/>
+                </a:solidFill>
+                <a:latin typeface="Roboto Mono" pitchFamily="49" charset="0"/>
+                <a:ea typeface="Roboto Mono" pitchFamily="49" charset="0"/>
+              </a:rPr>
+              <a:t>ps.row</a:t>
+            </a:r>
+            <a:r>
+              <a:rPr lang="en-US" sz="1400" dirty="0">
+                <a:solidFill>
+                  <a:schemeClr val="bg1"/>
+                </a:solidFill>
+                <a:latin typeface="Roboto Mono" pitchFamily="49" charset="0"/>
+                <a:ea typeface="Roboto Mono" pitchFamily="49" charset="0"/>
+              </a:rPr>
+              <a:t>(</a:t>
+            </a:r>
+          </a:p>
+          <a:p>
+            <a:r>
+              <a:rPr lang="en-US" sz="1400" dirty="0">
+                <a:solidFill>
+                  <a:srgbClr val="8BC926"/>
+                </a:solidFill>
+                <a:latin typeface="Roboto Mono" pitchFamily="49" charset="0"/>
+                <a:ea typeface="Roboto Mono" pitchFamily="49" charset="0"/>
+              </a:rPr>
+              <a:t>	</a:t>
+            </a:r>
+            <a:r>
+              <a:rPr lang="en-US" sz="1400" dirty="0" err="1">
+                <a:solidFill>
+                  <a:srgbClr val="8BC926"/>
+                </a:solidFill>
+                <a:latin typeface="Roboto Mono" pitchFamily="49" charset="0"/>
+                <a:ea typeface="Roboto Mono" pitchFamily="49" charset="0"/>
+              </a:rPr>
+              <a:t>ps.chart</a:t>
+            </a:r>
+            <a:r>
+              <a:rPr lang="en-US" sz="1400" dirty="0">
+                <a:solidFill>
+                  <a:schemeClr val="bg1"/>
+                </a:solidFill>
+                <a:latin typeface="Roboto Mono" pitchFamily="49" charset="0"/>
+                <a:ea typeface="Roboto Mono" pitchFamily="49" charset="0"/>
+              </a:rPr>
+              <a:t>(</a:t>
+            </a:r>
+          </a:p>
+          <a:p>
+            <a:r>
+              <a:rPr lang="en-US" sz="1400" dirty="0">
+                <a:solidFill>
+                  <a:schemeClr val="bg1"/>
+                </a:solidFill>
+                <a:latin typeface="Roboto Mono" pitchFamily="49" charset="0"/>
+                <a:ea typeface="Roboto Mono" pitchFamily="49" charset="0"/>
+              </a:rPr>
+              <a:t>		</a:t>
+            </a:r>
+            <a:r>
+              <a:rPr lang="en-US" sz="1400" dirty="0">
+                <a:solidFill>
+                  <a:srgbClr val="FFCA39"/>
+                </a:solidFill>
+                <a:latin typeface="Roboto Mono" pitchFamily="49" charset="0"/>
+                <a:ea typeface="Roboto Mono" pitchFamily="49" charset="0"/>
+              </a:rPr>
+              <a:t>title</a:t>
+            </a:r>
+            <a:r>
+              <a:rPr lang="en-US" sz="1400" dirty="0">
+                <a:solidFill>
+                  <a:schemeClr val="bg1"/>
+                </a:solidFill>
+                <a:latin typeface="Roboto Mono" pitchFamily="49" charset="0"/>
+                <a:ea typeface="Roboto Mono" pitchFamily="49" charset="0"/>
+              </a:rPr>
+              <a:t> = '</a:t>
+            </a:r>
+            <a:r>
+              <a:rPr lang="en-US" sz="1400" dirty="0" err="1">
+                <a:solidFill>
+                  <a:schemeClr val="bg1"/>
+                </a:solidFill>
+                <a:latin typeface="Roboto Mono" pitchFamily="49" charset="0"/>
+                <a:ea typeface="Roboto Mono" pitchFamily="49" charset="0"/>
+              </a:rPr>
+              <a:t>myChart</a:t>
+            </a:r>
+            <a:r>
+              <a:rPr lang="en-US" sz="1400" dirty="0">
+                <a:solidFill>
+                  <a:schemeClr val="bg1"/>
+                </a:solidFill>
+                <a:latin typeface="Roboto Mono" pitchFamily="49" charset="0"/>
+                <a:ea typeface="Roboto Mono" pitchFamily="49" charset="0"/>
+              </a:rPr>
+              <a:t>’,</a:t>
+            </a:r>
+          </a:p>
+          <a:p>
+            <a:r>
+              <a:rPr lang="en-US" sz="1400" dirty="0">
+                <a:solidFill>
+                  <a:schemeClr val="bg1"/>
+                </a:solidFill>
+                <a:latin typeface="Roboto Mono" pitchFamily="49" charset="0"/>
+                <a:ea typeface="Roboto Mono" pitchFamily="49" charset="0"/>
+              </a:rPr>
+              <a:t>		</a:t>
+            </a:r>
+            <a:r>
+              <a:rPr lang="en-US" sz="1400" dirty="0" err="1">
+                <a:solidFill>
+                  <a:srgbClr val="FFCA39"/>
+                </a:solidFill>
+                <a:latin typeface="Roboto Mono" pitchFamily="49" charset="0"/>
+                <a:ea typeface="Roboto Mono" pitchFamily="49" charset="0"/>
+              </a:rPr>
+              <a:t>df</a:t>
+            </a:r>
+            <a:r>
+              <a:rPr lang="en-US" sz="1400" dirty="0">
+                <a:solidFill>
+                  <a:schemeClr val="bg1"/>
+                </a:solidFill>
+                <a:latin typeface="Roboto Mono" pitchFamily="49" charset="0"/>
+                <a:ea typeface="Roboto Mono" pitchFamily="49" charset="0"/>
+              </a:rPr>
+              <a:t> = data,</a:t>
+            </a:r>
+          </a:p>
+          <a:p>
+            <a:r>
+              <a:rPr lang="en-US" sz="1400" dirty="0">
+                <a:solidFill>
+                  <a:schemeClr val="bg1"/>
+                </a:solidFill>
+                <a:latin typeface="Roboto Mono" pitchFamily="49" charset="0"/>
+                <a:ea typeface="Roboto Mono" pitchFamily="49" charset="0"/>
+              </a:rPr>
+              <a:t>		</a:t>
+            </a:r>
+            <a:r>
+              <a:rPr lang="en-US" sz="1400" dirty="0">
+                <a:solidFill>
+                  <a:srgbClr val="FFCA39"/>
+                </a:solidFill>
+                <a:latin typeface="Roboto Mono" pitchFamily="49" charset="0"/>
+                <a:ea typeface="Roboto Mono" pitchFamily="49" charset="0"/>
+              </a:rPr>
+              <a:t>columns</a:t>
+            </a:r>
+            <a:r>
+              <a:rPr lang="en-US" sz="1400" dirty="0">
+                <a:solidFill>
+                  <a:schemeClr val="bg1"/>
+                </a:solidFill>
+                <a:latin typeface="Roboto Mono" pitchFamily="49" charset="0"/>
+                <a:ea typeface="Roboto Mono" pitchFamily="49" charset="0"/>
+              </a:rPr>
+              <a:t> = ['</a:t>
+            </a:r>
+            <a:r>
+              <a:rPr lang="en-US" sz="1400" dirty="0" err="1">
+                <a:solidFill>
+                  <a:schemeClr val="bg1"/>
+                </a:solidFill>
+                <a:latin typeface="Roboto Mono" pitchFamily="49" charset="0"/>
+                <a:ea typeface="Roboto Mono" pitchFamily="49" charset="0"/>
+              </a:rPr>
+              <a:t>Month','Data</a:t>
+            </a:r>
+            <a:r>
+              <a:rPr lang="en-US" sz="1400" dirty="0">
+                <a:solidFill>
+                  <a:schemeClr val="bg1"/>
+                </a:solidFill>
+                <a:latin typeface="Roboto Mono" pitchFamily="49" charset="0"/>
+                <a:ea typeface="Roboto Mono" pitchFamily="49" charset="0"/>
+              </a:rPr>
+              <a:t> 1’],</a:t>
+            </a:r>
+          </a:p>
+          <a:p>
+            <a:r>
+              <a:rPr lang="en-US" sz="1400" dirty="0">
+                <a:solidFill>
+                  <a:schemeClr val="bg1"/>
+                </a:solidFill>
+                <a:latin typeface="Roboto Mono" pitchFamily="49" charset="0"/>
+                <a:ea typeface="Roboto Mono" pitchFamily="49" charset="0"/>
+              </a:rPr>
+              <a:t>		</a:t>
+            </a:r>
+            <a:r>
+              <a:rPr lang="en-US" sz="1400" dirty="0">
+                <a:solidFill>
+                  <a:srgbClr val="FFCA39"/>
+                </a:solidFill>
+                <a:latin typeface="Roboto Mono" pitchFamily="49" charset="0"/>
+                <a:ea typeface="Roboto Mono" pitchFamily="49" charset="0"/>
+              </a:rPr>
+              <a:t>xcolumn</a:t>
+            </a:r>
+            <a:r>
+              <a:rPr lang="en-US" sz="1400" dirty="0">
+                <a:solidFill>
+                  <a:schemeClr val="bg1"/>
+                </a:solidFill>
+                <a:latin typeface="Roboto Mono" pitchFamily="49" charset="0"/>
+                <a:ea typeface="Roboto Mono" pitchFamily="49" charset="0"/>
+              </a:rPr>
+              <a:t> = 'Month’,</a:t>
+            </a:r>
+          </a:p>
+          <a:p>
+            <a:r>
+              <a:rPr lang="en-US" sz="1400" dirty="0">
+                <a:solidFill>
+                  <a:schemeClr val="bg1"/>
+                </a:solidFill>
+                <a:latin typeface="Roboto Mono" pitchFamily="49" charset="0"/>
+                <a:ea typeface="Roboto Mono" pitchFamily="49" charset="0"/>
+              </a:rPr>
+              <a:t>		</a:t>
+            </a:r>
+            <a:r>
+              <a:rPr lang="en-US" sz="1400" dirty="0">
+                <a:solidFill>
+                  <a:srgbClr val="FFCA39"/>
+                </a:solidFill>
+                <a:latin typeface="Roboto Mono" pitchFamily="49" charset="0"/>
+                <a:ea typeface="Roboto Mono" pitchFamily="49" charset="0"/>
+              </a:rPr>
+              <a:t>type</a:t>
+            </a:r>
+            <a:r>
+              <a:rPr lang="en-US" sz="1400" dirty="0">
+                <a:solidFill>
+                  <a:schemeClr val="bg1"/>
+                </a:solidFill>
+                <a:latin typeface="Roboto Mono" pitchFamily="49" charset="0"/>
+                <a:ea typeface="Roboto Mono" pitchFamily="49" charset="0"/>
+              </a:rPr>
+              <a:t> = 'bar'</a:t>
+            </a:r>
+          </a:p>
+          <a:p>
+            <a:r>
+              <a:rPr lang="en-US" sz="1400" dirty="0">
+                <a:solidFill>
+                  <a:schemeClr val="bg1"/>
+                </a:solidFill>
+                <a:latin typeface="Roboto Mono" pitchFamily="49" charset="0"/>
+                <a:ea typeface="Roboto Mono" pitchFamily="49" charset="0"/>
+              </a:rPr>
+              <a:t>   )</a:t>
+            </a:r>
+          </a:p>
+          <a:p>
+            <a:r>
+              <a:rPr lang="en-US" sz="1400" dirty="0">
+                <a:solidFill>
+                  <a:schemeClr val="bg1"/>
+                </a:solidFill>
+                <a:latin typeface="Roboto Mono" pitchFamily="49" charset="0"/>
+                <a:ea typeface="Roboto Mono" pitchFamily="49" charset="0"/>
+              </a:rPr>
+              <a:t>) </a:t>
             </a:r>
             <a:endParaRPr lang="en-PK" sz="1400" dirty="0">
               <a:solidFill>
@@ -5671,642 +5641,6 @@
       </p:pic>
       <p:sp>
         <p:nvSpPr>
-          <p:cNvPr id="8" name="TextBox 7">
-            <a:extLst>
-              <a:ext uri="{FF2B5EF4-FFF2-40B4-BE49-F238E27FC236}">
-                <a16:creationId xmlns:a16="http://schemas.microsoft.com/office/drawing/2014/main" id="{D9177F28-A0DE-EEB7-084E-387FEDD06A03}"/>
-              </a:ext>
-            </a:extLst>
-          </p:cNvPr>
-          <p:cNvSpPr txBox="1"/>
-          <p:nvPr/>
-        </p:nvSpPr>
-        <p:spPr>
-          <a:xfrm>
-            <a:off x="292187" y="1247518"/>
-            <a:ext cx="5339923" cy="3539430"/>
-          </a:xfrm>
-          <a:prstGeom prst="rect">
-            <a:avLst/>
-          </a:prstGeom>
-          <a:noFill/>
-        </p:spPr>
-        <p:txBody>
-          <a:bodyPr wrap="none" rtlCol="0">
-            <a:spAutoFit/>
-          </a:bodyPr>
-          <a:lstStyle/>
-          <a:p>
-            <a:r>
-              <a:rPr lang="en-US" sz="1400" dirty="0">
-                <a:solidFill>
-                  <a:srgbClr val="FF595E"/>
-                </a:solidFill>
-                <a:latin typeface="Roboto Mono" pitchFamily="49" charset="0"/>
-                <a:ea typeface="Roboto Mono" pitchFamily="49" charset="0"/>
-              </a:rPr>
-              <a:t>import</a:t>
-            </a:r>
-            <a:r>
-              <a:rPr lang="en-US" sz="1400" dirty="0">
-                <a:solidFill>
-                  <a:schemeClr val="bg1"/>
-                </a:solidFill>
-                <a:latin typeface="Roboto Mono" pitchFamily="49" charset="0"/>
-                <a:ea typeface="Roboto Mono" pitchFamily="49" charset="0"/>
-              </a:rPr>
-              <a:t> </a:t>
-            </a:r>
-            <a:r>
-              <a:rPr lang="en-US" sz="1400" dirty="0">
-                <a:solidFill>
-                  <a:srgbClr val="8BC926"/>
-                </a:solidFill>
-                <a:latin typeface="Roboto Mono" pitchFamily="49" charset="0"/>
-                <a:ea typeface="Roboto Mono" pitchFamily="49" charset="0"/>
-              </a:rPr>
-              <a:t>pandas</a:t>
-            </a:r>
-            <a:r>
-              <a:rPr lang="en-US" sz="1400" dirty="0">
-                <a:solidFill>
-                  <a:schemeClr val="bg1"/>
-                </a:solidFill>
-                <a:latin typeface="Roboto Mono" pitchFamily="49" charset="0"/>
-                <a:ea typeface="Roboto Mono" pitchFamily="49" charset="0"/>
-              </a:rPr>
-              <a:t> </a:t>
-            </a:r>
-            <a:r>
-              <a:rPr lang="en-US" sz="1400" dirty="0">
-                <a:solidFill>
-                  <a:srgbClr val="FF595E"/>
-                </a:solidFill>
-                <a:latin typeface="Roboto Mono" pitchFamily="49" charset="0"/>
-                <a:ea typeface="Roboto Mono" pitchFamily="49" charset="0"/>
-              </a:rPr>
-              <a:t>as</a:t>
-            </a:r>
-            <a:r>
-              <a:rPr lang="en-US" sz="1400" dirty="0">
-                <a:solidFill>
-                  <a:schemeClr val="bg1"/>
-                </a:solidFill>
-                <a:latin typeface="Roboto Mono" pitchFamily="49" charset="0"/>
-                <a:ea typeface="Roboto Mono" pitchFamily="49" charset="0"/>
-              </a:rPr>
-              <a:t> </a:t>
-            </a:r>
-            <a:r>
-              <a:rPr lang="en-US" sz="1400" dirty="0">
-                <a:solidFill>
-                  <a:srgbClr val="8BC926"/>
-                </a:solidFill>
-                <a:latin typeface="Roboto Mono" pitchFamily="49" charset="0"/>
-                <a:ea typeface="Roboto Mono" pitchFamily="49" charset="0"/>
-              </a:rPr>
-              <a:t>pd</a:t>
-            </a:r>
-          </a:p>
-          <a:p>
-            <a:r>
-              <a:rPr lang="en-US" sz="1400" dirty="0">
-                <a:solidFill>
-                  <a:srgbClr val="FF595E"/>
-                </a:solidFill>
-                <a:latin typeface="Roboto Mono" pitchFamily="49" charset="0"/>
-                <a:ea typeface="Roboto Mono" pitchFamily="49" charset="0"/>
-              </a:rPr>
-              <a:t>import</a:t>
-            </a:r>
-            <a:r>
-              <a:rPr lang="en-US" sz="1400" dirty="0">
-                <a:solidFill>
-                  <a:schemeClr val="bg1"/>
-                </a:solidFill>
-                <a:latin typeface="Roboto Mono" pitchFamily="49" charset="0"/>
-                <a:ea typeface="Roboto Mono" pitchFamily="49" charset="0"/>
-              </a:rPr>
-              <a:t> </a:t>
-            </a:r>
-            <a:r>
-              <a:rPr lang="en-US" sz="1400" dirty="0">
-                <a:solidFill>
-                  <a:srgbClr val="8BC926"/>
-                </a:solidFill>
-                <a:latin typeface="Roboto Mono" pitchFamily="49" charset="0"/>
-                <a:ea typeface="Roboto Mono" pitchFamily="49" charset="0"/>
-              </a:rPr>
-              <a:t>piesparrow</a:t>
-            </a:r>
-            <a:r>
-              <a:rPr lang="en-US" sz="1400" dirty="0">
-                <a:solidFill>
-                  <a:schemeClr val="bg1"/>
-                </a:solidFill>
-                <a:latin typeface="Roboto Mono" pitchFamily="49" charset="0"/>
-                <a:ea typeface="Roboto Mono" pitchFamily="49" charset="0"/>
-              </a:rPr>
-              <a:t> </a:t>
-            </a:r>
-            <a:r>
-              <a:rPr lang="en-US" sz="1400" dirty="0">
-                <a:solidFill>
-                  <a:srgbClr val="FF595E"/>
-                </a:solidFill>
-                <a:latin typeface="Roboto Mono" pitchFamily="49" charset="0"/>
-                <a:ea typeface="Roboto Mono" pitchFamily="49" charset="0"/>
-              </a:rPr>
-              <a:t>as</a:t>
-            </a:r>
-            <a:r>
-              <a:rPr lang="en-US" sz="1400" dirty="0">
-                <a:solidFill>
-                  <a:schemeClr val="bg1"/>
-                </a:solidFill>
-                <a:latin typeface="Roboto Mono" pitchFamily="49" charset="0"/>
-                <a:ea typeface="Roboto Mono" pitchFamily="49" charset="0"/>
-              </a:rPr>
-              <a:t> </a:t>
-            </a:r>
-            <a:r>
-              <a:rPr lang="en-US" sz="1400" dirty="0" err="1">
-                <a:solidFill>
-                  <a:srgbClr val="8BC926"/>
-                </a:solidFill>
-                <a:latin typeface="Roboto Mono" pitchFamily="49" charset="0"/>
-                <a:ea typeface="Roboto Mono" pitchFamily="49" charset="0"/>
-              </a:rPr>
-              <a:t>ps</a:t>
-            </a:r>
-            <a:endParaRPr lang="en-US" sz="1400" dirty="0">
-              <a:solidFill>
-                <a:srgbClr val="8BC926"/>
-              </a:solidFill>
-              <a:latin typeface="Roboto Mono" pitchFamily="49" charset="0"/>
-              <a:ea typeface="Roboto Mono" pitchFamily="49" charset="0"/>
-            </a:endParaRPr>
-          </a:p>
-          <a:p>
-            <a:endParaRPr lang="en-US" sz="1400" dirty="0">
-              <a:solidFill>
-                <a:schemeClr val="bg1"/>
-              </a:solidFill>
-              <a:latin typeface="Roboto Mono" pitchFamily="49" charset="0"/>
-              <a:ea typeface="Roboto Mono" pitchFamily="49" charset="0"/>
-            </a:endParaRPr>
-          </a:p>
-          <a:p>
-            <a:r>
-              <a:rPr lang="en-US" sz="1400" dirty="0" err="1">
-                <a:solidFill>
-                  <a:schemeClr val="bg1"/>
-                </a:solidFill>
-                <a:latin typeface="Roboto Mono" pitchFamily="49" charset="0"/>
-                <a:ea typeface="Roboto Mono" pitchFamily="49" charset="0"/>
-              </a:rPr>
-              <a:t>df</a:t>
-            </a:r>
-            <a:r>
-              <a:rPr lang="en-US" sz="1400" dirty="0">
-                <a:solidFill>
-                  <a:schemeClr val="bg1"/>
-                </a:solidFill>
-                <a:latin typeface="Roboto Mono" pitchFamily="49" charset="0"/>
-                <a:ea typeface="Roboto Mono" pitchFamily="49" charset="0"/>
-              </a:rPr>
-              <a:t> = </a:t>
-            </a:r>
-            <a:r>
-              <a:rPr lang="en-US" sz="1400" dirty="0" err="1">
-                <a:solidFill>
-                  <a:srgbClr val="8BC926"/>
-                </a:solidFill>
-                <a:latin typeface="Roboto Mono" pitchFamily="49" charset="0"/>
-                <a:ea typeface="Roboto Mono" pitchFamily="49" charset="0"/>
-              </a:rPr>
-              <a:t>pd.read_csv</a:t>
-            </a:r>
-            <a:r>
-              <a:rPr lang="en-US" sz="1400" dirty="0">
-                <a:solidFill>
-                  <a:schemeClr val="bg1"/>
-                </a:solidFill>
-                <a:latin typeface="Roboto Mono" pitchFamily="49" charset="0"/>
-                <a:ea typeface="Roboto Mono" pitchFamily="49" charset="0"/>
-              </a:rPr>
-              <a:t>('</a:t>
-            </a:r>
-            <a:r>
-              <a:rPr lang="en-US" sz="1400" dirty="0" err="1">
-                <a:solidFill>
-                  <a:schemeClr val="bg1"/>
-                </a:solidFill>
-                <a:latin typeface="Roboto Mono" pitchFamily="49" charset="0"/>
-                <a:ea typeface="Roboto Mono" pitchFamily="49" charset="0"/>
-              </a:rPr>
-              <a:t>pop.csv</a:t>
-            </a:r>
-            <a:r>
-              <a:rPr lang="en-US" sz="1400" dirty="0">
-                <a:solidFill>
-                  <a:schemeClr val="bg1"/>
-                </a:solidFill>
-                <a:latin typeface="Roboto Mono" pitchFamily="49" charset="0"/>
-                <a:ea typeface="Roboto Mono" pitchFamily="49" charset="0"/>
-              </a:rPr>
-              <a:t>')</a:t>
-            </a:r>
-          </a:p>
-          <a:p>
-            <a:endParaRPr lang="en-US" sz="1400" dirty="0">
-              <a:solidFill>
-                <a:schemeClr val="bg1"/>
-              </a:solidFill>
-              <a:latin typeface="Roboto Mono" pitchFamily="49" charset="0"/>
-              <a:ea typeface="Roboto Mono" pitchFamily="49" charset="0"/>
-            </a:endParaRPr>
-          </a:p>
-          <a:p>
-            <a:r>
-              <a:rPr lang="en-US" sz="1400" dirty="0" err="1">
-                <a:solidFill>
-                  <a:srgbClr val="8BC926"/>
-                </a:solidFill>
-                <a:latin typeface="Roboto Mono" pitchFamily="49" charset="0"/>
-                <a:ea typeface="Roboto Mono" pitchFamily="49" charset="0"/>
-              </a:rPr>
-              <a:t>ps.init</a:t>
-            </a:r>
-            <a:r>
-              <a:rPr lang="en-US" sz="1400" dirty="0">
-                <a:solidFill>
-                  <a:schemeClr val="bg1"/>
-                </a:solidFill>
-                <a:latin typeface="Roboto Mono" pitchFamily="49" charset="0"/>
-                <a:ea typeface="Roboto Mono" pitchFamily="49" charset="0"/>
-              </a:rPr>
-              <a:t>(</a:t>
-            </a:r>
-            <a:r>
-              <a:rPr lang="en-US" sz="1400" dirty="0">
-                <a:solidFill>
-                  <a:srgbClr val="FFCA39"/>
-                </a:solidFill>
-                <a:latin typeface="Roboto Mono" pitchFamily="49" charset="0"/>
-                <a:ea typeface="Roboto Mono" pitchFamily="49" charset="0"/>
-              </a:rPr>
-              <a:t>filename</a:t>
-            </a:r>
-            <a:r>
-              <a:rPr lang="en-US" sz="1400" dirty="0">
-                <a:solidFill>
-                  <a:schemeClr val="bg1"/>
-                </a:solidFill>
-                <a:latin typeface="Roboto Mono" pitchFamily="49" charset="0"/>
-                <a:ea typeface="Roboto Mono" pitchFamily="49" charset="0"/>
-              </a:rPr>
-              <a:t> = '</a:t>
-            </a:r>
-            <a:r>
-              <a:rPr lang="en-US" sz="1400" dirty="0" err="1">
-                <a:solidFill>
-                  <a:schemeClr val="bg1"/>
-                </a:solidFill>
-                <a:latin typeface="Roboto Mono" pitchFamily="49" charset="0"/>
-                <a:ea typeface="Roboto Mono" pitchFamily="49" charset="0"/>
-              </a:rPr>
-              <a:t>myChart</a:t>
-            </a:r>
-            <a:r>
-              <a:rPr lang="en-US" sz="1400" dirty="0">
-                <a:solidFill>
-                  <a:schemeClr val="bg1"/>
-                </a:solidFill>
-                <a:latin typeface="Roboto Mono" pitchFamily="49" charset="0"/>
-                <a:ea typeface="Roboto Mono" pitchFamily="49" charset="0"/>
-              </a:rPr>
-              <a:t>',</a:t>
-            </a:r>
-            <a:r>
-              <a:rPr lang="en-US" sz="1400" dirty="0">
-                <a:solidFill>
-                  <a:srgbClr val="FFCA39"/>
-                </a:solidFill>
-                <a:latin typeface="Roboto Mono" pitchFamily="49" charset="0"/>
-                <a:ea typeface="Roboto Mono" pitchFamily="49" charset="0"/>
-              </a:rPr>
-              <a:t>title </a:t>
-            </a:r>
-            <a:r>
-              <a:rPr lang="en-US" sz="1400" dirty="0">
-                <a:solidFill>
-                  <a:schemeClr val="bg1"/>
-                </a:solidFill>
-                <a:latin typeface="Roboto Mono" pitchFamily="49" charset="0"/>
-                <a:ea typeface="Roboto Mono" pitchFamily="49" charset="0"/>
-              </a:rPr>
-              <a:t>= ‘My Chart')</a:t>
-            </a:r>
-          </a:p>
-          <a:p>
-            <a:endParaRPr lang="en-US" sz="1400" dirty="0">
-              <a:solidFill>
-                <a:schemeClr val="bg1"/>
-              </a:solidFill>
-              <a:latin typeface="Roboto Mono" pitchFamily="49" charset="0"/>
-              <a:ea typeface="Roboto Mono" pitchFamily="49" charset="0"/>
-            </a:endParaRPr>
-          </a:p>
-          <a:p>
-            <a:r>
-              <a:rPr lang="en-US" sz="1400" dirty="0" err="1">
-                <a:solidFill>
-                  <a:srgbClr val="8BC926"/>
-                </a:solidFill>
-                <a:latin typeface="Roboto Mono" pitchFamily="49" charset="0"/>
-                <a:ea typeface="Roboto Mono" pitchFamily="49" charset="0"/>
-              </a:rPr>
-              <a:t>ps.row</a:t>
-            </a:r>
-            <a:r>
-              <a:rPr lang="en-US" sz="1400" dirty="0">
-                <a:solidFill>
-                  <a:schemeClr val="bg1"/>
-                </a:solidFill>
-                <a:latin typeface="Roboto Mono" pitchFamily="49" charset="0"/>
-                <a:ea typeface="Roboto Mono" pitchFamily="49" charset="0"/>
-              </a:rPr>
-              <a:t>(</a:t>
-            </a:r>
-          </a:p>
-          <a:p>
-            <a:r>
-              <a:rPr lang="en-US" sz="1400" dirty="0">
-                <a:solidFill>
-                  <a:schemeClr val="bg1"/>
-                </a:solidFill>
-                <a:latin typeface="Roboto Mono" pitchFamily="49" charset="0"/>
-                <a:ea typeface="Roboto Mono" pitchFamily="49" charset="0"/>
-              </a:rPr>
-              <a:t>   </a:t>
-            </a:r>
-            <a:r>
-              <a:rPr lang="en-US" sz="1400" dirty="0">
-                <a:solidFill>
-                  <a:srgbClr val="8BC926"/>
-                </a:solidFill>
-                <a:latin typeface="Roboto Mono" pitchFamily="49" charset="0"/>
-                <a:ea typeface="Roboto Mono" pitchFamily="49" charset="0"/>
-              </a:rPr>
-              <a:t>col1</a:t>
-            </a:r>
-            <a:r>
-              <a:rPr lang="en-US" sz="1400" dirty="0">
-                <a:solidFill>
-                  <a:schemeClr val="bg1"/>
-                </a:solidFill>
-                <a:latin typeface="Roboto Mono" pitchFamily="49" charset="0"/>
-                <a:ea typeface="Roboto Mono" pitchFamily="49" charset="0"/>
-              </a:rPr>
-              <a:t> = </a:t>
-            </a:r>
-            <a:r>
-              <a:rPr lang="en-US" sz="1400" dirty="0" err="1">
-                <a:solidFill>
-                  <a:srgbClr val="8BC926"/>
-                </a:solidFill>
-                <a:latin typeface="Roboto Mono" pitchFamily="49" charset="0"/>
-                <a:ea typeface="Roboto Mono" pitchFamily="49" charset="0"/>
-              </a:rPr>
-              <a:t>ps.bar</a:t>
-            </a:r>
-            <a:r>
-              <a:rPr lang="en-US" sz="1400" dirty="0">
-                <a:solidFill>
-                  <a:schemeClr val="bg1"/>
-                </a:solidFill>
-                <a:latin typeface="Roboto Mono" pitchFamily="49" charset="0"/>
-                <a:ea typeface="Roboto Mono" pitchFamily="49" charset="0"/>
-              </a:rPr>
-              <a:t>(</a:t>
-            </a:r>
-          </a:p>
-          <a:p>
-            <a:r>
-              <a:rPr lang="en-US" sz="1400" dirty="0">
-                <a:solidFill>
-                  <a:schemeClr val="bg1"/>
-                </a:solidFill>
-                <a:latin typeface="Roboto Mono" pitchFamily="49" charset="0"/>
-                <a:ea typeface="Roboto Mono" pitchFamily="49" charset="0"/>
-              </a:rPr>
-              <a:t>        </a:t>
-            </a:r>
-            <a:r>
-              <a:rPr lang="en-US" sz="1400" dirty="0">
-                <a:solidFill>
-                  <a:srgbClr val="FFCA39"/>
-                </a:solidFill>
-                <a:latin typeface="Roboto Mono" pitchFamily="49" charset="0"/>
-                <a:ea typeface="Roboto Mono" pitchFamily="49" charset="0"/>
-              </a:rPr>
-              <a:t>title</a:t>
-            </a:r>
-            <a:r>
-              <a:rPr lang="en-US" sz="1400" dirty="0">
-                <a:solidFill>
-                  <a:schemeClr val="bg1"/>
-                </a:solidFill>
-                <a:latin typeface="Roboto Mono" pitchFamily="49" charset="0"/>
-                <a:ea typeface="Roboto Mono" pitchFamily="49" charset="0"/>
-              </a:rPr>
-              <a:t> = 'Population of Cities',</a:t>
-            </a:r>
-          </a:p>
-          <a:p>
-            <a:r>
-              <a:rPr lang="en-US" sz="1400" dirty="0">
-                <a:solidFill>
-                  <a:schemeClr val="bg1"/>
-                </a:solidFill>
-                <a:latin typeface="Roboto Mono" pitchFamily="49" charset="0"/>
-                <a:ea typeface="Roboto Mono" pitchFamily="49" charset="0"/>
-              </a:rPr>
-              <a:t>        </a:t>
-            </a:r>
-            <a:r>
-              <a:rPr lang="en-US" sz="1400" dirty="0" err="1">
-                <a:solidFill>
-                  <a:srgbClr val="FFCA39"/>
-                </a:solidFill>
-                <a:latin typeface="Roboto Mono" pitchFamily="49" charset="0"/>
-                <a:ea typeface="Roboto Mono" pitchFamily="49" charset="0"/>
-              </a:rPr>
-              <a:t>dataframe</a:t>
-            </a:r>
-            <a:r>
-              <a:rPr lang="en-US" sz="1400" dirty="0">
-                <a:solidFill>
-                  <a:schemeClr val="bg1"/>
-                </a:solidFill>
-                <a:latin typeface="Roboto Mono" pitchFamily="49" charset="0"/>
-                <a:ea typeface="Roboto Mono" pitchFamily="49" charset="0"/>
-              </a:rPr>
-              <a:t> = </a:t>
-            </a:r>
-            <a:r>
-              <a:rPr lang="en-US" sz="1400" dirty="0" err="1">
-                <a:solidFill>
-                  <a:schemeClr val="bg1"/>
-                </a:solidFill>
-                <a:latin typeface="Roboto Mono" pitchFamily="49" charset="0"/>
-                <a:ea typeface="Roboto Mono" pitchFamily="49" charset="0"/>
-              </a:rPr>
-              <a:t>df</a:t>
-            </a:r>
-            <a:r>
-              <a:rPr lang="en-US" sz="1400" dirty="0">
-                <a:solidFill>
-                  <a:schemeClr val="bg1"/>
-                </a:solidFill>
-                <a:latin typeface="Roboto Mono" pitchFamily="49" charset="0"/>
-                <a:ea typeface="Roboto Mono" pitchFamily="49" charset="0"/>
-              </a:rPr>
-              <a:t>,</a:t>
-            </a:r>
-          </a:p>
-          <a:p>
-            <a:r>
-              <a:rPr lang="en-US" sz="1400" dirty="0">
-                <a:solidFill>
-                  <a:schemeClr val="bg1"/>
-                </a:solidFill>
-                <a:latin typeface="Roboto Mono" pitchFamily="49" charset="0"/>
-                <a:ea typeface="Roboto Mono" pitchFamily="49" charset="0"/>
-              </a:rPr>
-              <a:t>        </a:t>
-            </a:r>
-            <a:r>
-              <a:rPr lang="en-US" sz="1400" dirty="0" err="1">
-                <a:solidFill>
-                  <a:srgbClr val="FFCA39"/>
-                </a:solidFill>
-                <a:latin typeface="Roboto Mono" pitchFamily="49" charset="0"/>
-                <a:ea typeface="Roboto Mono" pitchFamily="49" charset="0"/>
-              </a:rPr>
-              <a:t>xlabel</a:t>
-            </a:r>
-            <a:r>
-              <a:rPr lang="en-US" sz="1400" dirty="0">
-                <a:solidFill>
-                  <a:schemeClr val="bg1"/>
-                </a:solidFill>
-                <a:latin typeface="Roboto Mono" pitchFamily="49" charset="0"/>
-                <a:ea typeface="Roboto Mono" pitchFamily="49" charset="0"/>
-              </a:rPr>
-              <a:t> = 'City',</a:t>
-            </a:r>
-          </a:p>
-          <a:p>
-            <a:r>
-              <a:rPr lang="en-US" sz="1400" dirty="0">
-                <a:solidFill>
-                  <a:schemeClr val="bg1"/>
-                </a:solidFill>
-                <a:latin typeface="Roboto Mono" pitchFamily="49" charset="0"/>
-                <a:ea typeface="Roboto Mono" pitchFamily="49" charset="0"/>
-              </a:rPr>
-              <a:t>        </a:t>
-            </a:r>
-            <a:r>
-              <a:rPr lang="en-US" sz="1400" dirty="0" err="1">
-                <a:solidFill>
-                  <a:srgbClr val="FFCA39"/>
-                </a:solidFill>
-                <a:latin typeface="Roboto Mono" pitchFamily="49" charset="0"/>
-                <a:ea typeface="Roboto Mono" pitchFamily="49" charset="0"/>
-              </a:rPr>
-              <a:t>xdata</a:t>
-            </a:r>
-            <a:r>
-              <a:rPr lang="en-US" sz="1400" dirty="0">
-                <a:solidFill>
-                  <a:schemeClr val="bg1"/>
-                </a:solidFill>
-                <a:latin typeface="Roboto Mono" pitchFamily="49" charset="0"/>
-                <a:ea typeface="Roboto Mono" pitchFamily="49" charset="0"/>
-              </a:rPr>
-              <a:t> = 'Population 2020', </a:t>
-            </a:r>
-          </a:p>
-          <a:p>
-            <a:r>
-              <a:rPr lang="en-US" sz="1400" dirty="0">
-                <a:solidFill>
-                  <a:schemeClr val="bg1"/>
-                </a:solidFill>
-                <a:latin typeface="Roboto Mono" pitchFamily="49" charset="0"/>
-                <a:ea typeface="Roboto Mono" pitchFamily="49" charset="0"/>
-              </a:rPr>
-              <a:t>        </a:t>
-            </a:r>
-            <a:r>
-              <a:rPr lang="en-US" sz="1400" dirty="0" err="1">
-                <a:solidFill>
-                  <a:srgbClr val="FFCA39"/>
-                </a:solidFill>
-                <a:latin typeface="Roboto Mono" pitchFamily="49" charset="0"/>
-                <a:ea typeface="Roboto Mono" pitchFamily="49" charset="0"/>
-              </a:rPr>
-              <a:t>ylabel</a:t>
-            </a:r>
-            <a:r>
-              <a:rPr lang="en-US" sz="1400" dirty="0">
-                <a:solidFill>
-                  <a:schemeClr val="bg1"/>
-                </a:solidFill>
-                <a:latin typeface="Roboto Mono" pitchFamily="49" charset="0"/>
-                <a:ea typeface="Roboto Mono" pitchFamily="49" charset="0"/>
-              </a:rPr>
-              <a:t> = ‘2020 Population in Millions'</a:t>
-            </a:r>
-          </a:p>
-          <a:p>
-            <a:r>
-              <a:rPr lang="en-US" sz="1400" dirty="0">
-                <a:solidFill>
-                  <a:schemeClr val="bg1"/>
-                </a:solidFill>
-                <a:latin typeface="Roboto Mono" pitchFamily="49" charset="0"/>
-                <a:ea typeface="Roboto Mono" pitchFamily="49" charset="0"/>
-              </a:rPr>
-              <a:t>   )</a:t>
-            </a:r>
-          </a:p>
-          <a:p>
-            <a:r>
-              <a:rPr lang="en-US" sz="1400" dirty="0">
-                <a:solidFill>
-                  <a:schemeClr val="bg1"/>
-                </a:solidFill>
-                <a:latin typeface="Roboto Mono" pitchFamily="49" charset="0"/>
-                <a:ea typeface="Roboto Mono" pitchFamily="49" charset="0"/>
-              </a:rPr>
-              <a:t>) </a:t>
-            </a:r>
-            <a:endParaRPr lang="en-PK" sz="1400" dirty="0">
-              <a:solidFill>
-                <a:schemeClr val="bg1"/>
-              </a:solidFill>
-              <a:latin typeface="Roboto Mono" pitchFamily="49" charset="0"/>
-              <a:ea typeface="Roboto Mono" pitchFamily="49" charset="0"/>
-            </a:endParaRPr>
-          </a:p>
-        </p:txBody>
-      </p:sp>
-      <p:sp>
-        <p:nvSpPr>
           <p:cNvPr id="9" name="TextBox 8">
             <a:extLst>
               <a:ext uri="{FF2B5EF4-FFF2-40B4-BE49-F238E27FC236}">
@@ -6724,6 +6058,612 @@
               </a:rPr>
               <a:t>myChart.html</a:t>
             </a:r>
+          </a:p>
+        </p:txBody>
+      </p:sp>
+      <p:sp>
+        <p:nvSpPr>
+          <p:cNvPr id="6" name="TextBox 5">
+            <a:extLst>
+              <a:ext uri="{FF2B5EF4-FFF2-40B4-BE49-F238E27FC236}">
+                <a16:creationId xmlns:a16="http://schemas.microsoft.com/office/drawing/2014/main" id="{3E9C0D82-EDB7-9FFC-70DB-5B85DD945A8A}"/>
+              </a:ext>
+            </a:extLst>
+          </p:cNvPr>
+          <p:cNvSpPr txBox="1"/>
+          <p:nvPr/>
+        </p:nvSpPr>
+        <p:spPr>
+          <a:xfrm>
+            <a:off x="292187" y="1247518"/>
+            <a:ext cx="5339923" cy="3539430"/>
+          </a:xfrm>
+          <a:prstGeom prst="rect">
+            <a:avLst/>
+          </a:prstGeom>
+          <a:noFill/>
+        </p:spPr>
+        <p:txBody>
+          <a:bodyPr wrap="none" rtlCol="0">
+            <a:spAutoFit/>
+          </a:bodyPr>
+          <a:lstStyle/>
+          <a:p>
+            <a:r>
+              <a:rPr lang="en-US" sz="1400" dirty="0">
+                <a:solidFill>
+                  <a:srgbClr val="FF595E"/>
+                </a:solidFill>
+                <a:latin typeface="Roboto Mono" pitchFamily="49" charset="0"/>
+                <a:ea typeface="Roboto Mono" pitchFamily="49" charset="0"/>
+              </a:rPr>
+              <a:t>import</a:t>
+            </a:r>
+            <a:r>
+              <a:rPr lang="en-US" sz="1400" dirty="0">
+                <a:solidFill>
+                  <a:schemeClr val="bg1"/>
+                </a:solidFill>
+                <a:latin typeface="Roboto Mono" pitchFamily="49" charset="0"/>
+                <a:ea typeface="Roboto Mono" pitchFamily="49" charset="0"/>
+              </a:rPr>
+              <a:t> </a:t>
+            </a:r>
+            <a:r>
+              <a:rPr lang="en-US" sz="1400" dirty="0">
+                <a:solidFill>
+                  <a:srgbClr val="8BC926"/>
+                </a:solidFill>
+                <a:latin typeface="Roboto Mono" pitchFamily="49" charset="0"/>
+                <a:ea typeface="Roboto Mono" pitchFamily="49" charset="0"/>
+              </a:rPr>
+              <a:t>pandas</a:t>
+            </a:r>
+            <a:r>
+              <a:rPr lang="en-US" sz="1400" dirty="0">
+                <a:solidFill>
+                  <a:schemeClr val="bg1"/>
+                </a:solidFill>
+                <a:latin typeface="Roboto Mono" pitchFamily="49" charset="0"/>
+                <a:ea typeface="Roboto Mono" pitchFamily="49" charset="0"/>
+              </a:rPr>
+              <a:t> </a:t>
+            </a:r>
+            <a:r>
+              <a:rPr lang="en-US" sz="1400" dirty="0">
+                <a:solidFill>
+                  <a:srgbClr val="FF595E"/>
+                </a:solidFill>
+                <a:latin typeface="Roboto Mono" pitchFamily="49" charset="0"/>
+                <a:ea typeface="Roboto Mono" pitchFamily="49" charset="0"/>
+              </a:rPr>
+              <a:t>as</a:t>
+            </a:r>
+            <a:r>
+              <a:rPr lang="en-US" sz="1400" dirty="0">
+                <a:solidFill>
+                  <a:schemeClr val="bg1"/>
+                </a:solidFill>
+                <a:latin typeface="Roboto Mono" pitchFamily="49" charset="0"/>
+                <a:ea typeface="Roboto Mono" pitchFamily="49" charset="0"/>
+              </a:rPr>
+              <a:t> </a:t>
+            </a:r>
+            <a:r>
+              <a:rPr lang="en-US" sz="1400" dirty="0">
+                <a:solidFill>
+                  <a:srgbClr val="8BC926"/>
+                </a:solidFill>
+                <a:latin typeface="Roboto Mono" pitchFamily="49" charset="0"/>
+                <a:ea typeface="Roboto Mono" pitchFamily="49" charset="0"/>
+              </a:rPr>
+              <a:t>pd</a:t>
+            </a:r>
+          </a:p>
+          <a:p>
+            <a:r>
+              <a:rPr lang="en-US" sz="1400" dirty="0">
+                <a:solidFill>
+                  <a:srgbClr val="FF595E"/>
+                </a:solidFill>
+                <a:latin typeface="Roboto Mono" pitchFamily="49" charset="0"/>
+                <a:ea typeface="Roboto Mono" pitchFamily="49" charset="0"/>
+              </a:rPr>
+              <a:t>import</a:t>
+            </a:r>
+            <a:r>
+              <a:rPr lang="en-US" sz="1400" dirty="0">
+                <a:solidFill>
+                  <a:schemeClr val="bg1"/>
+                </a:solidFill>
+                <a:latin typeface="Roboto Mono" pitchFamily="49" charset="0"/>
+                <a:ea typeface="Roboto Mono" pitchFamily="49" charset="0"/>
+              </a:rPr>
+              <a:t> </a:t>
+            </a:r>
+            <a:r>
+              <a:rPr lang="en-US" sz="1400" dirty="0">
+                <a:solidFill>
+                  <a:srgbClr val="8BC926"/>
+                </a:solidFill>
+                <a:latin typeface="Roboto Mono" pitchFamily="49" charset="0"/>
+                <a:ea typeface="Roboto Mono" pitchFamily="49" charset="0"/>
+              </a:rPr>
+              <a:t>piesparrow</a:t>
+            </a:r>
+            <a:r>
+              <a:rPr lang="en-US" sz="1400" dirty="0">
+                <a:solidFill>
+                  <a:schemeClr val="bg1"/>
+                </a:solidFill>
+                <a:latin typeface="Roboto Mono" pitchFamily="49" charset="0"/>
+                <a:ea typeface="Roboto Mono" pitchFamily="49" charset="0"/>
+              </a:rPr>
+              <a:t> </a:t>
+            </a:r>
+            <a:r>
+              <a:rPr lang="en-US" sz="1400" dirty="0">
+                <a:solidFill>
+                  <a:srgbClr val="FF595E"/>
+                </a:solidFill>
+                <a:latin typeface="Roboto Mono" pitchFamily="49" charset="0"/>
+                <a:ea typeface="Roboto Mono" pitchFamily="49" charset="0"/>
+              </a:rPr>
+              <a:t>as</a:t>
+            </a:r>
+            <a:r>
+              <a:rPr lang="en-US" sz="1400" dirty="0">
+                <a:solidFill>
+                  <a:schemeClr val="bg1"/>
+                </a:solidFill>
+                <a:latin typeface="Roboto Mono" pitchFamily="49" charset="0"/>
+                <a:ea typeface="Roboto Mono" pitchFamily="49" charset="0"/>
+              </a:rPr>
+              <a:t> </a:t>
+            </a:r>
+            <a:r>
+              <a:rPr lang="en-US" sz="1400" dirty="0" err="1">
+                <a:solidFill>
+                  <a:srgbClr val="8BC926"/>
+                </a:solidFill>
+                <a:latin typeface="Roboto Mono" pitchFamily="49" charset="0"/>
+                <a:ea typeface="Roboto Mono" pitchFamily="49" charset="0"/>
+              </a:rPr>
+              <a:t>ps</a:t>
+            </a:r>
+            <a:endParaRPr lang="en-US" sz="1400" dirty="0">
+              <a:solidFill>
+                <a:srgbClr val="8BC926"/>
+              </a:solidFill>
+              <a:latin typeface="Roboto Mono" pitchFamily="49" charset="0"/>
+              <a:ea typeface="Roboto Mono" pitchFamily="49" charset="0"/>
+            </a:endParaRPr>
+          </a:p>
+          <a:p>
+            <a:endParaRPr lang="en-US" sz="1400" dirty="0">
+              <a:solidFill>
+                <a:schemeClr val="bg1"/>
+              </a:solidFill>
+              <a:latin typeface="Roboto Mono" pitchFamily="49" charset="0"/>
+              <a:ea typeface="Roboto Mono" pitchFamily="49" charset="0"/>
+            </a:endParaRPr>
+          </a:p>
+          <a:p>
+            <a:r>
+              <a:rPr lang="en-US" sz="1400" dirty="0">
+                <a:solidFill>
+                  <a:schemeClr val="bg1"/>
+                </a:solidFill>
+                <a:latin typeface="Roboto Mono" pitchFamily="49" charset="0"/>
+                <a:ea typeface="Roboto Mono" pitchFamily="49" charset="0"/>
+              </a:rPr>
+              <a:t>data = </a:t>
+            </a:r>
+            <a:r>
+              <a:rPr lang="en-US" sz="1400" dirty="0" err="1">
+                <a:solidFill>
+                  <a:srgbClr val="8BC926"/>
+                </a:solidFill>
+                <a:latin typeface="Roboto Mono" pitchFamily="49" charset="0"/>
+                <a:ea typeface="Roboto Mono" pitchFamily="49" charset="0"/>
+              </a:rPr>
+              <a:t>pd.read_csv</a:t>
+            </a:r>
+            <a:r>
+              <a:rPr lang="en-US" sz="1400" dirty="0">
+                <a:solidFill>
+                  <a:schemeClr val="bg1"/>
+                </a:solidFill>
+                <a:latin typeface="Roboto Mono" pitchFamily="49" charset="0"/>
+                <a:ea typeface="Roboto Mono" pitchFamily="49" charset="0"/>
+              </a:rPr>
+              <a:t>(‘mock_data.csv')</a:t>
+            </a:r>
+          </a:p>
+          <a:p>
+            <a:endParaRPr lang="en-US" sz="1400" dirty="0">
+              <a:solidFill>
+                <a:schemeClr val="bg1"/>
+              </a:solidFill>
+              <a:latin typeface="Roboto Mono" pitchFamily="49" charset="0"/>
+              <a:ea typeface="Roboto Mono" pitchFamily="49" charset="0"/>
+            </a:endParaRPr>
+          </a:p>
+          <a:p>
+            <a:r>
+              <a:rPr lang="en-US" sz="1400" dirty="0">
+                <a:solidFill>
+                  <a:srgbClr val="8BC926"/>
+                </a:solidFill>
+                <a:latin typeface="Roboto Mono" pitchFamily="49" charset="0"/>
+                <a:ea typeface="Roboto Mono" pitchFamily="49" charset="0"/>
+              </a:rPr>
+              <a:t>ps.init</a:t>
+            </a:r>
+            <a:r>
+              <a:rPr lang="en-US" sz="1400" dirty="0">
+                <a:solidFill>
+                  <a:schemeClr val="bg1"/>
+                </a:solidFill>
+                <a:latin typeface="Roboto Mono" pitchFamily="49" charset="0"/>
+                <a:ea typeface="Roboto Mono" pitchFamily="49" charset="0"/>
+              </a:rPr>
+              <a:t>(</a:t>
+            </a:r>
+            <a:r>
+              <a:rPr lang="en-US" sz="1400" dirty="0">
+                <a:solidFill>
+                  <a:srgbClr val="FFCA39"/>
+                </a:solidFill>
+                <a:latin typeface="Roboto Mono" pitchFamily="49" charset="0"/>
+                <a:ea typeface="Roboto Mono" pitchFamily="49" charset="0"/>
+              </a:rPr>
+              <a:t>filename</a:t>
+            </a:r>
+            <a:r>
+              <a:rPr lang="en-US" sz="1400" dirty="0">
+                <a:solidFill>
+                  <a:schemeClr val="bg1"/>
+                </a:solidFill>
+                <a:latin typeface="Roboto Mono" pitchFamily="49" charset="0"/>
+                <a:ea typeface="Roboto Mono" pitchFamily="49" charset="0"/>
+              </a:rPr>
+              <a:t> = '</a:t>
+            </a:r>
+            <a:r>
+              <a:rPr lang="en-US" sz="1400" dirty="0" err="1">
+                <a:solidFill>
+                  <a:schemeClr val="bg1"/>
+                </a:solidFill>
+                <a:latin typeface="Roboto Mono" pitchFamily="49" charset="0"/>
+                <a:ea typeface="Roboto Mono" pitchFamily="49" charset="0"/>
+              </a:rPr>
+              <a:t>myChart</a:t>
+            </a:r>
+            <a:r>
+              <a:rPr lang="en-US" sz="1400" dirty="0">
+                <a:solidFill>
+                  <a:schemeClr val="bg1"/>
+                </a:solidFill>
+                <a:latin typeface="Roboto Mono" pitchFamily="49" charset="0"/>
+                <a:ea typeface="Roboto Mono" pitchFamily="49" charset="0"/>
+              </a:rPr>
+              <a:t>',</a:t>
+            </a:r>
+            <a:r>
+              <a:rPr lang="en-US" sz="1400" dirty="0">
+                <a:solidFill>
+                  <a:srgbClr val="FFCA39"/>
+                </a:solidFill>
+                <a:latin typeface="Roboto Mono" pitchFamily="49" charset="0"/>
+                <a:ea typeface="Roboto Mono" pitchFamily="49" charset="0"/>
+              </a:rPr>
+              <a:t>title </a:t>
+            </a:r>
+            <a:r>
+              <a:rPr lang="en-US" sz="1400" dirty="0">
+                <a:solidFill>
+                  <a:schemeClr val="bg1"/>
+                </a:solidFill>
+                <a:latin typeface="Roboto Mono" pitchFamily="49" charset="0"/>
+                <a:ea typeface="Roboto Mono" pitchFamily="49" charset="0"/>
+              </a:rPr>
+              <a:t>= ‘My Chart')</a:t>
+            </a:r>
+          </a:p>
+          <a:p>
+            <a:endParaRPr lang="en-US" sz="1400" dirty="0">
+              <a:solidFill>
+                <a:schemeClr val="bg1"/>
+              </a:solidFill>
+              <a:latin typeface="Roboto Mono" pitchFamily="49" charset="0"/>
+              <a:ea typeface="Roboto Mono" pitchFamily="49" charset="0"/>
+            </a:endParaRPr>
+          </a:p>
+          <a:p>
+            <a:r>
+              <a:rPr lang="en-US" sz="1400" dirty="0" err="1">
+                <a:solidFill>
+                  <a:srgbClr val="8BC926"/>
+                </a:solidFill>
+                <a:latin typeface="Roboto Mono" pitchFamily="49" charset="0"/>
+                <a:ea typeface="Roboto Mono" pitchFamily="49" charset="0"/>
+              </a:rPr>
+              <a:t>ps.row</a:t>
+            </a:r>
+            <a:r>
+              <a:rPr lang="en-US" sz="1400" dirty="0">
+                <a:solidFill>
+                  <a:schemeClr val="bg1"/>
+                </a:solidFill>
+                <a:latin typeface="Roboto Mono" pitchFamily="49" charset="0"/>
+                <a:ea typeface="Roboto Mono" pitchFamily="49" charset="0"/>
+              </a:rPr>
+              <a:t>(</a:t>
+            </a:r>
+          </a:p>
+          <a:p>
+            <a:r>
+              <a:rPr lang="en-US" sz="1400" dirty="0">
+                <a:solidFill>
+                  <a:srgbClr val="8BC926"/>
+                </a:solidFill>
+                <a:latin typeface="Roboto Mono" pitchFamily="49" charset="0"/>
+                <a:ea typeface="Roboto Mono" pitchFamily="49" charset="0"/>
+              </a:rPr>
+              <a:t>	</a:t>
+            </a:r>
+            <a:r>
+              <a:rPr lang="en-US" sz="1400" dirty="0" err="1">
+                <a:solidFill>
+                  <a:srgbClr val="8BC926"/>
+                </a:solidFill>
+                <a:latin typeface="Roboto Mono" pitchFamily="49" charset="0"/>
+                <a:ea typeface="Roboto Mono" pitchFamily="49" charset="0"/>
+              </a:rPr>
+              <a:t>ps.chart</a:t>
+            </a:r>
+            <a:r>
+              <a:rPr lang="en-US" sz="1400" dirty="0">
+                <a:solidFill>
+                  <a:schemeClr val="bg1"/>
+                </a:solidFill>
+                <a:latin typeface="Roboto Mono" pitchFamily="49" charset="0"/>
+                <a:ea typeface="Roboto Mono" pitchFamily="49" charset="0"/>
+              </a:rPr>
+              <a:t>(</a:t>
+            </a:r>
+          </a:p>
+          <a:p>
+            <a:r>
+              <a:rPr lang="en-US" sz="1400" dirty="0">
+                <a:solidFill>
+                  <a:schemeClr val="bg1"/>
+                </a:solidFill>
+                <a:latin typeface="Roboto Mono" pitchFamily="49" charset="0"/>
+                <a:ea typeface="Roboto Mono" pitchFamily="49" charset="0"/>
+              </a:rPr>
+              <a:t>		</a:t>
+            </a:r>
+            <a:r>
+              <a:rPr lang="en-US" sz="1400" dirty="0">
+                <a:solidFill>
+                  <a:srgbClr val="FFCA39"/>
+                </a:solidFill>
+                <a:latin typeface="Roboto Mono" pitchFamily="49" charset="0"/>
+                <a:ea typeface="Roboto Mono" pitchFamily="49" charset="0"/>
+              </a:rPr>
+              <a:t>title</a:t>
+            </a:r>
+            <a:r>
+              <a:rPr lang="en-US" sz="1400" dirty="0">
+                <a:solidFill>
+                  <a:schemeClr val="bg1"/>
+                </a:solidFill>
+                <a:latin typeface="Roboto Mono" pitchFamily="49" charset="0"/>
+                <a:ea typeface="Roboto Mono" pitchFamily="49" charset="0"/>
+              </a:rPr>
+              <a:t> = '</a:t>
+            </a:r>
+            <a:r>
+              <a:rPr lang="en-US" sz="1400" dirty="0" err="1">
+                <a:solidFill>
+                  <a:schemeClr val="bg1"/>
+                </a:solidFill>
+                <a:latin typeface="Roboto Mono" pitchFamily="49" charset="0"/>
+                <a:ea typeface="Roboto Mono" pitchFamily="49" charset="0"/>
+              </a:rPr>
+              <a:t>myChart</a:t>
+            </a:r>
+            <a:r>
+              <a:rPr lang="en-US" sz="1400" dirty="0">
+                <a:solidFill>
+                  <a:schemeClr val="bg1"/>
+                </a:solidFill>
+                <a:latin typeface="Roboto Mono" pitchFamily="49" charset="0"/>
+                <a:ea typeface="Roboto Mono" pitchFamily="49" charset="0"/>
+              </a:rPr>
+              <a:t>’,</a:t>
+            </a:r>
+          </a:p>
+          <a:p>
+            <a:r>
+              <a:rPr lang="en-US" sz="1400" dirty="0">
+                <a:solidFill>
+                  <a:schemeClr val="bg1"/>
+                </a:solidFill>
+                <a:latin typeface="Roboto Mono" pitchFamily="49" charset="0"/>
+                <a:ea typeface="Roboto Mono" pitchFamily="49" charset="0"/>
+              </a:rPr>
+              <a:t>		</a:t>
+            </a:r>
+            <a:r>
+              <a:rPr lang="en-US" sz="1400" dirty="0" err="1">
+                <a:solidFill>
+                  <a:srgbClr val="FFCA39"/>
+                </a:solidFill>
+                <a:latin typeface="Roboto Mono" pitchFamily="49" charset="0"/>
+                <a:ea typeface="Roboto Mono" pitchFamily="49" charset="0"/>
+              </a:rPr>
+              <a:t>df</a:t>
+            </a:r>
+            <a:r>
+              <a:rPr lang="en-US" sz="1400" dirty="0">
+                <a:solidFill>
+                  <a:schemeClr val="bg1"/>
+                </a:solidFill>
+                <a:latin typeface="Roboto Mono" pitchFamily="49" charset="0"/>
+                <a:ea typeface="Roboto Mono" pitchFamily="49" charset="0"/>
+              </a:rPr>
+              <a:t> = data,</a:t>
+            </a:r>
+          </a:p>
+          <a:p>
+            <a:r>
+              <a:rPr lang="en-US" sz="1400" dirty="0">
+                <a:solidFill>
+                  <a:schemeClr val="bg1"/>
+                </a:solidFill>
+                <a:latin typeface="Roboto Mono" pitchFamily="49" charset="0"/>
+                <a:ea typeface="Roboto Mono" pitchFamily="49" charset="0"/>
+              </a:rPr>
+              <a:t>		</a:t>
+            </a:r>
+            <a:r>
+              <a:rPr lang="en-US" sz="1400" dirty="0">
+                <a:solidFill>
+                  <a:srgbClr val="FFCA39"/>
+                </a:solidFill>
+                <a:latin typeface="Roboto Mono" pitchFamily="49" charset="0"/>
+                <a:ea typeface="Roboto Mono" pitchFamily="49" charset="0"/>
+              </a:rPr>
+              <a:t>columns</a:t>
+            </a:r>
+            <a:r>
+              <a:rPr lang="en-US" sz="1400" dirty="0">
+                <a:solidFill>
+                  <a:schemeClr val="bg1"/>
+                </a:solidFill>
+                <a:latin typeface="Roboto Mono" pitchFamily="49" charset="0"/>
+                <a:ea typeface="Roboto Mono" pitchFamily="49" charset="0"/>
+              </a:rPr>
+              <a:t> = ['</a:t>
+            </a:r>
+            <a:r>
+              <a:rPr lang="en-US" sz="1400" dirty="0" err="1">
+                <a:solidFill>
+                  <a:schemeClr val="bg1"/>
+                </a:solidFill>
+                <a:latin typeface="Roboto Mono" pitchFamily="49" charset="0"/>
+                <a:ea typeface="Roboto Mono" pitchFamily="49" charset="0"/>
+              </a:rPr>
+              <a:t>Month','Data</a:t>
+            </a:r>
+            <a:r>
+              <a:rPr lang="en-US" sz="1400" dirty="0">
+                <a:solidFill>
+                  <a:schemeClr val="bg1"/>
+                </a:solidFill>
+                <a:latin typeface="Roboto Mono" pitchFamily="49" charset="0"/>
+                <a:ea typeface="Roboto Mono" pitchFamily="49" charset="0"/>
+              </a:rPr>
+              <a:t> 1’],</a:t>
+            </a:r>
+          </a:p>
+          <a:p>
+            <a:r>
+              <a:rPr lang="en-US" sz="1400" dirty="0">
+                <a:solidFill>
+                  <a:schemeClr val="bg1"/>
+                </a:solidFill>
+                <a:latin typeface="Roboto Mono" pitchFamily="49" charset="0"/>
+                <a:ea typeface="Roboto Mono" pitchFamily="49" charset="0"/>
+              </a:rPr>
+              <a:t>		</a:t>
+            </a:r>
+            <a:r>
+              <a:rPr lang="en-US" sz="1400" dirty="0">
+                <a:solidFill>
+                  <a:srgbClr val="FFCA39"/>
+                </a:solidFill>
+                <a:latin typeface="Roboto Mono" pitchFamily="49" charset="0"/>
+                <a:ea typeface="Roboto Mono" pitchFamily="49" charset="0"/>
+              </a:rPr>
+              <a:t>xcolumn</a:t>
+            </a:r>
+            <a:r>
+              <a:rPr lang="en-US" sz="1400" dirty="0">
+                <a:solidFill>
+                  <a:schemeClr val="bg1"/>
+                </a:solidFill>
+                <a:latin typeface="Roboto Mono" pitchFamily="49" charset="0"/>
+                <a:ea typeface="Roboto Mono" pitchFamily="49" charset="0"/>
+              </a:rPr>
+              <a:t> = 'Month’,</a:t>
+            </a:r>
+          </a:p>
+          <a:p>
+            <a:r>
+              <a:rPr lang="en-US" sz="1400" dirty="0">
+                <a:solidFill>
+                  <a:schemeClr val="bg1"/>
+                </a:solidFill>
+                <a:latin typeface="Roboto Mono" pitchFamily="49" charset="0"/>
+                <a:ea typeface="Roboto Mono" pitchFamily="49" charset="0"/>
+              </a:rPr>
+              <a:t>		</a:t>
+            </a:r>
+            <a:r>
+              <a:rPr lang="en-US" sz="1400" dirty="0">
+                <a:solidFill>
+                  <a:srgbClr val="FFCA39"/>
+                </a:solidFill>
+                <a:latin typeface="Roboto Mono" pitchFamily="49" charset="0"/>
+                <a:ea typeface="Roboto Mono" pitchFamily="49" charset="0"/>
+              </a:rPr>
+              <a:t>type</a:t>
+            </a:r>
+            <a:r>
+              <a:rPr lang="en-US" sz="1400" dirty="0">
+                <a:solidFill>
+                  <a:schemeClr val="bg1"/>
+                </a:solidFill>
+                <a:latin typeface="Roboto Mono" pitchFamily="49" charset="0"/>
+                <a:ea typeface="Roboto Mono" pitchFamily="49" charset="0"/>
+              </a:rPr>
+              <a:t> = 'bar'</a:t>
+            </a:r>
+          </a:p>
+          <a:p>
+            <a:r>
+              <a:rPr lang="en-US" sz="1400" dirty="0">
+                <a:solidFill>
+                  <a:schemeClr val="bg1"/>
+                </a:solidFill>
+                <a:latin typeface="Roboto Mono" pitchFamily="49" charset="0"/>
+                <a:ea typeface="Roboto Mono" pitchFamily="49" charset="0"/>
+              </a:rPr>
+              <a:t>   )</a:t>
+            </a:r>
+          </a:p>
+          <a:p>
+            <a:r>
+              <a:rPr lang="en-US" sz="1400" dirty="0">
+                <a:solidFill>
+                  <a:schemeClr val="bg1"/>
+                </a:solidFill>
+                <a:latin typeface="Roboto Mono" pitchFamily="49" charset="0"/>
+                <a:ea typeface="Roboto Mono" pitchFamily="49" charset="0"/>
+              </a:rPr>
+              <a:t>) </a:t>
+            </a:r>
+            <a:endParaRPr lang="en-PK" sz="1400" dirty="0">
+              <a:solidFill>
+                <a:schemeClr val="bg1"/>
+              </a:solidFill>
+              <a:latin typeface="Roboto Mono" pitchFamily="49" charset="0"/>
+              <a:ea typeface="Roboto Mono" pitchFamily="49" charset="0"/>
+            </a:endParaRPr>
           </a:p>
         </p:txBody>
       </p:sp>
@@ -6839,642 +6779,6 @@
       </p:pic>
       <p:sp>
         <p:nvSpPr>
-          <p:cNvPr id="8" name="TextBox 7">
-            <a:extLst>
-              <a:ext uri="{FF2B5EF4-FFF2-40B4-BE49-F238E27FC236}">
-                <a16:creationId xmlns:a16="http://schemas.microsoft.com/office/drawing/2014/main" id="{D9177F28-A0DE-EEB7-084E-387FEDD06A03}"/>
-              </a:ext>
-            </a:extLst>
-          </p:cNvPr>
-          <p:cNvSpPr txBox="1"/>
-          <p:nvPr/>
-        </p:nvSpPr>
-        <p:spPr>
-          <a:xfrm>
-            <a:off x="292187" y="1247518"/>
-            <a:ext cx="5339923" cy="3539430"/>
-          </a:xfrm>
-          <a:prstGeom prst="rect">
-            <a:avLst/>
-          </a:prstGeom>
-          <a:noFill/>
-        </p:spPr>
-        <p:txBody>
-          <a:bodyPr wrap="none" rtlCol="0">
-            <a:spAutoFit/>
-          </a:bodyPr>
-          <a:lstStyle/>
-          <a:p>
-            <a:r>
-              <a:rPr lang="en-US" sz="1400" dirty="0">
-                <a:solidFill>
-                  <a:srgbClr val="FF595E"/>
-                </a:solidFill>
-                <a:latin typeface="Roboto Mono" pitchFamily="49" charset="0"/>
-                <a:ea typeface="Roboto Mono" pitchFamily="49" charset="0"/>
-              </a:rPr>
-              <a:t>import</a:t>
-            </a:r>
-            <a:r>
-              <a:rPr lang="en-US" sz="1400" dirty="0">
-                <a:solidFill>
-                  <a:schemeClr val="bg1"/>
-                </a:solidFill>
-                <a:latin typeface="Roboto Mono" pitchFamily="49" charset="0"/>
-                <a:ea typeface="Roboto Mono" pitchFamily="49" charset="0"/>
-              </a:rPr>
-              <a:t> </a:t>
-            </a:r>
-            <a:r>
-              <a:rPr lang="en-US" sz="1400" dirty="0">
-                <a:solidFill>
-                  <a:srgbClr val="8BC926"/>
-                </a:solidFill>
-                <a:latin typeface="Roboto Mono" pitchFamily="49" charset="0"/>
-                <a:ea typeface="Roboto Mono" pitchFamily="49" charset="0"/>
-              </a:rPr>
-              <a:t>pandas</a:t>
-            </a:r>
-            <a:r>
-              <a:rPr lang="en-US" sz="1400" dirty="0">
-                <a:solidFill>
-                  <a:schemeClr val="bg1"/>
-                </a:solidFill>
-                <a:latin typeface="Roboto Mono" pitchFamily="49" charset="0"/>
-                <a:ea typeface="Roboto Mono" pitchFamily="49" charset="0"/>
-              </a:rPr>
-              <a:t> </a:t>
-            </a:r>
-            <a:r>
-              <a:rPr lang="en-US" sz="1400" dirty="0">
-                <a:solidFill>
-                  <a:srgbClr val="FF595E"/>
-                </a:solidFill>
-                <a:latin typeface="Roboto Mono" pitchFamily="49" charset="0"/>
-                <a:ea typeface="Roboto Mono" pitchFamily="49" charset="0"/>
-              </a:rPr>
-              <a:t>as</a:t>
-            </a:r>
-            <a:r>
-              <a:rPr lang="en-US" sz="1400" dirty="0">
-                <a:solidFill>
-                  <a:schemeClr val="bg1"/>
-                </a:solidFill>
-                <a:latin typeface="Roboto Mono" pitchFamily="49" charset="0"/>
-                <a:ea typeface="Roboto Mono" pitchFamily="49" charset="0"/>
-              </a:rPr>
-              <a:t> </a:t>
-            </a:r>
-            <a:r>
-              <a:rPr lang="en-US" sz="1400" dirty="0">
-                <a:solidFill>
-                  <a:srgbClr val="8BC926"/>
-                </a:solidFill>
-                <a:latin typeface="Roboto Mono" pitchFamily="49" charset="0"/>
-                <a:ea typeface="Roboto Mono" pitchFamily="49" charset="0"/>
-              </a:rPr>
-              <a:t>pd</a:t>
-            </a:r>
-          </a:p>
-          <a:p>
-            <a:r>
-              <a:rPr lang="en-US" sz="1400" dirty="0">
-                <a:solidFill>
-                  <a:srgbClr val="FF595E"/>
-                </a:solidFill>
-                <a:latin typeface="Roboto Mono" pitchFamily="49" charset="0"/>
-                <a:ea typeface="Roboto Mono" pitchFamily="49" charset="0"/>
-              </a:rPr>
-              <a:t>import</a:t>
-            </a:r>
-            <a:r>
-              <a:rPr lang="en-US" sz="1400" dirty="0">
-                <a:solidFill>
-                  <a:schemeClr val="bg1"/>
-                </a:solidFill>
-                <a:latin typeface="Roboto Mono" pitchFamily="49" charset="0"/>
-                <a:ea typeface="Roboto Mono" pitchFamily="49" charset="0"/>
-              </a:rPr>
-              <a:t> </a:t>
-            </a:r>
-            <a:r>
-              <a:rPr lang="en-US" sz="1400" dirty="0">
-                <a:solidFill>
-                  <a:srgbClr val="8BC926"/>
-                </a:solidFill>
-                <a:latin typeface="Roboto Mono" pitchFamily="49" charset="0"/>
-                <a:ea typeface="Roboto Mono" pitchFamily="49" charset="0"/>
-              </a:rPr>
-              <a:t>piesparrow</a:t>
-            </a:r>
-            <a:r>
-              <a:rPr lang="en-US" sz="1400" dirty="0">
-                <a:solidFill>
-                  <a:schemeClr val="bg1"/>
-                </a:solidFill>
-                <a:latin typeface="Roboto Mono" pitchFamily="49" charset="0"/>
-                <a:ea typeface="Roboto Mono" pitchFamily="49" charset="0"/>
-              </a:rPr>
-              <a:t> </a:t>
-            </a:r>
-            <a:r>
-              <a:rPr lang="en-US" sz="1400" dirty="0">
-                <a:solidFill>
-                  <a:srgbClr val="FF595E"/>
-                </a:solidFill>
-                <a:latin typeface="Roboto Mono" pitchFamily="49" charset="0"/>
-                <a:ea typeface="Roboto Mono" pitchFamily="49" charset="0"/>
-              </a:rPr>
-              <a:t>as</a:t>
-            </a:r>
-            <a:r>
-              <a:rPr lang="en-US" sz="1400" dirty="0">
-                <a:solidFill>
-                  <a:schemeClr val="bg1"/>
-                </a:solidFill>
-                <a:latin typeface="Roboto Mono" pitchFamily="49" charset="0"/>
-                <a:ea typeface="Roboto Mono" pitchFamily="49" charset="0"/>
-              </a:rPr>
-              <a:t> </a:t>
-            </a:r>
-            <a:r>
-              <a:rPr lang="en-US" sz="1400" dirty="0" err="1">
-                <a:solidFill>
-                  <a:srgbClr val="8BC926"/>
-                </a:solidFill>
-                <a:latin typeface="Roboto Mono" pitchFamily="49" charset="0"/>
-                <a:ea typeface="Roboto Mono" pitchFamily="49" charset="0"/>
-              </a:rPr>
-              <a:t>ps</a:t>
-            </a:r>
-            <a:endParaRPr lang="en-US" sz="1400" dirty="0">
-              <a:solidFill>
-                <a:srgbClr val="8BC926"/>
-              </a:solidFill>
-              <a:latin typeface="Roboto Mono" pitchFamily="49" charset="0"/>
-              <a:ea typeface="Roboto Mono" pitchFamily="49" charset="0"/>
-            </a:endParaRPr>
-          </a:p>
-          <a:p>
-            <a:endParaRPr lang="en-US" sz="1400" dirty="0">
-              <a:solidFill>
-                <a:schemeClr val="bg1"/>
-              </a:solidFill>
-              <a:latin typeface="Roboto Mono" pitchFamily="49" charset="0"/>
-              <a:ea typeface="Roboto Mono" pitchFamily="49" charset="0"/>
-            </a:endParaRPr>
-          </a:p>
-          <a:p>
-            <a:r>
-              <a:rPr lang="en-US" sz="1400" dirty="0" err="1">
-                <a:solidFill>
-                  <a:schemeClr val="bg1"/>
-                </a:solidFill>
-                <a:latin typeface="Roboto Mono" pitchFamily="49" charset="0"/>
-                <a:ea typeface="Roboto Mono" pitchFamily="49" charset="0"/>
-              </a:rPr>
-              <a:t>df</a:t>
-            </a:r>
-            <a:r>
-              <a:rPr lang="en-US" sz="1400" dirty="0">
-                <a:solidFill>
-                  <a:schemeClr val="bg1"/>
-                </a:solidFill>
-                <a:latin typeface="Roboto Mono" pitchFamily="49" charset="0"/>
-                <a:ea typeface="Roboto Mono" pitchFamily="49" charset="0"/>
-              </a:rPr>
-              <a:t> = </a:t>
-            </a:r>
-            <a:r>
-              <a:rPr lang="en-US" sz="1400" dirty="0" err="1">
-                <a:solidFill>
-                  <a:srgbClr val="8BC926"/>
-                </a:solidFill>
-                <a:latin typeface="Roboto Mono" pitchFamily="49" charset="0"/>
-                <a:ea typeface="Roboto Mono" pitchFamily="49" charset="0"/>
-              </a:rPr>
-              <a:t>pd.read_csv</a:t>
-            </a:r>
-            <a:r>
-              <a:rPr lang="en-US" sz="1400" dirty="0">
-                <a:solidFill>
-                  <a:schemeClr val="bg1"/>
-                </a:solidFill>
-                <a:latin typeface="Roboto Mono" pitchFamily="49" charset="0"/>
-                <a:ea typeface="Roboto Mono" pitchFamily="49" charset="0"/>
-              </a:rPr>
-              <a:t>('</a:t>
-            </a:r>
-            <a:r>
-              <a:rPr lang="en-US" sz="1400" dirty="0" err="1">
-                <a:solidFill>
-                  <a:schemeClr val="bg1"/>
-                </a:solidFill>
-                <a:latin typeface="Roboto Mono" pitchFamily="49" charset="0"/>
-                <a:ea typeface="Roboto Mono" pitchFamily="49" charset="0"/>
-              </a:rPr>
-              <a:t>pop.csv</a:t>
-            </a:r>
-            <a:r>
-              <a:rPr lang="en-US" sz="1400" dirty="0">
-                <a:solidFill>
-                  <a:schemeClr val="bg1"/>
-                </a:solidFill>
-                <a:latin typeface="Roboto Mono" pitchFamily="49" charset="0"/>
-                <a:ea typeface="Roboto Mono" pitchFamily="49" charset="0"/>
-              </a:rPr>
-              <a:t>')</a:t>
-            </a:r>
-          </a:p>
-          <a:p>
-            <a:endParaRPr lang="en-US" sz="1400" dirty="0">
-              <a:solidFill>
-                <a:schemeClr val="bg1"/>
-              </a:solidFill>
-              <a:latin typeface="Roboto Mono" pitchFamily="49" charset="0"/>
-              <a:ea typeface="Roboto Mono" pitchFamily="49" charset="0"/>
-            </a:endParaRPr>
-          </a:p>
-          <a:p>
-            <a:r>
-              <a:rPr lang="en-US" sz="1400" dirty="0" err="1">
-                <a:solidFill>
-                  <a:srgbClr val="8BC926"/>
-                </a:solidFill>
-                <a:latin typeface="Roboto Mono" pitchFamily="49" charset="0"/>
-                <a:ea typeface="Roboto Mono" pitchFamily="49" charset="0"/>
-              </a:rPr>
-              <a:t>ps.init</a:t>
-            </a:r>
-            <a:r>
-              <a:rPr lang="en-US" sz="1400" dirty="0">
-                <a:solidFill>
-                  <a:schemeClr val="bg1"/>
-                </a:solidFill>
-                <a:latin typeface="Roboto Mono" pitchFamily="49" charset="0"/>
-                <a:ea typeface="Roboto Mono" pitchFamily="49" charset="0"/>
-              </a:rPr>
-              <a:t>(</a:t>
-            </a:r>
-            <a:r>
-              <a:rPr lang="en-US" sz="1400" dirty="0">
-                <a:solidFill>
-                  <a:srgbClr val="FFCA39"/>
-                </a:solidFill>
-                <a:latin typeface="Roboto Mono" pitchFamily="49" charset="0"/>
-                <a:ea typeface="Roboto Mono" pitchFamily="49" charset="0"/>
-              </a:rPr>
-              <a:t>filename</a:t>
-            </a:r>
-            <a:r>
-              <a:rPr lang="en-US" sz="1400" dirty="0">
-                <a:solidFill>
-                  <a:schemeClr val="bg1"/>
-                </a:solidFill>
-                <a:latin typeface="Roboto Mono" pitchFamily="49" charset="0"/>
-                <a:ea typeface="Roboto Mono" pitchFamily="49" charset="0"/>
-              </a:rPr>
-              <a:t> = '</a:t>
-            </a:r>
-            <a:r>
-              <a:rPr lang="en-US" sz="1400" dirty="0" err="1">
-                <a:solidFill>
-                  <a:schemeClr val="bg1"/>
-                </a:solidFill>
-                <a:latin typeface="Roboto Mono" pitchFamily="49" charset="0"/>
-                <a:ea typeface="Roboto Mono" pitchFamily="49" charset="0"/>
-              </a:rPr>
-              <a:t>myChart</a:t>
-            </a:r>
-            <a:r>
-              <a:rPr lang="en-US" sz="1400" dirty="0">
-                <a:solidFill>
-                  <a:schemeClr val="bg1"/>
-                </a:solidFill>
-                <a:latin typeface="Roboto Mono" pitchFamily="49" charset="0"/>
-                <a:ea typeface="Roboto Mono" pitchFamily="49" charset="0"/>
-              </a:rPr>
-              <a:t>',</a:t>
-            </a:r>
-            <a:r>
-              <a:rPr lang="en-US" sz="1400" dirty="0">
-                <a:solidFill>
-                  <a:srgbClr val="FFCA39"/>
-                </a:solidFill>
-                <a:latin typeface="Roboto Mono" pitchFamily="49" charset="0"/>
-                <a:ea typeface="Roboto Mono" pitchFamily="49" charset="0"/>
-              </a:rPr>
-              <a:t>title </a:t>
-            </a:r>
-            <a:r>
-              <a:rPr lang="en-US" sz="1400" dirty="0">
-                <a:solidFill>
-                  <a:schemeClr val="bg1"/>
-                </a:solidFill>
-                <a:latin typeface="Roboto Mono" pitchFamily="49" charset="0"/>
-                <a:ea typeface="Roboto Mono" pitchFamily="49" charset="0"/>
-              </a:rPr>
-              <a:t>= ‘My Chart')</a:t>
-            </a:r>
-          </a:p>
-          <a:p>
-            <a:endParaRPr lang="en-US" sz="1400" dirty="0">
-              <a:solidFill>
-                <a:schemeClr val="bg1"/>
-              </a:solidFill>
-              <a:latin typeface="Roboto Mono" pitchFamily="49" charset="0"/>
-              <a:ea typeface="Roboto Mono" pitchFamily="49" charset="0"/>
-            </a:endParaRPr>
-          </a:p>
-          <a:p>
-            <a:r>
-              <a:rPr lang="en-US" sz="1400" dirty="0" err="1">
-                <a:solidFill>
-                  <a:srgbClr val="8BC926"/>
-                </a:solidFill>
-                <a:latin typeface="Roboto Mono" pitchFamily="49" charset="0"/>
-                <a:ea typeface="Roboto Mono" pitchFamily="49" charset="0"/>
-              </a:rPr>
-              <a:t>ps.row</a:t>
-            </a:r>
-            <a:r>
-              <a:rPr lang="en-US" sz="1400" dirty="0">
-                <a:solidFill>
-                  <a:schemeClr val="bg1"/>
-                </a:solidFill>
-                <a:latin typeface="Roboto Mono" pitchFamily="49" charset="0"/>
-                <a:ea typeface="Roboto Mono" pitchFamily="49" charset="0"/>
-              </a:rPr>
-              <a:t>(</a:t>
-            </a:r>
-          </a:p>
-          <a:p>
-            <a:r>
-              <a:rPr lang="en-US" sz="1400" dirty="0">
-                <a:solidFill>
-                  <a:schemeClr val="bg1"/>
-                </a:solidFill>
-                <a:latin typeface="Roboto Mono" pitchFamily="49" charset="0"/>
-                <a:ea typeface="Roboto Mono" pitchFamily="49" charset="0"/>
-              </a:rPr>
-              <a:t>   </a:t>
-            </a:r>
-            <a:r>
-              <a:rPr lang="en-US" sz="1400" dirty="0">
-                <a:solidFill>
-                  <a:srgbClr val="8BC926"/>
-                </a:solidFill>
-                <a:latin typeface="Roboto Mono" pitchFamily="49" charset="0"/>
-                <a:ea typeface="Roboto Mono" pitchFamily="49" charset="0"/>
-              </a:rPr>
-              <a:t>col1</a:t>
-            </a:r>
-            <a:r>
-              <a:rPr lang="en-US" sz="1400" dirty="0">
-                <a:solidFill>
-                  <a:schemeClr val="bg1"/>
-                </a:solidFill>
-                <a:latin typeface="Roboto Mono" pitchFamily="49" charset="0"/>
-                <a:ea typeface="Roboto Mono" pitchFamily="49" charset="0"/>
-              </a:rPr>
-              <a:t> = </a:t>
-            </a:r>
-            <a:r>
-              <a:rPr lang="en-US" sz="1400" dirty="0" err="1">
-                <a:solidFill>
-                  <a:srgbClr val="8BC926"/>
-                </a:solidFill>
-                <a:latin typeface="Roboto Mono" pitchFamily="49" charset="0"/>
-                <a:ea typeface="Roboto Mono" pitchFamily="49" charset="0"/>
-              </a:rPr>
-              <a:t>ps.bar</a:t>
-            </a:r>
-            <a:r>
-              <a:rPr lang="en-US" sz="1400" dirty="0">
-                <a:solidFill>
-                  <a:schemeClr val="bg1"/>
-                </a:solidFill>
-                <a:latin typeface="Roboto Mono" pitchFamily="49" charset="0"/>
-                <a:ea typeface="Roboto Mono" pitchFamily="49" charset="0"/>
-              </a:rPr>
-              <a:t>(</a:t>
-            </a:r>
-          </a:p>
-          <a:p>
-            <a:r>
-              <a:rPr lang="en-US" sz="1400" dirty="0">
-                <a:solidFill>
-                  <a:schemeClr val="bg1"/>
-                </a:solidFill>
-                <a:latin typeface="Roboto Mono" pitchFamily="49" charset="0"/>
-                <a:ea typeface="Roboto Mono" pitchFamily="49" charset="0"/>
-              </a:rPr>
-              <a:t>        </a:t>
-            </a:r>
-            <a:r>
-              <a:rPr lang="en-US" sz="1400" dirty="0">
-                <a:solidFill>
-                  <a:srgbClr val="FFCA39"/>
-                </a:solidFill>
-                <a:latin typeface="Roboto Mono" pitchFamily="49" charset="0"/>
-                <a:ea typeface="Roboto Mono" pitchFamily="49" charset="0"/>
-              </a:rPr>
-              <a:t>title</a:t>
-            </a:r>
-            <a:r>
-              <a:rPr lang="en-US" sz="1400" dirty="0">
-                <a:solidFill>
-                  <a:schemeClr val="bg1"/>
-                </a:solidFill>
-                <a:latin typeface="Roboto Mono" pitchFamily="49" charset="0"/>
-                <a:ea typeface="Roboto Mono" pitchFamily="49" charset="0"/>
-              </a:rPr>
-              <a:t> = 'Population of Cities',</a:t>
-            </a:r>
-          </a:p>
-          <a:p>
-            <a:r>
-              <a:rPr lang="en-US" sz="1400" dirty="0">
-                <a:solidFill>
-                  <a:schemeClr val="bg1"/>
-                </a:solidFill>
-                <a:latin typeface="Roboto Mono" pitchFamily="49" charset="0"/>
-                <a:ea typeface="Roboto Mono" pitchFamily="49" charset="0"/>
-              </a:rPr>
-              <a:t>        </a:t>
-            </a:r>
-            <a:r>
-              <a:rPr lang="en-US" sz="1400" dirty="0" err="1">
-                <a:solidFill>
-                  <a:srgbClr val="FFCA39"/>
-                </a:solidFill>
-                <a:latin typeface="Roboto Mono" pitchFamily="49" charset="0"/>
-                <a:ea typeface="Roboto Mono" pitchFamily="49" charset="0"/>
-              </a:rPr>
-              <a:t>dataframe</a:t>
-            </a:r>
-            <a:r>
-              <a:rPr lang="en-US" sz="1400" dirty="0">
-                <a:solidFill>
-                  <a:schemeClr val="bg1"/>
-                </a:solidFill>
-                <a:latin typeface="Roboto Mono" pitchFamily="49" charset="0"/>
-                <a:ea typeface="Roboto Mono" pitchFamily="49" charset="0"/>
-              </a:rPr>
-              <a:t> = </a:t>
-            </a:r>
-            <a:r>
-              <a:rPr lang="en-US" sz="1400" dirty="0" err="1">
-                <a:solidFill>
-                  <a:schemeClr val="bg1"/>
-                </a:solidFill>
-                <a:latin typeface="Roboto Mono" pitchFamily="49" charset="0"/>
-                <a:ea typeface="Roboto Mono" pitchFamily="49" charset="0"/>
-              </a:rPr>
-              <a:t>df</a:t>
-            </a:r>
-            <a:r>
-              <a:rPr lang="en-US" sz="1400" dirty="0">
-                <a:solidFill>
-                  <a:schemeClr val="bg1"/>
-                </a:solidFill>
-                <a:latin typeface="Roboto Mono" pitchFamily="49" charset="0"/>
-                <a:ea typeface="Roboto Mono" pitchFamily="49" charset="0"/>
-              </a:rPr>
-              <a:t>,</a:t>
-            </a:r>
-          </a:p>
-          <a:p>
-            <a:r>
-              <a:rPr lang="en-US" sz="1400" dirty="0">
-                <a:solidFill>
-                  <a:schemeClr val="bg1"/>
-                </a:solidFill>
-                <a:latin typeface="Roboto Mono" pitchFamily="49" charset="0"/>
-                <a:ea typeface="Roboto Mono" pitchFamily="49" charset="0"/>
-              </a:rPr>
-              <a:t>        </a:t>
-            </a:r>
-            <a:r>
-              <a:rPr lang="en-US" sz="1400" dirty="0" err="1">
-                <a:solidFill>
-                  <a:srgbClr val="FFCA39"/>
-                </a:solidFill>
-                <a:latin typeface="Roboto Mono" pitchFamily="49" charset="0"/>
-                <a:ea typeface="Roboto Mono" pitchFamily="49" charset="0"/>
-              </a:rPr>
-              <a:t>xlabel</a:t>
-            </a:r>
-            <a:r>
-              <a:rPr lang="en-US" sz="1400" dirty="0">
-                <a:solidFill>
-                  <a:schemeClr val="bg1"/>
-                </a:solidFill>
-                <a:latin typeface="Roboto Mono" pitchFamily="49" charset="0"/>
-                <a:ea typeface="Roboto Mono" pitchFamily="49" charset="0"/>
-              </a:rPr>
-              <a:t> = 'City',</a:t>
-            </a:r>
-          </a:p>
-          <a:p>
-            <a:r>
-              <a:rPr lang="en-US" sz="1400" dirty="0">
-                <a:solidFill>
-                  <a:schemeClr val="bg1"/>
-                </a:solidFill>
-                <a:latin typeface="Roboto Mono" pitchFamily="49" charset="0"/>
-                <a:ea typeface="Roboto Mono" pitchFamily="49" charset="0"/>
-              </a:rPr>
-              <a:t>        </a:t>
-            </a:r>
-            <a:r>
-              <a:rPr lang="en-US" sz="1400" dirty="0" err="1">
-                <a:solidFill>
-                  <a:srgbClr val="FFCA39"/>
-                </a:solidFill>
-                <a:latin typeface="Roboto Mono" pitchFamily="49" charset="0"/>
-                <a:ea typeface="Roboto Mono" pitchFamily="49" charset="0"/>
-              </a:rPr>
-              <a:t>xdata</a:t>
-            </a:r>
-            <a:r>
-              <a:rPr lang="en-US" sz="1400" dirty="0">
-                <a:solidFill>
-                  <a:schemeClr val="bg1"/>
-                </a:solidFill>
-                <a:latin typeface="Roboto Mono" pitchFamily="49" charset="0"/>
-                <a:ea typeface="Roboto Mono" pitchFamily="49" charset="0"/>
-              </a:rPr>
-              <a:t> = 'Population 2020', </a:t>
-            </a:r>
-          </a:p>
-          <a:p>
-            <a:r>
-              <a:rPr lang="en-US" sz="1400" dirty="0">
-                <a:solidFill>
-                  <a:schemeClr val="bg1"/>
-                </a:solidFill>
-                <a:latin typeface="Roboto Mono" pitchFamily="49" charset="0"/>
-                <a:ea typeface="Roboto Mono" pitchFamily="49" charset="0"/>
-              </a:rPr>
-              <a:t>        </a:t>
-            </a:r>
-            <a:r>
-              <a:rPr lang="en-US" sz="1400" dirty="0" err="1">
-                <a:solidFill>
-                  <a:srgbClr val="FFCA39"/>
-                </a:solidFill>
-                <a:latin typeface="Roboto Mono" pitchFamily="49" charset="0"/>
-                <a:ea typeface="Roboto Mono" pitchFamily="49" charset="0"/>
-              </a:rPr>
-              <a:t>ylabel</a:t>
-            </a:r>
-            <a:r>
-              <a:rPr lang="en-US" sz="1400" dirty="0">
-                <a:solidFill>
-                  <a:schemeClr val="bg1"/>
-                </a:solidFill>
-                <a:latin typeface="Roboto Mono" pitchFamily="49" charset="0"/>
-                <a:ea typeface="Roboto Mono" pitchFamily="49" charset="0"/>
-              </a:rPr>
-              <a:t> = ‘2020 Population in Millions'</a:t>
-            </a:r>
-          </a:p>
-          <a:p>
-            <a:r>
-              <a:rPr lang="en-US" sz="1400" dirty="0">
-                <a:solidFill>
-                  <a:schemeClr val="bg1"/>
-                </a:solidFill>
-                <a:latin typeface="Roboto Mono" pitchFamily="49" charset="0"/>
-                <a:ea typeface="Roboto Mono" pitchFamily="49" charset="0"/>
-              </a:rPr>
-              <a:t>   )</a:t>
-            </a:r>
-          </a:p>
-          <a:p>
-            <a:r>
-              <a:rPr lang="en-US" sz="1400" dirty="0">
-                <a:solidFill>
-                  <a:schemeClr val="bg1"/>
-                </a:solidFill>
-                <a:latin typeface="Roboto Mono" pitchFamily="49" charset="0"/>
-                <a:ea typeface="Roboto Mono" pitchFamily="49" charset="0"/>
-              </a:rPr>
-              <a:t>) </a:t>
-            </a:r>
-            <a:endParaRPr lang="en-PK" sz="1400" dirty="0">
-              <a:solidFill>
-                <a:schemeClr val="bg1"/>
-              </a:solidFill>
-              <a:latin typeface="Roboto Mono" pitchFamily="49" charset="0"/>
-              <a:ea typeface="Roboto Mono" pitchFamily="49" charset="0"/>
-            </a:endParaRPr>
-          </a:p>
-        </p:txBody>
-      </p:sp>
-      <p:sp>
-        <p:nvSpPr>
           <p:cNvPr id="9" name="TextBox 8">
             <a:extLst>
               <a:ext uri="{FF2B5EF4-FFF2-40B4-BE49-F238E27FC236}">
@@ -7943,6 +7247,612 @@
           </a:prstGeom>
         </p:spPr>
       </p:pic>
+      <p:sp>
+        <p:nvSpPr>
+          <p:cNvPr id="6" name="TextBox 5">
+            <a:extLst>
+              <a:ext uri="{FF2B5EF4-FFF2-40B4-BE49-F238E27FC236}">
+                <a16:creationId xmlns:a16="http://schemas.microsoft.com/office/drawing/2014/main" id="{39322278-7A0F-021B-BB5C-A2ED9D3FA30B}"/>
+              </a:ext>
+            </a:extLst>
+          </p:cNvPr>
+          <p:cNvSpPr txBox="1"/>
+          <p:nvPr/>
+        </p:nvSpPr>
+        <p:spPr>
+          <a:xfrm>
+            <a:off x="292187" y="1247518"/>
+            <a:ext cx="5339923" cy="3539430"/>
+          </a:xfrm>
+          <a:prstGeom prst="rect">
+            <a:avLst/>
+          </a:prstGeom>
+          <a:noFill/>
+        </p:spPr>
+        <p:txBody>
+          <a:bodyPr wrap="none" rtlCol="0">
+            <a:spAutoFit/>
+          </a:bodyPr>
+          <a:lstStyle/>
+          <a:p>
+            <a:r>
+              <a:rPr lang="en-US" sz="1400" dirty="0">
+                <a:solidFill>
+                  <a:srgbClr val="FF595E"/>
+                </a:solidFill>
+                <a:latin typeface="Roboto Mono" pitchFamily="49" charset="0"/>
+                <a:ea typeface="Roboto Mono" pitchFamily="49" charset="0"/>
+              </a:rPr>
+              <a:t>import</a:t>
+            </a:r>
+            <a:r>
+              <a:rPr lang="en-US" sz="1400" dirty="0">
+                <a:solidFill>
+                  <a:schemeClr val="bg1"/>
+                </a:solidFill>
+                <a:latin typeface="Roboto Mono" pitchFamily="49" charset="0"/>
+                <a:ea typeface="Roboto Mono" pitchFamily="49" charset="0"/>
+              </a:rPr>
+              <a:t> </a:t>
+            </a:r>
+            <a:r>
+              <a:rPr lang="en-US" sz="1400" dirty="0">
+                <a:solidFill>
+                  <a:srgbClr val="8BC926"/>
+                </a:solidFill>
+                <a:latin typeface="Roboto Mono" pitchFamily="49" charset="0"/>
+                <a:ea typeface="Roboto Mono" pitchFamily="49" charset="0"/>
+              </a:rPr>
+              <a:t>pandas</a:t>
+            </a:r>
+            <a:r>
+              <a:rPr lang="en-US" sz="1400" dirty="0">
+                <a:solidFill>
+                  <a:schemeClr val="bg1"/>
+                </a:solidFill>
+                <a:latin typeface="Roboto Mono" pitchFamily="49" charset="0"/>
+                <a:ea typeface="Roboto Mono" pitchFamily="49" charset="0"/>
+              </a:rPr>
+              <a:t> </a:t>
+            </a:r>
+            <a:r>
+              <a:rPr lang="en-US" sz="1400" dirty="0">
+                <a:solidFill>
+                  <a:srgbClr val="FF595E"/>
+                </a:solidFill>
+                <a:latin typeface="Roboto Mono" pitchFamily="49" charset="0"/>
+                <a:ea typeface="Roboto Mono" pitchFamily="49" charset="0"/>
+              </a:rPr>
+              <a:t>as</a:t>
+            </a:r>
+            <a:r>
+              <a:rPr lang="en-US" sz="1400" dirty="0">
+                <a:solidFill>
+                  <a:schemeClr val="bg1"/>
+                </a:solidFill>
+                <a:latin typeface="Roboto Mono" pitchFamily="49" charset="0"/>
+                <a:ea typeface="Roboto Mono" pitchFamily="49" charset="0"/>
+              </a:rPr>
+              <a:t> </a:t>
+            </a:r>
+            <a:r>
+              <a:rPr lang="en-US" sz="1400" dirty="0">
+                <a:solidFill>
+                  <a:srgbClr val="8BC926"/>
+                </a:solidFill>
+                <a:latin typeface="Roboto Mono" pitchFamily="49" charset="0"/>
+                <a:ea typeface="Roboto Mono" pitchFamily="49" charset="0"/>
+              </a:rPr>
+              <a:t>pd</a:t>
+            </a:r>
+          </a:p>
+          <a:p>
+            <a:r>
+              <a:rPr lang="en-US" sz="1400" dirty="0">
+                <a:solidFill>
+                  <a:srgbClr val="FF595E"/>
+                </a:solidFill>
+                <a:latin typeface="Roboto Mono" pitchFamily="49" charset="0"/>
+                <a:ea typeface="Roboto Mono" pitchFamily="49" charset="0"/>
+              </a:rPr>
+              <a:t>import</a:t>
+            </a:r>
+            <a:r>
+              <a:rPr lang="en-US" sz="1400" dirty="0">
+                <a:solidFill>
+                  <a:schemeClr val="bg1"/>
+                </a:solidFill>
+                <a:latin typeface="Roboto Mono" pitchFamily="49" charset="0"/>
+                <a:ea typeface="Roboto Mono" pitchFamily="49" charset="0"/>
+              </a:rPr>
+              <a:t> </a:t>
+            </a:r>
+            <a:r>
+              <a:rPr lang="en-US" sz="1400" dirty="0">
+                <a:solidFill>
+                  <a:srgbClr val="8BC926"/>
+                </a:solidFill>
+                <a:latin typeface="Roboto Mono" pitchFamily="49" charset="0"/>
+                <a:ea typeface="Roboto Mono" pitchFamily="49" charset="0"/>
+              </a:rPr>
+              <a:t>piesparrow</a:t>
+            </a:r>
+            <a:r>
+              <a:rPr lang="en-US" sz="1400" dirty="0">
+                <a:solidFill>
+                  <a:schemeClr val="bg1"/>
+                </a:solidFill>
+                <a:latin typeface="Roboto Mono" pitchFamily="49" charset="0"/>
+                <a:ea typeface="Roboto Mono" pitchFamily="49" charset="0"/>
+              </a:rPr>
+              <a:t> </a:t>
+            </a:r>
+            <a:r>
+              <a:rPr lang="en-US" sz="1400" dirty="0">
+                <a:solidFill>
+                  <a:srgbClr val="FF595E"/>
+                </a:solidFill>
+                <a:latin typeface="Roboto Mono" pitchFamily="49" charset="0"/>
+                <a:ea typeface="Roboto Mono" pitchFamily="49" charset="0"/>
+              </a:rPr>
+              <a:t>as</a:t>
+            </a:r>
+            <a:r>
+              <a:rPr lang="en-US" sz="1400" dirty="0">
+                <a:solidFill>
+                  <a:schemeClr val="bg1"/>
+                </a:solidFill>
+                <a:latin typeface="Roboto Mono" pitchFamily="49" charset="0"/>
+                <a:ea typeface="Roboto Mono" pitchFamily="49" charset="0"/>
+              </a:rPr>
+              <a:t> </a:t>
+            </a:r>
+            <a:r>
+              <a:rPr lang="en-US" sz="1400" dirty="0" err="1">
+                <a:solidFill>
+                  <a:srgbClr val="8BC926"/>
+                </a:solidFill>
+                <a:latin typeface="Roboto Mono" pitchFamily="49" charset="0"/>
+                <a:ea typeface="Roboto Mono" pitchFamily="49" charset="0"/>
+              </a:rPr>
+              <a:t>ps</a:t>
+            </a:r>
+            <a:endParaRPr lang="en-US" sz="1400" dirty="0">
+              <a:solidFill>
+                <a:srgbClr val="8BC926"/>
+              </a:solidFill>
+              <a:latin typeface="Roboto Mono" pitchFamily="49" charset="0"/>
+              <a:ea typeface="Roboto Mono" pitchFamily="49" charset="0"/>
+            </a:endParaRPr>
+          </a:p>
+          <a:p>
+            <a:endParaRPr lang="en-US" sz="1400" dirty="0">
+              <a:solidFill>
+                <a:schemeClr val="bg1"/>
+              </a:solidFill>
+              <a:latin typeface="Roboto Mono" pitchFamily="49" charset="0"/>
+              <a:ea typeface="Roboto Mono" pitchFamily="49" charset="0"/>
+            </a:endParaRPr>
+          </a:p>
+          <a:p>
+            <a:r>
+              <a:rPr lang="en-US" sz="1400" dirty="0">
+                <a:solidFill>
+                  <a:schemeClr val="bg1"/>
+                </a:solidFill>
+                <a:latin typeface="Roboto Mono" pitchFamily="49" charset="0"/>
+                <a:ea typeface="Roboto Mono" pitchFamily="49" charset="0"/>
+              </a:rPr>
+              <a:t>data = </a:t>
+            </a:r>
+            <a:r>
+              <a:rPr lang="en-US" sz="1400" dirty="0" err="1">
+                <a:solidFill>
+                  <a:srgbClr val="8BC926"/>
+                </a:solidFill>
+                <a:latin typeface="Roboto Mono" pitchFamily="49" charset="0"/>
+                <a:ea typeface="Roboto Mono" pitchFamily="49" charset="0"/>
+              </a:rPr>
+              <a:t>pd.read_csv</a:t>
+            </a:r>
+            <a:r>
+              <a:rPr lang="en-US" sz="1400" dirty="0">
+                <a:solidFill>
+                  <a:schemeClr val="bg1"/>
+                </a:solidFill>
+                <a:latin typeface="Roboto Mono" pitchFamily="49" charset="0"/>
+                <a:ea typeface="Roboto Mono" pitchFamily="49" charset="0"/>
+              </a:rPr>
+              <a:t>(‘mock_data.csv')</a:t>
+            </a:r>
+          </a:p>
+          <a:p>
+            <a:endParaRPr lang="en-US" sz="1400" dirty="0">
+              <a:solidFill>
+                <a:schemeClr val="bg1"/>
+              </a:solidFill>
+              <a:latin typeface="Roboto Mono" pitchFamily="49" charset="0"/>
+              <a:ea typeface="Roboto Mono" pitchFamily="49" charset="0"/>
+            </a:endParaRPr>
+          </a:p>
+          <a:p>
+            <a:r>
+              <a:rPr lang="en-US" sz="1400" dirty="0">
+                <a:solidFill>
+                  <a:srgbClr val="8BC926"/>
+                </a:solidFill>
+                <a:latin typeface="Roboto Mono" pitchFamily="49" charset="0"/>
+                <a:ea typeface="Roboto Mono" pitchFamily="49" charset="0"/>
+              </a:rPr>
+              <a:t>ps.init</a:t>
+            </a:r>
+            <a:r>
+              <a:rPr lang="en-US" sz="1400" dirty="0">
+                <a:solidFill>
+                  <a:schemeClr val="bg1"/>
+                </a:solidFill>
+                <a:latin typeface="Roboto Mono" pitchFamily="49" charset="0"/>
+                <a:ea typeface="Roboto Mono" pitchFamily="49" charset="0"/>
+              </a:rPr>
+              <a:t>(</a:t>
+            </a:r>
+            <a:r>
+              <a:rPr lang="en-US" sz="1400" dirty="0">
+                <a:solidFill>
+                  <a:srgbClr val="FFCA39"/>
+                </a:solidFill>
+                <a:latin typeface="Roboto Mono" pitchFamily="49" charset="0"/>
+                <a:ea typeface="Roboto Mono" pitchFamily="49" charset="0"/>
+              </a:rPr>
+              <a:t>filename</a:t>
+            </a:r>
+            <a:r>
+              <a:rPr lang="en-US" sz="1400" dirty="0">
+                <a:solidFill>
+                  <a:schemeClr val="bg1"/>
+                </a:solidFill>
+                <a:latin typeface="Roboto Mono" pitchFamily="49" charset="0"/>
+                <a:ea typeface="Roboto Mono" pitchFamily="49" charset="0"/>
+              </a:rPr>
+              <a:t> = '</a:t>
+            </a:r>
+            <a:r>
+              <a:rPr lang="en-US" sz="1400" dirty="0" err="1">
+                <a:solidFill>
+                  <a:schemeClr val="bg1"/>
+                </a:solidFill>
+                <a:latin typeface="Roboto Mono" pitchFamily="49" charset="0"/>
+                <a:ea typeface="Roboto Mono" pitchFamily="49" charset="0"/>
+              </a:rPr>
+              <a:t>myChart</a:t>
+            </a:r>
+            <a:r>
+              <a:rPr lang="en-US" sz="1400" dirty="0">
+                <a:solidFill>
+                  <a:schemeClr val="bg1"/>
+                </a:solidFill>
+                <a:latin typeface="Roboto Mono" pitchFamily="49" charset="0"/>
+                <a:ea typeface="Roboto Mono" pitchFamily="49" charset="0"/>
+              </a:rPr>
+              <a:t>',</a:t>
+            </a:r>
+            <a:r>
+              <a:rPr lang="en-US" sz="1400" dirty="0">
+                <a:solidFill>
+                  <a:srgbClr val="FFCA39"/>
+                </a:solidFill>
+                <a:latin typeface="Roboto Mono" pitchFamily="49" charset="0"/>
+                <a:ea typeface="Roboto Mono" pitchFamily="49" charset="0"/>
+              </a:rPr>
+              <a:t>title </a:t>
+            </a:r>
+            <a:r>
+              <a:rPr lang="en-US" sz="1400" dirty="0">
+                <a:solidFill>
+                  <a:schemeClr val="bg1"/>
+                </a:solidFill>
+                <a:latin typeface="Roboto Mono" pitchFamily="49" charset="0"/>
+                <a:ea typeface="Roboto Mono" pitchFamily="49" charset="0"/>
+              </a:rPr>
+              <a:t>= ‘My Chart')</a:t>
+            </a:r>
+          </a:p>
+          <a:p>
+            <a:endParaRPr lang="en-US" sz="1400" dirty="0">
+              <a:solidFill>
+                <a:schemeClr val="bg1"/>
+              </a:solidFill>
+              <a:latin typeface="Roboto Mono" pitchFamily="49" charset="0"/>
+              <a:ea typeface="Roboto Mono" pitchFamily="49" charset="0"/>
+            </a:endParaRPr>
+          </a:p>
+          <a:p>
+            <a:r>
+              <a:rPr lang="en-US" sz="1400" dirty="0" err="1">
+                <a:solidFill>
+                  <a:srgbClr val="8BC926"/>
+                </a:solidFill>
+                <a:latin typeface="Roboto Mono" pitchFamily="49" charset="0"/>
+                <a:ea typeface="Roboto Mono" pitchFamily="49" charset="0"/>
+              </a:rPr>
+              <a:t>ps.row</a:t>
+            </a:r>
+            <a:r>
+              <a:rPr lang="en-US" sz="1400" dirty="0">
+                <a:solidFill>
+                  <a:schemeClr val="bg1"/>
+                </a:solidFill>
+                <a:latin typeface="Roboto Mono" pitchFamily="49" charset="0"/>
+                <a:ea typeface="Roboto Mono" pitchFamily="49" charset="0"/>
+              </a:rPr>
+              <a:t>(</a:t>
+            </a:r>
+          </a:p>
+          <a:p>
+            <a:r>
+              <a:rPr lang="en-US" sz="1400" dirty="0">
+                <a:solidFill>
+                  <a:srgbClr val="8BC926"/>
+                </a:solidFill>
+                <a:latin typeface="Roboto Mono" pitchFamily="49" charset="0"/>
+                <a:ea typeface="Roboto Mono" pitchFamily="49" charset="0"/>
+              </a:rPr>
+              <a:t>	</a:t>
+            </a:r>
+            <a:r>
+              <a:rPr lang="en-US" sz="1400" dirty="0" err="1">
+                <a:solidFill>
+                  <a:srgbClr val="8BC926"/>
+                </a:solidFill>
+                <a:latin typeface="Roboto Mono" pitchFamily="49" charset="0"/>
+                <a:ea typeface="Roboto Mono" pitchFamily="49" charset="0"/>
+              </a:rPr>
+              <a:t>ps.chart</a:t>
+            </a:r>
+            <a:r>
+              <a:rPr lang="en-US" sz="1400" dirty="0">
+                <a:solidFill>
+                  <a:schemeClr val="bg1"/>
+                </a:solidFill>
+                <a:latin typeface="Roboto Mono" pitchFamily="49" charset="0"/>
+                <a:ea typeface="Roboto Mono" pitchFamily="49" charset="0"/>
+              </a:rPr>
+              <a:t>(</a:t>
+            </a:r>
+          </a:p>
+          <a:p>
+            <a:r>
+              <a:rPr lang="en-US" sz="1400" dirty="0">
+                <a:solidFill>
+                  <a:schemeClr val="bg1"/>
+                </a:solidFill>
+                <a:latin typeface="Roboto Mono" pitchFamily="49" charset="0"/>
+                <a:ea typeface="Roboto Mono" pitchFamily="49" charset="0"/>
+              </a:rPr>
+              <a:t>		</a:t>
+            </a:r>
+            <a:r>
+              <a:rPr lang="en-US" sz="1400" dirty="0">
+                <a:solidFill>
+                  <a:srgbClr val="FFCA39"/>
+                </a:solidFill>
+                <a:latin typeface="Roboto Mono" pitchFamily="49" charset="0"/>
+                <a:ea typeface="Roboto Mono" pitchFamily="49" charset="0"/>
+              </a:rPr>
+              <a:t>title</a:t>
+            </a:r>
+            <a:r>
+              <a:rPr lang="en-US" sz="1400" dirty="0">
+                <a:solidFill>
+                  <a:schemeClr val="bg1"/>
+                </a:solidFill>
+                <a:latin typeface="Roboto Mono" pitchFamily="49" charset="0"/>
+                <a:ea typeface="Roboto Mono" pitchFamily="49" charset="0"/>
+              </a:rPr>
+              <a:t> = '</a:t>
+            </a:r>
+            <a:r>
+              <a:rPr lang="en-US" sz="1400" dirty="0" err="1">
+                <a:solidFill>
+                  <a:schemeClr val="bg1"/>
+                </a:solidFill>
+                <a:latin typeface="Roboto Mono" pitchFamily="49" charset="0"/>
+                <a:ea typeface="Roboto Mono" pitchFamily="49" charset="0"/>
+              </a:rPr>
+              <a:t>myChart</a:t>
+            </a:r>
+            <a:r>
+              <a:rPr lang="en-US" sz="1400" dirty="0">
+                <a:solidFill>
+                  <a:schemeClr val="bg1"/>
+                </a:solidFill>
+                <a:latin typeface="Roboto Mono" pitchFamily="49" charset="0"/>
+                <a:ea typeface="Roboto Mono" pitchFamily="49" charset="0"/>
+              </a:rPr>
+              <a:t>’,</a:t>
+            </a:r>
+          </a:p>
+          <a:p>
+            <a:r>
+              <a:rPr lang="en-US" sz="1400" dirty="0">
+                <a:solidFill>
+                  <a:schemeClr val="bg1"/>
+                </a:solidFill>
+                <a:latin typeface="Roboto Mono" pitchFamily="49" charset="0"/>
+                <a:ea typeface="Roboto Mono" pitchFamily="49" charset="0"/>
+              </a:rPr>
+              <a:t>		</a:t>
+            </a:r>
+            <a:r>
+              <a:rPr lang="en-US" sz="1400" dirty="0" err="1">
+                <a:solidFill>
+                  <a:srgbClr val="FFCA39"/>
+                </a:solidFill>
+                <a:latin typeface="Roboto Mono" pitchFamily="49" charset="0"/>
+                <a:ea typeface="Roboto Mono" pitchFamily="49" charset="0"/>
+              </a:rPr>
+              <a:t>df</a:t>
+            </a:r>
+            <a:r>
+              <a:rPr lang="en-US" sz="1400" dirty="0">
+                <a:solidFill>
+                  <a:schemeClr val="bg1"/>
+                </a:solidFill>
+                <a:latin typeface="Roboto Mono" pitchFamily="49" charset="0"/>
+                <a:ea typeface="Roboto Mono" pitchFamily="49" charset="0"/>
+              </a:rPr>
+              <a:t> = data,</a:t>
+            </a:r>
+          </a:p>
+          <a:p>
+            <a:r>
+              <a:rPr lang="en-US" sz="1400" dirty="0">
+                <a:solidFill>
+                  <a:schemeClr val="bg1"/>
+                </a:solidFill>
+                <a:latin typeface="Roboto Mono" pitchFamily="49" charset="0"/>
+                <a:ea typeface="Roboto Mono" pitchFamily="49" charset="0"/>
+              </a:rPr>
+              <a:t>		</a:t>
+            </a:r>
+            <a:r>
+              <a:rPr lang="en-US" sz="1400" dirty="0">
+                <a:solidFill>
+                  <a:srgbClr val="FFCA39"/>
+                </a:solidFill>
+                <a:latin typeface="Roboto Mono" pitchFamily="49" charset="0"/>
+                <a:ea typeface="Roboto Mono" pitchFamily="49" charset="0"/>
+              </a:rPr>
+              <a:t>columns</a:t>
+            </a:r>
+            <a:r>
+              <a:rPr lang="en-US" sz="1400" dirty="0">
+                <a:solidFill>
+                  <a:schemeClr val="bg1"/>
+                </a:solidFill>
+                <a:latin typeface="Roboto Mono" pitchFamily="49" charset="0"/>
+                <a:ea typeface="Roboto Mono" pitchFamily="49" charset="0"/>
+              </a:rPr>
+              <a:t> = ['</a:t>
+            </a:r>
+            <a:r>
+              <a:rPr lang="en-US" sz="1400" dirty="0" err="1">
+                <a:solidFill>
+                  <a:schemeClr val="bg1"/>
+                </a:solidFill>
+                <a:latin typeface="Roboto Mono" pitchFamily="49" charset="0"/>
+                <a:ea typeface="Roboto Mono" pitchFamily="49" charset="0"/>
+              </a:rPr>
+              <a:t>Month','Data</a:t>
+            </a:r>
+            <a:r>
+              <a:rPr lang="en-US" sz="1400" dirty="0">
+                <a:solidFill>
+                  <a:schemeClr val="bg1"/>
+                </a:solidFill>
+                <a:latin typeface="Roboto Mono" pitchFamily="49" charset="0"/>
+                <a:ea typeface="Roboto Mono" pitchFamily="49" charset="0"/>
+              </a:rPr>
+              <a:t> 1’],</a:t>
+            </a:r>
+          </a:p>
+          <a:p>
+            <a:r>
+              <a:rPr lang="en-US" sz="1400" dirty="0">
+                <a:solidFill>
+                  <a:schemeClr val="bg1"/>
+                </a:solidFill>
+                <a:latin typeface="Roboto Mono" pitchFamily="49" charset="0"/>
+                <a:ea typeface="Roboto Mono" pitchFamily="49" charset="0"/>
+              </a:rPr>
+              <a:t>		</a:t>
+            </a:r>
+            <a:r>
+              <a:rPr lang="en-US" sz="1400" dirty="0">
+                <a:solidFill>
+                  <a:srgbClr val="FFCA39"/>
+                </a:solidFill>
+                <a:latin typeface="Roboto Mono" pitchFamily="49" charset="0"/>
+                <a:ea typeface="Roboto Mono" pitchFamily="49" charset="0"/>
+              </a:rPr>
+              <a:t>xcolumn</a:t>
+            </a:r>
+            <a:r>
+              <a:rPr lang="en-US" sz="1400" dirty="0">
+                <a:solidFill>
+                  <a:schemeClr val="bg1"/>
+                </a:solidFill>
+                <a:latin typeface="Roboto Mono" pitchFamily="49" charset="0"/>
+                <a:ea typeface="Roboto Mono" pitchFamily="49" charset="0"/>
+              </a:rPr>
+              <a:t> = 'Month’,</a:t>
+            </a:r>
+          </a:p>
+          <a:p>
+            <a:r>
+              <a:rPr lang="en-US" sz="1400" dirty="0">
+                <a:solidFill>
+                  <a:schemeClr val="bg1"/>
+                </a:solidFill>
+                <a:latin typeface="Roboto Mono" pitchFamily="49" charset="0"/>
+                <a:ea typeface="Roboto Mono" pitchFamily="49" charset="0"/>
+              </a:rPr>
+              <a:t>		</a:t>
+            </a:r>
+            <a:r>
+              <a:rPr lang="en-US" sz="1400" dirty="0">
+                <a:solidFill>
+                  <a:srgbClr val="FFCA39"/>
+                </a:solidFill>
+                <a:latin typeface="Roboto Mono" pitchFamily="49" charset="0"/>
+                <a:ea typeface="Roboto Mono" pitchFamily="49" charset="0"/>
+              </a:rPr>
+              <a:t>type</a:t>
+            </a:r>
+            <a:r>
+              <a:rPr lang="en-US" sz="1400" dirty="0">
+                <a:solidFill>
+                  <a:schemeClr val="bg1"/>
+                </a:solidFill>
+                <a:latin typeface="Roboto Mono" pitchFamily="49" charset="0"/>
+                <a:ea typeface="Roboto Mono" pitchFamily="49" charset="0"/>
+              </a:rPr>
+              <a:t> = 'bar'</a:t>
+            </a:r>
+          </a:p>
+          <a:p>
+            <a:r>
+              <a:rPr lang="en-US" sz="1400" dirty="0">
+                <a:solidFill>
+                  <a:schemeClr val="bg1"/>
+                </a:solidFill>
+                <a:latin typeface="Roboto Mono" pitchFamily="49" charset="0"/>
+                <a:ea typeface="Roboto Mono" pitchFamily="49" charset="0"/>
+              </a:rPr>
+              <a:t>   )</a:t>
+            </a:r>
+          </a:p>
+          <a:p>
+            <a:r>
+              <a:rPr lang="en-US" sz="1400" dirty="0">
+                <a:solidFill>
+                  <a:schemeClr val="bg1"/>
+                </a:solidFill>
+                <a:latin typeface="Roboto Mono" pitchFamily="49" charset="0"/>
+                <a:ea typeface="Roboto Mono" pitchFamily="49" charset="0"/>
+              </a:rPr>
+              <a:t>) </a:t>
+            </a:r>
+            <a:endParaRPr lang="en-PK" sz="1400" dirty="0">
+              <a:solidFill>
+                <a:schemeClr val="bg1"/>
+              </a:solidFill>
+              <a:latin typeface="Roboto Mono" pitchFamily="49" charset="0"/>
+              <a:ea typeface="Roboto Mono" pitchFamily="49" charset="0"/>
+            </a:endParaRPr>
+          </a:p>
+        </p:txBody>
+      </p:sp>
     </p:spTree>
     <p:extLst>
       <p:ext uri="{BB962C8B-B14F-4D97-AF65-F5344CB8AC3E}">
@@ -8055,642 +7965,6 @@
       </p:pic>
       <p:sp>
         <p:nvSpPr>
-          <p:cNvPr id="8" name="TextBox 7">
-            <a:extLst>
-              <a:ext uri="{FF2B5EF4-FFF2-40B4-BE49-F238E27FC236}">
-                <a16:creationId xmlns:a16="http://schemas.microsoft.com/office/drawing/2014/main" id="{D9177F28-A0DE-EEB7-084E-387FEDD06A03}"/>
-              </a:ext>
-            </a:extLst>
-          </p:cNvPr>
-          <p:cNvSpPr txBox="1"/>
-          <p:nvPr/>
-        </p:nvSpPr>
-        <p:spPr>
-          <a:xfrm>
-            <a:off x="292187" y="1247518"/>
-            <a:ext cx="5339923" cy="3539430"/>
-          </a:xfrm>
-          <a:prstGeom prst="rect">
-            <a:avLst/>
-          </a:prstGeom>
-          <a:noFill/>
-        </p:spPr>
-        <p:txBody>
-          <a:bodyPr wrap="none" rtlCol="0">
-            <a:spAutoFit/>
-          </a:bodyPr>
-          <a:lstStyle/>
-          <a:p>
-            <a:r>
-              <a:rPr lang="en-US" sz="1400" dirty="0">
-                <a:solidFill>
-                  <a:srgbClr val="FF595E"/>
-                </a:solidFill>
-                <a:latin typeface="Roboto Mono" pitchFamily="49" charset="0"/>
-                <a:ea typeface="Roboto Mono" pitchFamily="49" charset="0"/>
-              </a:rPr>
-              <a:t>import</a:t>
-            </a:r>
-            <a:r>
-              <a:rPr lang="en-US" sz="1400" dirty="0">
-                <a:solidFill>
-                  <a:schemeClr val="bg1"/>
-                </a:solidFill>
-                <a:latin typeface="Roboto Mono" pitchFamily="49" charset="0"/>
-                <a:ea typeface="Roboto Mono" pitchFamily="49" charset="0"/>
-              </a:rPr>
-              <a:t> </a:t>
-            </a:r>
-            <a:r>
-              <a:rPr lang="en-US" sz="1400" dirty="0">
-                <a:solidFill>
-                  <a:srgbClr val="8BC926"/>
-                </a:solidFill>
-                <a:latin typeface="Roboto Mono" pitchFamily="49" charset="0"/>
-                <a:ea typeface="Roboto Mono" pitchFamily="49" charset="0"/>
-              </a:rPr>
-              <a:t>pandas</a:t>
-            </a:r>
-            <a:r>
-              <a:rPr lang="en-US" sz="1400" dirty="0">
-                <a:solidFill>
-                  <a:schemeClr val="bg1"/>
-                </a:solidFill>
-                <a:latin typeface="Roboto Mono" pitchFamily="49" charset="0"/>
-                <a:ea typeface="Roboto Mono" pitchFamily="49" charset="0"/>
-              </a:rPr>
-              <a:t> </a:t>
-            </a:r>
-            <a:r>
-              <a:rPr lang="en-US" sz="1400" dirty="0">
-                <a:solidFill>
-                  <a:srgbClr val="FF595E"/>
-                </a:solidFill>
-                <a:latin typeface="Roboto Mono" pitchFamily="49" charset="0"/>
-                <a:ea typeface="Roboto Mono" pitchFamily="49" charset="0"/>
-              </a:rPr>
-              <a:t>as</a:t>
-            </a:r>
-            <a:r>
-              <a:rPr lang="en-US" sz="1400" dirty="0">
-                <a:solidFill>
-                  <a:schemeClr val="bg1"/>
-                </a:solidFill>
-                <a:latin typeface="Roboto Mono" pitchFamily="49" charset="0"/>
-                <a:ea typeface="Roboto Mono" pitchFamily="49" charset="0"/>
-              </a:rPr>
-              <a:t> </a:t>
-            </a:r>
-            <a:r>
-              <a:rPr lang="en-US" sz="1400" dirty="0">
-                <a:solidFill>
-                  <a:srgbClr val="8BC926"/>
-                </a:solidFill>
-                <a:latin typeface="Roboto Mono" pitchFamily="49" charset="0"/>
-                <a:ea typeface="Roboto Mono" pitchFamily="49" charset="0"/>
-              </a:rPr>
-              <a:t>pd</a:t>
-            </a:r>
-          </a:p>
-          <a:p>
-            <a:r>
-              <a:rPr lang="en-US" sz="1400" dirty="0">
-                <a:solidFill>
-                  <a:srgbClr val="FF595E"/>
-                </a:solidFill>
-                <a:latin typeface="Roboto Mono" pitchFamily="49" charset="0"/>
-                <a:ea typeface="Roboto Mono" pitchFamily="49" charset="0"/>
-              </a:rPr>
-              <a:t>import</a:t>
-            </a:r>
-            <a:r>
-              <a:rPr lang="en-US" sz="1400" dirty="0">
-                <a:solidFill>
-                  <a:schemeClr val="bg1"/>
-                </a:solidFill>
-                <a:latin typeface="Roboto Mono" pitchFamily="49" charset="0"/>
-                <a:ea typeface="Roboto Mono" pitchFamily="49" charset="0"/>
-              </a:rPr>
-              <a:t> </a:t>
-            </a:r>
-            <a:r>
-              <a:rPr lang="en-US" sz="1400" dirty="0">
-                <a:solidFill>
-                  <a:srgbClr val="8BC926"/>
-                </a:solidFill>
-                <a:latin typeface="Roboto Mono" pitchFamily="49" charset="0"/>
-                <a:ea typeface="Roboto Mono" pitchFamily="49" charset="0"/>
-              </a:rPr>
-              <a:t>piesparrow</a:t>
-            </a:r>
-            <a:r>
-              <a:rPr lang="en-US" sz="1400" dirty="0">
-                <a:solidFill>
-                  <a:schemeClr val="bg1"/>
-                </a:solidFill>
-                <a:latin typeface="Roboto Mono" pitchFamily="49" charset="0"/>
-                <a:ea typeface="Roboto Mono" pitchFamily="49" charset="0"/>
-              </a:rPr>
-              <a:t> </a:t>
-            </a:r>
-            <a:r>
-              <a:rPr lang="en-US" sz="1400" dirty="0">
-                <a:solidFill>
-                  <a:srgbClr val="FF595E"/>
-                </a:solidFill>
-                <a:latin typeface="Roboto Mono" pitchFamily="49" charset="0"/>
-                <a:ea typeface="Roboto Mono" pitchFamily="49" charset="0"/>
-              </a:rPr>
-              <a:t>as</a:t>
-            </a:r>
-            <a:r>
-              <a:rPr lang="en-US" sz="1400" dirty="0">
-                <a:solidFill>
-                  <a:schemeClr val="bg1"/>
-                </a:solidFill>
-                <a:latin typeface="Roboto Mono" pitchFamily="49" charset="0"/>
-                <a:ea typeface="Roboto Mono" pitchFamily="49" charset="0"/>
-              </a:rPr>
-              <a:t> </a:t>
-            </a:r>
-            <a:r>
-              <a:rPr lang="en-US" sz="1400" dirty="0" err="1">
-                <a:solidFill>
-                  <a:srgbClr val="8BC926"/>
-                </a:solidFill>
-                <a:latin typeface="Roboto Mono" pitchFamily="49" charset="0"/>
-                <a:ea typeface="Roboto Mono" pitchFamily="49" charset="0"/>
-              </a:rPr>
-              <a:t>ps</a:t>
-            </a:r>
-            <a:endParaRPr lang="en-US" sz="1400" dirty="0">
-              <a:solidFill>
-                <a:srgbClr val="8BC926"/>
-              </a:solidFill>
-              <a:latin typeface="Roboto Mono" pitchFamily="49" charset="0"/>
-              <a:ea typeface="Roboto Mono" pitchFamily="49" charset="0"/>
-            </a:endParaRPr>
-          </a:p>
-          <a:p>
-            <a:endParaRPr lang="en-US" sz="1400" dirty="0">
-              <a:solidFill>
-                <a:schemeClr val="bg1"/>
-              </a:solidFill>
-              <a:latin typeface="Roboto Mono" pitchFamily="49" charset="0"/>
-              <a:ea typeface="Roboto Mono" pitchFamily="49" charset="0"/>
-            </a:endParaRPr>
-          </a:p>
-          <a:p>
-            <a:r>
-              <a:rPr lang="en-US" sz="1400" dirty="0" err="1">
-                <a:solidFill>
-                  <a:schemeClr val="bg1"/>
-                </a:solidFill>
-                <a:latin typeface="Roboto Mono" pitchFamily="49" charset="0"/>
-                <a:ea typeface="Roboto Mono" pitchFamily="49" charset="0"/>
-              </a:rPr>
-              <a:t>df</a:t>
-            </a:r>
-            <a:r>
-              <a:rPr lang="en-US" sz="1400" dirty="0">
-                <a:solidFill>
-                  <a:schemeClr val="bg1"/>
-                </a:solidFill>
-                <a:latin typeface="Roboto Mono" pitchFamily="49" charset="0"/>
-                <a:ea typeface="Roboto Mono" pitchFamily="49" charset="0"/>
-              </a:rPr>
-              <a:t> = </a:t>
-            </a:r>
-            <a:r>
-              <a:rPr lang="en-US" sz="1400" dirty="0" err="1">
-                <a:solidFill>
-                  <a:srgbClr val="8BC926"/>
-                </a:solidFill>
-                <a:latin typeface="Roboto Mono" pitchFamily="49" charset="0"/>
-                <a:ea typeface="Roboto Mono" pitchFamily="49" charset="0"/>
-              </a:rPr>
-              <a:t>pd.read_csv</a:t>
-            </a:r>
-            <a:r>
-              <a:rPr lang="en-US" sz="1400" dirty="0">
-                <a:solidFill>
-                  <a:schemeClr val="bg1"/>
-                </a:solidFill>
-                <a:latin typeface="Roboto Mono" pitchFamily="49" charset="0"/>
-                <a:ea typeface="Roboto Mono" pitchFamily="49" charset="0"/>
-              </a:rPr>
-              <a:t>('</a:t>
-            </a:r>
-            <a:r>
-              <a:rPr lang="en-US" sz="1400" dirty="0" err="1">
-                <a:solidFill>
-                  <a:schemeClr val="bg1"/>
-                </a:solidFill>
-                <a:latin typeface="Roboto Mono" pitchFamily="49" charset="0"/>
-                <a:ea typeface="Roboto Mono" pitchFamily="49" charset="0"/>
-              </a:rPr>
-              <a:t>pop.csv</a:t>
-            </a:r>
-            <a:r>
-              <a:rPr lang="en-US" sz="1400" dirty="0">
-                <a:solidFill>
-                  <a:schemeClr val="bg1"/>
-                </a:solidFill>
-                <a:latin typeface="Roboto Mono" pitchFamily="49" charset="0"/>
-                <a:ea typeface="Roboto Mono" pitchFamily="49" charset="0"/>
-              </a:rPr>
-              <a:t>')</a:t>
-            </a:r>
-          </a:p>
-          <a:p>
-            <a:endParaRPr lang="en-US" sz="1400" dirty="0">
-              <a:solidFill>
-                <a:schemeClr val="bg1"/>
-              </a:solidFill>
-              <a:latin typeface="Roboto Mono" pitchFamily="49" charset="0"/>
-              <a:ea typeface="Roboto Mono" pitchFamily="49" charset="0"/>
-            </a:endParaRPr>
-          </a:p>
-          <a:p>
-            <a:r>
-              <a:rPr lang="en-US" sz="1400" dirty="0" err="1">
-                <a:solidFill>
-                  <a:srgbClr val="8BC926"/>
-                </a:solidFill>
-                <a:latin typeface="Roboto Mono" pitchFamily="49" charset="0"/>
-                <a:ea typeface="Roboto Mono" pitchFamily="49" charset="0"/>
-              </a:rPr>
-              <a:t>ps.init</a:t>
-            </a:r>
-            <a:r>
-              <a:rPr lang="en-US" sz="1400" dirty="0">
-                <a:solidFill>
-                  <a:schemeClr val="bg1"/>
-                </a:solidFill>
-                <a:latin typeface="Roboto Mono" pitchFamily="49" charset="0"/>
-                <a:ea typeface="Roboto Mono" pitchFamily="49" charset="0"/>
-              </a:rPr>
-              <a:t>(</a:t>
-            </a:r>
-            <a:r>
-              <a:rPr lang="en-US" sz="1400" dirty="0">
-                <a:solidFill>
-                  <a:srgbClr val="FFCA39"/>
-                </a:solidFill>
-                <a:latin typeface="Roboto Mono" pitchFamily="49" charset="0"/>
-                <a:ea typeface="Roboto Mono" pitchFamily="49" charset="0"/>
-              </a:rPr>
-              <a:t>filename</a:t>
-            </a:r>
-            <a:r>
-              <a:rPr lang="en-US" sz="1400" dirty="0">
-                <a:solidFill>
-                  <a:schemeClr val="bg1"/>
-                </a:solidFill>
-                <a:latin typeface="Roboto Mono" pitchFamily="49" charset="0"/>
-                <a:ea typeface="Roboto Mono" pitchFamily="49" charset="0"/>
-              </a:rPr>
-              <a:t> = '</a:t>
-            </a:r>
-            <a:r>
-              <a:rPr lang="en-US" sz="1400" dirty="0" err="1">
-                <a:solidFill>
-                  <a:schemeClr val="bg1"/>
-                </a:solidFill>
-                <a:latin typeface="Roboto Mono" pitchFamily="49" charset="0"/>
-                <a:ea typeface="Roboto Mono" pitchFamily="49" charset="0"/>
-              </a:rPr>
-              <a:t>myChart</a:t>
-            </a:r>
-            <a:r>
-              <a:rPr lang="en-US" sz="1400" dirty="0">
-                <a:solidFill>
-                  <a:schemeClr val="bg1"/>
-                </a:solidFill>
-                <a:latin typeface="Roboto Mono" pitchFamily="49" charset="0"/>
-                <a:ea typeface="Roboto Mono" pitchFamily="49" charset="0"/>
-              </a:rPr>
-              <a:t>',</a:t>
-            </a:r>
-            <a:r>
-              <a:rPr lang="en-US" sz="1400" dirty="0">
-                <a:solidFill>
-                  <a:srgbClr val="FFCA39"/>
-                </a:solidFill>
-                <a:latin typeface="Roboto Mono" pitchFamily="49" charset="0"/>
-                <a:ea typeface="Roboto Mono" pitchFamily="49" charset="0"/>
-              </a:rPr>
-              <a:t>title </a:t>
-            </a:r>
-            <a:r>
-              <a:rPr lang="en-US" sz="1400" dirty="0">
-                <a:solidFill>
-                  <a:schemeClr val="bg1"/>
-                </a:solidFill>
-                <a:latin typeface="Roboto Mono" pitchFamily="49" charset="0"/>
-                <a:ea typeface="Roboto Mono" pitchFamily="49" charset="0"/>
-              </a:rPr>
-              <a:t>= ‘My Chart')</a:t>
-            </a:r>
-          </a:p>
-          <a:p>
-            <a:endParaRPr lang="en-US" sz="1400" dirty="0">
-              <a:solidFill>
-                <a:schemeClr val="bg1"/>
-              </a:solidFill>
-              <a:latin typeface="Roboto Mono" pitchFamily="49" charset="0"/>
-              <a:ea typeface="Roboto Mono" pitchFamily="49" charset="0"/>
-            </a:endParaRPr>
-          </a:p>
-          <a:p>
-            <a:r>
-              <a:rPr lang="en-US" sz="1400" dirty="0" err="1">
-                <a:solidFill>
-                  <a:srgbClr val="8BC926"/>
-                </a:solidFill>
-                <a:latin typeface="Roboto Mono" pitchFamily="49" charset="0"/>
-                <a:ea typeface="Roboto Mono" pitchFamily="49" charset="0"/>
-              </a:rPr>
-              <a:t>ps.row</a:t>
-            </a:r>
-            <a:r>
-              <a:rPr lang="en-US" sz="1400" dirty="0">
-                <a:solidFill>
-                  <a:schemeClr val="bg1"/>
-                </a:solidFill>
-                <a:latin typeface="Roboto Mono" pitchFamily="49" charset="0"/>
-                <a:ea typeface="Roboto Mono" pitchFamily="49" charset="0"/>
-              </a:rPr>
-              <a:t>(</a:t>
-            </a:r>
-          </a:p>
-          <a:p>
-            <a:r>
-              <a:rPr lang="en-US" sz="1400" dirty="0">
-                <a:solidFill>
-                  <a:schemeClr val="bg1"/>
-                </a:solidFill>
-                <a:latin typeface="Roboto Mono" pitchFamily="49" charset="0"/>
-                <a:ea typeface="Roboto Mono" pitchFamily="49" charset="0"/>
-              </a:rPr>
-              <a:t>   </a:t>
-            </a:r>
-            <a:r>
-              <a:rPr lang="en-US" sz="1400" dirty="0">
-                <a:solidFill>
-                  <a:srgbClr val="8BC926"/>
-                </a:solidFill>
-                <a:latin typeface="Roboto Mono" pitchFamily="49" charset="0"/>
-                <a:ea typeface="Roboto Mono" pitchFamily="49" charset="0"/>
-              </a:rPr>
-              <a:t>col1</a:t>
-            </a:r>
-            <a:r>
-              <a:rPr lang="en-US" sz="1400" dirty="0">
-                <a:solidFill>
-                  <a:schemeClr val="bg1"/>
-                </a:solidFill>
-                <a:latin typeface="Roboto Mono" pitchFamily="49" charset="0"/>
-                <a:ea typeface="Roboto Mono" pitchFamily="49" charset="0"/>
-              </a:rPr>
-              <a:t> = </a:t>
-            </a:r>
-            <a:r>
-              <a:rPr lang="en-US" sz="1400" dirty="0" err="1">
-                <a:solidFill>
-                  <a:srgbClr val="8BC926"/>
-                </a:solidFill>
-                <a:latin typeface="Roboto Mono" pitchFamily="49" charset="0"/>
-                <a:ea typeface="Roboto Mono" pitchFamily="49" charset="0"/>
-              </a:rPr>
-              <a:t>ps.bar</a:t>
-            </a:r>
-            <a:r>
-              <a:rPr lang="en-US" sz="1400" dirty="0">
-                <a:solidFill>
-                  <a:schemeClr val="bg1"/>
-                </a:solidFill>
-                <a:latin typeface="Roboto Mono" pitchFamily="49" charset="0"/>
-                <a:ea typeface="Roboto Mono" pitchFamily="49" charset="0"/>
-              </a:rPr>
-              <a:t>(</a:t>
-            </a:r>
-          </a:p>
-          <a:p>
-            <a:r>
-              <a:rPr lang="en-US" sz="1400" dirty="0">
-                <a:solidFill>
-                  <a:schemeClr val="bg1"/>
-                </a:solidFill>
-                <a:latin typeface="Roboto Mono" pitchFamily="49" charset="0"/>
-                <a:ea typeface="Roboto Mono" pitchFamily="49" charset="0"/>
-              </a:rPr>
-              <a:t>        </a:t>
-            </a:r>
-            <a:r>
-              <a:rPr lang="en-US" sz="1400" dirty="0">
-                <a:solidFill>
-                  <a:srgbClr val="FFCA39"/>
-                </a:solidFill>
-                <a:latin typeface="Roboto Mono" pitchFamily="49" charset="0"/>
-                <a:ea typeface="Roboto Mono" pitchFamily="49" charset="0"/>
-              </a:rPr>
-              <a:t>title</a:t>
-            </a:r>
-            <a:r>
-              <a:rPr lang="en-US" sz="1400" dirty="0">
-                <a:solidFill>
-                  <a:schemeClr val="bg1"/>
-                </a:solidFill>
-                <a:latin typeface="Roboto Mono" pitchFamily="49" charset="0"/>
-                <a:ea typeface="Roboto Mono" pitchFamily="49" charset="0"/>
-              </a:rPr>
-              <a:t> = 'Population of Cities',</a:t>
-            </a:r>
-          </a:p>
-          <a:p>
-            <a:r>
-              <a:rPr lang="en-US" sz="1400" dirty="0">
-                <a:solidFill>
-                  <a:schemeClr val="bg1"/>
-                </a:solidFill>
-                <a:latin typeface="Roboto Mono" pitchFamily="49" charset="0"/>
-                <a:ea typeface="Roboto Mono" pitchFamily="49" charset="0"/>
-              </a:rPr>
-              <a:t>        </a:t>
-            </a:r>
-            <a:r>
-              <a:rPr lang="en-US" sz="1400" dirty="0" err="1">
-                <a:solidFill>
-                  <a:srgbClr val="FFCA39"/>
-                </a:solidFill>
-                <a:latin typeface="Roboto Mono" pitchFamily="49" charset="0"/>
-                <a:ea typeface="Roboto Mono" pitchFamily="49" charset="0"/>
-              </a:rPr>
-              <a:t>dataframe</a:t>
-            </a:r>
-            <a:r>
-              <a:rPr lang="en-US" sz="1400" dirty="0">
-                <a:solidFill>
-                  <a:schemeClr val="bg1"/>
-                </a:solidFill>
-                <a:latin typeface="Roboto Mono" pitchFamily="49" charset="0"/>
-                <a:ea typeface="Roboto Mono" pitchFamily="49" charset="0"/>
-              </a:rPr>
-              <a:t> = </a:t>
-            </a:r>
-            <a:r>
-              <a:rPr lang="en-US" sz="1400" dirty="0" err="1">
-                <a:solidFill>
-                  <a:schemeClr val="bg1"/>
-                </a:solidFill>
-                <a:latin typeface="Roboto Mono" pitchFamily="49" charset="0"/>
-                <a:ea typeface="Roboto Mono" pitchFamily="49" charset="0"/>
-              </a:rPr>
-              <a:t>df</a:t>
-            </a:r>
-            <a:r>
-              <a:rPr lang="en-US" sz="1400" dirty="0">
-                <a:solidFill>
-                  <a:schemeClr val="bg1"/>
-                </a:solidFill>
-                <a:latin typeface="Roboto Mono" pitchFamily="49" charset="0"/>
-                <a:ea typeface="Roboto Mono" pitchFamily="49" charset="0"/>
-              </a:rPr>
-              <a:t>,</a:t>
-            </a:r>
-          </a:p>
-          <a:p>
-            <a:r>
-              <a:rPr lang="en-US" sz="1400" dirty="0">
-                <a:solidFill>
-                  <a:schemeClr val="bg1"/>
-                </a:solidFill>
-                <a:latin typeface="Roboto Mono" pitchFamily="49" charset="0"/>
-                <a:ea typeface="Roboto Mono" pitchFamily="49" charset="0"/>
-              </a:rPr>
-              <a:t>        </a:t>
-            </a:r>
-            <a:r>
-              <a:rPr lang="en-US" sz="1400" dirty="0" err="1">
-                <a:solidFill>
-                  <a:srgbClr val="FFCA39"/>
-                </a:solidFill>
-                <a:latin typeface="Roboto Mono" pitchFamily="49" charset="0"/>
-                <a:ea typeface="Roboto Mono" pitchFamily="49" charset="0"/>
-              </a:rPr>
-              <a:t>xlabel</a:t>
-            </a:r>
-            <a:r>
-              <a:rPr lang="en-US" sz="1400" dirty="0">
-                <a:solidFill>
-                  <a:schemeClr val="bg1"/>
-                </a:solidFill>
-                <a:latin typeface="Roboto Mono" pitchFamily="49" charset="0"/>
-                <a:ea typeface="Roboto Mono" pitchFamily="49" charset="0"/>
-              </a:rPr>
-              <a:t> = 'City',</a:t>
-            </a:r>
-          </a:p>
-          <a:p>
-            <a:r>
-              <a:rPr lang="en-US" sz="1400" dirty="0">
-                <a:solidFill>
-                  <a:schemeClr val="bg1"/>
-                </a:solidFill>
-                <a:latin typeface="Roboto Mono" pitchFamily="49" charset="0"/>
-                <a:ea typeface="Roboto Mono" pitchFamily="49" charset="0"/>
-              </a:rPr>
-              <a:t>        </a:t>
-            </a:r>
-            <a:r>
-              <a:rPr lang="en-US" sz="1400" dirty="0" err="1">
-                <a:solidFill>
-                  <a:srgbClr val="FFCA39"/>
-                </a:solidFill>
-                <a:latin typeface="Roboto Mono" pitchFamily="49" charset="0"/>
-                <a:ea typeface="Roboto Mono" pitchFamily="49" charset="0"/>
-              </a:rPr>
-              <a:t>xdata</a:t>
-            </a:r>
-            <a:r>
-              <a:rPr lang="en-US" sz="1400" dirty="0">
-                <a:solidFill>
-                  <a:schemeClr val="bg1"/>
-                </a:solidFill>
-                <a:latin typeface="Roboto Mono" pitchFamily="49" charset="0"/>
-                <a:ea typeface="Roboto Mono" pitchFamily="49" charset="0"/>
-              </a:rPr>
-              <a:t> = 'Population 2020', </a:t>
-            </a:r>
-          </a:p>
-          <a:p>
-            <a:r>
-              <a:rPr lang="en-US" sz="1400" dirty="0">
-                <a:solidFill>
-                  <a:schemeClr val="bg1"/>
-                </a:solidFill>
-                <a:latin typeface="Roboto Mono" pitchFamily="49" charset="0"/>
-                <a:ea typeface="Roboto Mono" pitchFamily="49" charset="0"/>
-              </a:rPr>
-              <a:t>        </a:t>
-            </a:r>
-            <a:r>
-              <a:rPr lang="en-US" sz="1400" dirty="0" err="1">
-                <a:solidFill>
-                  <a:srgbClr val="FFCA39"/>
-                </a:solidFill>
-                <a:latin typeface="Roboto Mono" pitchFamily="49" charset="0"/>
-                <a:ea typeface="Roboto Mono" pitchFamily="49" charset="0"/>
-              </a:rPr>
-              <a:t>ylabel</a:t>
-            </a:r>
-            <a:r>
-              <a:rPr lang="en-US" sz="1400" dirty="0">
-                <a:solidFill>
-                  <a:schemeClr val="bg1"/>
-                </a:solidFill>
-                <a:latin typeface="Roboto Mono" pitchFamily="49" charset="0"/>
-                <a:ea typeface="Roboto Mono" pitchFamily="49" charset="0"/>
-              </a:rPr>
-              <a:t> = ‘2020 Population in Millions'</a:t>
-            </a:r>
-          </a:p>
-          <a:p>
-            <a:r>
-              <a:rPr lang="en-US" sz="1400" dirty="0">
-                <a:solidFill>
-                  <a:schemeClr val="bg1"/>
-                </a:solidFill>
-                <a:latin typeface="Roboto Mono" pitchFamily="49" charset="0"/>
-                <a:ea typeface="Roboto Mono" pitchFamily="49" charset="0"/>
-              </a:rPr>
-              <a:t>   )</a:t>
-            </a:r>
-          </a:p>
-          <a:p>
-            <a:r>
-              <a:rPr lang="en-US" sz="1400" dirty="0">
-                <a:solidFill>
-                  <a:schemeClr val="bg1"/>
-                </a:solidFill>
-                <a:latin typeface="Roboto Mono" pitchFamily="49" charset="0"/>
-                <a:ea typeface="Roboto Mono" pitchFamily="49" charset="0"/>
-              </a:rPr>
-              <a:t>) </a:t>
-            </a:r>
-            <a:endParaRPr lang="en-PK" sz="1400" dirty="0">
-              <a:solidFill>
-                <a:schemeClr val="bg1"/>
-              </a:solidFill>
-              <a:latin typeface="Roboto Mono" pitchFamily="49" charset="0"/>
-              <a:ea typeface="Roboto Mono" pitchFamily="49" charset="0"/>
-            </a:endParaRPr>
-          </a:p>
-        </p:txBody>
-      </p:sp>
-      <p:sp>
-        <p:nvSpPr>
           <p:cNvPr id="9" name="TextBox 8">
             <a:extLst>
               <a:ext uri="{FF2B5EF4-FFF2-40B4-BE49-F238E27FC236}">
@@ -9159,6 +8433,612 @@
           </a:prstGeom>
         </p:spPr>
       </p:pic>
+      <p:sp>
+        <p:nvSpPr>
+          <p:cNvPr id="6" name="TextBox 5">
+            <a:extLst>
+              <a:ext uri="{FF2B5EF4-FFF2-40B4-BE49-F238E27FC236}">
+                <a16:creationId xmlns:a16="http://schemas.microsoft.com/office/drawing/2014/main" id="{7E479398-D279-21F1-1F48-52E9E99D44AA}"/>
+              </a:ext>
+            </a:extLst>
+          </p:cNvPr>
+          <p:cNvSpPr txBox="1"/>
+          <p:nvPr/>
+        </p:nvSpPr>
+        <p:spPr>
+          <a:xfrm>
+            <a:off x="292187" y="1247518"/>
+            <a:ext cx="5339923" cy="3539430"/>
+          </a:xfrm>
+          <a:prstGeom prst="rect">
+            <a:avLst/>
+          </a:prstGeom>
+          <a:noFill/>
+        </p:spPr>
+        <p:txBody>
+          <a:bodyPr wrap="none" rtlCol="0">
+            <a:spAutoFit/>
+          </a:bodyPr>
+          <a:lstStyle/>
+          <a:p>
+            <a:r>
+              <a:rPr lang="en-US" sz="1400" dirty="0">
+                <a:solidFill>
+                  <a:srgbClr val="FF595E"/>
+                </a:solidFill>
+                <a:latin typeface="Roboto Mono" pitchFamily="49" charset="0"/>
+                <a:ea typeface="Roboto Mono" pitchFamily="49" charset="0"/>
+              </a:rPr>
+              <a:t>import</a:t>
+            </a:r>
+            <a:r>
+              <a:rPr lang="en-US" sz="1400" dirty="0">
+                <a:solidFill>
+                  <a:schemeClr val="bg1"/>
+                </a:solidFill>
+                <a:latin typeface="Roboto Mono" pitchFamily="49" charset="0"/>
+                <a:ea typeface="Roboto Mono" pitchFamily="49" charset="0"/>
+              </a:rPr>
+              <a:t> </a:t>
+            </a:r>
+            <a:r>
+              <a:rPr lang="en-US" sz="1400" dirty="0">
+                <a:solidFill>
+                  <a:srgbClr val="8BC926"/>
+                </a:solidFill>
+                <a:latin typeface="Roboto Mono" pitchFamily="49" charset="0"/>
+                <a:ea typeface="Roboto Mono" pitchFamily="49" charset="0"/>
+              </a:rPr>
+              <a:t>pandas</a:t>
+            </a:r>
+            <a:r>
+              <a:rPr lang="en-US" sz="1400" dirty="0">
+                <a:solidFill>
+                  <a:schemeClr val="bg1"/>
+                </a:solidFill>
+                <a:latin typeface="Roboto Mono" pitchFamily="49" charset="0"/>
+                <a:ea typeface="Roboto Mono" pitchFamily="49" charset="0"/>
+              </a:rPr>
+              <a:t> </a:t>
+            </a:r>
+            <a:r>
+              <a:rPr lang="en-US" sz="1400" dirty="0">
+                <a:solidFill>
+                  <a:srgbClr val="FF595E"/>
+                </a:solidFill>
+                <a:latin typeface="Roboto Mono" pitchFamily="49" charset="0"/>
+                <a:ea typeface="Roboto Mono" pitchFamily="49" charset="0"/>
+              </a:rPr>
+              <a:t>as</a:t>
+            </a:r>
+            <a:r>
+              <a:rPr lang="en-US" sz="1400" dirty="0">
+                <a:solidFill>
+                  <a:schemeClr val="bg1"/>
+                </a:solidFill>
+                <a:latin typeface="Roboto Mono" pitchFamily="49" charset="0"/>
+                <a:ea typeface="Roboto Mono" pitchFamily="49" charset="0"/>
+              </a:rPr>
+              <a:t> </a:t>
+            </a:r>
+            <a:r>
+              <a:rPr lang="en-US" sz="1400" dirty="0">
+                <a:solidFill>
+                  <a:srgbClr val="8BC926"/>
+                </a:solidFill>
+                <a:latin typeface="Roboto Mono" pitchFamily="49" charset="0"/>
+                <a:ea typeface="Roboto Mono" pitchFamily="49" charset="0"/>
+              </a:rPr>
+              <a:t>pd</a:t>
+            </a:r>
+          </a:p>
+          <a:p>
+            <a:r>
+              <a:rPr lang="en-US" sz="1400" dirty="0">
+                <a:solidFill>
+                  <a:srgbClr val="FF595E"/>
+                </a:solidFill>
+                <a:latin typeface="Roboto Mono" pitchFamily="49" charset="0"/>
+                <a:ea typeface="Roboto Mono" pitchFamily="49" charset="0"/>
+              </a:rPr>
+              <a:t>import</a:t>
+            </a:r>
+            <a:r>
+              <a:rPr lang="en-US" sz="1400" dirty="0">
+                <a:solidFill>
+                  <a:schemeClr val="bg1"/>
+                </a:solidFill>
+                <a:latin typeface="Roboto Mono" pitchFamily="49" charset="0"/>
+                <a:ea typeface="Roboto Mono" pitchFamily="49" charset="0"/>
+              </a:rPr>
+              <a:t> </a:t>
+            </a:r>
+            <a:r>
+              <a:rPr lang="en-US" sz="1400" dirty="0">
+                <a:solidFill>
+                  <a:srgbClr val="8BC926"/>
+                </a:solidFill>
+                <a:latin typeface="Roboto Mono" pitchFamily="49" charset="0"/>
+                <a:ea typeface="Roboto Mono" pitchFamily="49" charset="0"/>
+              </a:rPr>
+              <a:t>piesparrow</a:t>
+            </a:r>
+            <a:r>
+              <a:rPr lang="en-US" sz="1400" dirty="0">
+                <a:solidFill>
+                  <a:schemeClr val="bg1"/>
+                </a:solidFill>
+                <a:latin typeface="Roboto Mono" pitchFamily="49" charset="0"/>
+                <a:ea typeface="Roboto Mono" pitchFamily="49" charset="0"/>
+              </a:rPr>
+              <a:t> </a:t>
+            </a:r>
+            <a:r>
+              <a:rPr lang="en-US" sz="1400" dirty="0">
+                <a:solidFill>
+                  <a:srgbClr val="FF595E"/>
+                </a:solidFill>
+                <a:latin typeface="Roboto Mono" pitchFamily="49" charset="0"/>
+                <a:ea typeface="Roboto Mono" pitchFamily="49" charset="0"/>
+              </a:rPr>
+              <a:t>as</a:t>
+            </a:r>
+            <a:r>
+              <a:rPr lang="en-US" sz="1400" dirty="0">
+                <a:solidFill>
+                  <a:schemeClr val="bg1"/>
+                </a:solidFill>
+                <a:latin typeface="Roboto Mono" pitchFamily="49" charset="0"/>
+                <a:ea typeface="Roboto Mono" pitchFamily="49" charset="0"/>
+              </a:rPr>
+              <a:t> </a:t>
+            </a:r>
+            <a:r>
+              <a:rPr lang="en-US" sz="1400" dirty="0" err="1">
+                <a:solidFill>
+                  <a:srgbClr val="8BC926"/>
+                </a:solidFill>
+                <a:latin typeface="Roboto Mono" pitchFamily="49" charset="0"/>
+                <a:ea typeface="Roboto Mono" pitchFamily="49" charset="0"/>
+              </a:rPr>
+              <a:t>ps</a:t>
+            </a:r>
+            <a:endParaRPr lang="en-US" sz="1400" dirty="0">
+              <a:solidFill>
+                <a:srgbClr val="8BC926"/>
+              </a:solidFill>
+              <a:latin typeface="Roboto Mono" pitchFamily="49" charset="0"/>
+              <a:ea typeface="Roboto Mono" pitchFamily="49" charset="0"/>
+            </a:endParaRPr>
+          </a:p>
+          <a:p>
+            <a:endParaRPr lang="en-US" sz="1400" dirty="0">
+              <a:solidFill>
+                <a:schemeClr val="bg1"/>
+              </a:solidFill>
+              <a:latin typeface="Roboto Mono" pitchFamily="49" charset="0"/>
+              <a:ea typeface="Roboto Mono" pitchFamily="49" charset="0"/>
+            </a:endParaRPr>
+          </a:p>
+          <a:p>
+            <a:r>
+              <a:rPr lang="en-US" sz="1400" dirty="0">
+                <a:solidFill>
+                  <a:schemeClr val="bg1"/>
+                </a:solidFill>
+                <a:latin typeface="Roboto Mono" pitchFamily="49" charset="0"/>
+                <a:ea typeface="Roboto Mono" pitchFamily="49" charset="0"/>
+              </a:rPr>
+              <a:t>data = </a:t>
+            </a:r>
+            <a:r>
+              <a:rPr lang="en-US" sz="1400" dirty="0" err="1">
+                <a:solidFill>
+                  <a:srgbClr val="8BC926"/>
+                </a:solidFill>
+                <a:latin typeface="Roboto Mono" pitchFamily="49" charset="0"/>
+                <a:ea typeface="Roboto Mono" pitchFamily="49" charset="0"/>
+              </a:rPr>
+              <a:t>pd.read_csv</a:t>
+            </a:r>
+            <a:r>
+              <a:rPr lang="en-US" sz="1400" dirty="0">
+                <a:solidFill>
+                  <a:schemeClr val="bg1"/>
+                </a:solidFill>
+                <a:latin typeface="Roboto Mono" pitchFamily="49" charset="0"/>
+                <a:ea typeface="Roboto Mono" pitchFamily="49" charset="0"/>
+              </a:rPr>
+              <a:t>(‘mock_data.csv')</a:t>
+            </a:r>
+          </a:p>
+          <a:p>
+            <a:endParaRPr lang="en-US" sz="1400" dirty="0">
+              <a:solidFill>
+                <a:schemeClr val="bg1"/>
+              </a:solidFill>
+              <a:latin typeface="Roboto Mono" pitchFamily="49" charset="0"/>
+              <a:ea typeface="Roboto Mono" pitchFamily="49" charset="0"/>
+            </a:endParaRPr>
+          </a:p>
+          <a:p>
+            <a:r>
+              <a:rPr lang="en-US" sz="1400" dirty="0">
+                <a:solidFill>
+                  <a:srgbClr val="8BC926"/>
+                </a:solidFill>
+                <a:latin typeface="Roboto Mono" pitchFamily="49" charset="0"/>
+                <a:ea typeface="Roboto Mono" pitchFamily="49" charset="0"/>
+              </a:rPr>
+              <a:t>ps.init</a:t>
+            </a:r>
+            <a:r>
+              <a:rPr lang="en-US" sz="1400" dirty="0">
+                <a:solidFill>
+                  <a:schemeClr val="bg1"/>
+                </a:solidFill>
+                <a:latin typeface="Roboto Mono" pitchFamily="49" charset="0"/>
+                <a:ea typeface="Roboto Mono" pitchFamily="49" charset="0"/>
+              </a:rPr>
+              <a:t>(</a:t>
+            </a:r>
+            <a:r>
+              <a:rPr lang="en-US" sz="1400" dirty="0">
+                <a:solidFill>
+                  <a:srgbClr val="FFCA39"/>
+                </a:solidFill>
+                <a:latin typeface="Roboto Mono" pitchFamily="49" charset="0"/>
+                <a:ea typeface="Roboto Mono" pitchFamily="49" charset="0"/>
+              </a:rPr>
+              <a:t>filename</a:t>
+            </a:r>
+            <a:r>
+              <a:rPr lang="en-US" sz="1400" dirty="0">
+                <a:solidFill>
+                  <a:schemeClr val="bg1"/>
+                </a:solidFill>
+                <a:latin typeface="Roboto Mono" pitchFamily="49" charset="0"/>
+                <a:ea typeface="Roboto Mono" pitchFamily="49" charset="0"/>
+              </a:rPr>
+              <a:t> = '</a:t>
+            </a:r>
+            <a:r>
+              <a:rPr lang="en-US" sz="1400" dirty="0" err="1">
+                <a:solidFill>
+                  <a:schemeClr val="bg1"/>
+                </a:solidFill>
+                <a:latin typeface="Roboto Mono" pitchFamily="49" charset="0"/>
+                <a:ea typeface="Roboto Mono" pitchFamily="49" charset="0"/>
+              </a:rPr>
+              <a:t>myChart</a:t>
+            </a:r>
+            <a:r>
+              <a:rPr lang="en-US" sz="1400" dirty="0">
+                <a:solidFill>
+                  <a:schemeClr val="bg1"/>
+                </a:solidFill>
+                <a:latin typeface="Roboto Mono" pitchFamily="49" charset="0"/>
+                <a:ea typeface="Roboto Mono" pitchFamily="49" charset="0"/>
+              </a:rPr>
+              <a:t>',</a:t>
+            </a:r>
+            <a:r>
+              <a:rPr lang="en-US" sz="1400" dirty="0">
+                <a:solidFill>
+                  <a:srgbClr val="FFCA39"/>
+                </a:solidFill>
+                <a:latin typeface="Roboto Mono" pitchFamily="49" charset="0"/>
+                <a:ea typeface="Roboto Mono" pitchFamily="49" charset="0"/>
+              </a:rPr>
+              <a:t>title </a:t>
+            </a:r>
+            <a:r>
+              <a:rPr lang="en-US" sz="1400" dirty="0">
+                <a:solidFill>
+                  <a:schemeClr val="bg1"/>
+                </a:solidFill>
+                <a:latin typeface="Roboto Mono" pitchFamily="49" charset="0"/>
+                <a:ea typeface="Roboto Mono" pitchFamily="49" charset="0"/>
+              </a:rPr>
+              <a:t>= ‘My Chart')</a:t>
+            </a:r>
+          </a:p>
+          <a:p>
+            <a:endParaRPr lang="en-US" sz="1400" dirty="0">
+              <a:solidFill>
+                <a:schemeClr val="bg1"/>
+              </a:solidFill>
+              <a:latin typeface="Roboto Mono" pitchFamily="49" charset="0"/>
+              <a:ea typeface="Roboto Mono" pitchFamily="49" charset="0"/>
+            </a:endParaRPr>
+          </a:p>
+          <a:p>
+            <a:r>
+              <a:rPr lang="en-US" sz="1400" dirty="0" err="1">
+                <a:solidFill>
+                  <a:srgbClr val="8BC926"/>
+                </a:solidFill>
+                <a:latin typeface="Roboto Mono" pitchFamily="49" charset="0"/>
+                <a:ea typeface="Roboto Mono" pitchFamily="49" charset="0"/>
+              </a:rPr>
+              <a:t>ps.row</a:t>
+            </a:r>
+            <a:r>
+              <a:rPr lang="en-US" sz="1400" dirty="0">
+                <a:solidFill>
+                  <a:schemeClr val="bg1"/>
+                </a:solidFill>
+                <a:latin typeface="Roboto Mono" pitchFamily="49" charset="0"/>
+                <a:ea typeface="Roboto Mono" pitchFamily="49" charset="0"/>
+              </a:rPr>
+              <a:t>(</a:t>
+            </a:r>
+          </a:p>
+          <a:p>
+            <a:r>
+              <a:rPr lang="en-US" sz="1400" dirty="0">
+                <a:solidFill>
+                  <a:srgbClr val="8BC926"/>
+                </a:solidFill>
+                <a:latin typeface="Roboto Mono" pitchFamily="49" charset="0"/>
+                <a:ea typeface="Roboto Mono" pitchFamily="49" charset="0"/>
+              </a:rPr>
+              <a:t>	</a:t>
+            </a:r>
+            <a:r>
+              <a:rPr lang="en-US" sz="1400" dirty="0" err="1">
+                <a:solidFill>
+                  <a:srgbClr val="8BC926"/>
+                </a:solidFill>
+                <a:latin typeface="Roboto Mono" pitchFamily="49" charset="0"/>
+                <a:ea typeface="Roboto Mono" pitchFamily="49" charset="0"/>
+              </a:rPr>
+              <a:t>ps.chart</a:t>
+            </a:r>
+            <a:r>
+              <a:rPr lang="en-US" sz="1400" dirty="0">
+                <a:solidFill>
+                  <a:schemeClr val="bg1"/>
+                </a:solidFill>
+                <a:latin typeface="Roboto Mono" pitchFamily="49" charset="0"/>
+                <a:ea typeface="Roboto Mono" pitchFamily="49" charset="0"/>
+              </a:rPr>
+              <a:t>(</a:t>
+            </a:r>
+          </a:p>
+          <a:p>
+            <a:r>
+              <a:rPr lang="en-US" sz="1400" dirty="0">
+                <a:solidFill>
+                  <a:schemeClr val="bg1"/>
+                </a:solidFill>
+                <a:latin typeface="Roboto Mono" pitchFamily="49" charset="0"/>
+                <a:ea typeface="Roboto Mono" pitchFamily="49" charset="0"/>
+              </a:rPr>
+              <a:t>		</a:t>
+            </a:r>
+            <a:r>
+              <a:rPr lang="en-US" sz="1400" dirty="0">
+                <a:solidFill>
+                  <a:srgbClr val="FFCA39"/>
+                </a:solidFill>
+                <a:latin typeface="Roboto Mono" pitchFamily="49" charset="0"/>
+                <a:ea typeface="Roboto Mono" pitchFamily="49" charset="0"/>
+              </a:rPr>
+              <a:t>title</a:t>
+            </a:r>
+            <a:r>
+              <a:rPr lang="en-US" sz="1400" dirty="0">
+                <a:solidFill>
+                  <a:schemeClr val="bg1"/>
+                </a:solidFill>
+                <a:latin typeface="Roboto Mono" pitchFamily="49" charset="0"/>
+                <a:ea typeface="Roboto Mono" pitchFamily="49" charset="0"/>
+              </a:rPr>
+              <a:t> = '</a:t>
+            </a:r>
+            <a:r>
+              <a:rPr lang="en-US" sz="1400" dirty="0" err="1">
+                <a:solidFill>
+                  <a:schemeClr val="bg1"/>
+                </a:solidFill>
+                <a:latin typeface="Roboto Mono" pitchFamily="49" charset="0"/>
+                <a:ea typeface="Roboto Mono" pitchFamily="49" charset="0"/>
+              </a:rPr>
+              <a:t>myChart</a:t>
+            </a:r>
+            <a:r>
+              <a:rPr lang="en-US" sz="1400" dirty="0">
+                <a:solidFill>
+                  <a:schemeClr val="bg1"/>
+                </a:solidFill>
+                <a:latin typeface="Roboto Mono" pitchFamily="49" charset="0"/>
+                <a:ea typeface="Roboto Mono" pitchFamily="49" charset="0"/>
+              </a:rPr>
+              <a:t>’,</a:t>
+            </a:r>
+          </a:p>
+          <a:p>
+            <a:r>
+              <a:rPr lang="en-US" sz="1400" dirty="0">
+                <a:solidFill>
+                  <a:schemeClr val="bg1"/>
+                </a:solidFill>
+                <a:latin typeface="Roboto Mono" pitchFamily="49" charset="0"/>
+                <a:ea typeface="Roboto Mono" pitchFamily="49" charset="0"/>
+              </a:rPr>
+              <a:t>		</a:t>
+            </a:r>
+            <a:r>
+              <a:rPr lang="en-US" sz="1400" dirty="0" err="1">
+                <a:solidFill>
+                  <a:srgbClr val="FFCA39"/>
+                </a:solidFill>
+                <a:latin typeface="Roboto Mono" pitchFamily="49" charset="0"/>
+                <a:ea typeface="Roboto Mono" pitchFamily="49" charset="0"/>
+              </a:rPr>
+              <a:t>df</a:t>
+            </a:r>
+            <a:r>
+              <a:rPr lang="en-US" sz="1400" dirty="0">
+                <a:solidFill>
+                  <a:schemeClr val="bg1"/>
+                </a:solidFill>
+                <a:latin typeface="Roboto Mono" pitchFamily="49" charset="0"/>
+                <a:ea typeface="Roboto Mono" pitchFamily="49" charset="0"/>
+              </a:rPr>
+              <a:t> = data,</a:t>
+            </a:r>
+          </a:p>
+          <a:p>
+            <a:r>
+              <a:rPr lang="en-US" sz="1400" dirty="0">
+                <a:solidFill>
+                  <a:schemeClr val="bg1"/>
+                </a:solidFill>
+                <a:latin typeface="Roboto Mono" pitchFamily="49" charset="0"/>
+                <a:ea typeface="Roboto Mono" pitchFamily="49" charset="0"/>
+              </a:rPr>
+              <a:t>		</a:t>
+            </a:r>
+            <a:r>
+              <a:rPr lang="en-US" sz="1400" dirty="0">
+                <a:solidFill>
+                  <a:srgbClr val="FFCA39"/>
+                </a:solidFill>
+                <a:latin typeface="Roboto Mono" pitchFamily="49" charset="0"/>
+                <a:ea typeface="Roboto Mono" pitchFamily="49" charset="0"/>
+              </a:rPr>
+              <a:t>columns</a:t>
+            </a:r>
+            <a:r>
+              <a:rPr lang="en-US" sz="1400" dirty="0">
+                <a:solidFill>
+                  <a:schemeClr val="bg1"/>
+                </a:solidFill>
+                <a:latin typeface="Roboto Mono" pitchFamily="49" charset="0"/>
+                <a:ea typeface="Roboto Mono" pitchFamily="49" charset="0"/>
+              </a:rPr>
+              <a:t> = ['</a:t>
+            </a:r>
+            <a:r>
+              <a:rPr lang="en-US" sz="1400" dirty="0" err="1">
+                <a:solidFill>
+                  <a:schemeClr val="bg1"/>
+                </a:solidFill>
+                <a:latin typeface="Roboto Mono" pitchFamily="49" charset="0"/>
+                <a:ea typeface="Roboto Mono" pitchFamily="49" charset="0"/>
+              </a:rPr>
+              <a:t>Month','Data</a:t>
+            </a:r>
+            <a:r>
+              <a:rPr lang="en-US" sz="1400" dirty="0">
+                <a:solidFill>
+                  <a:schemeClr val="bg1"/>
+                </a:solidFill>
+                <a:latin typeface="Roboto Mono" pitchFamily="49" charset="0"/>
+                <a:ea typeface="Roboto Mono" pitchFamily="49" charset="0"/>
+              </a:rPr>
+              <a:t> 1’],</a:t>
+            </a:r>
+          </a:p>
+          <a:p>
+            <a:r>
+              <a:rPr lang="en-US" sz="1400" dirty="0">
+                <a:solidFill>
+                  <a:schemeClr val="bg1"/>
+                </a:solidFill>
+                <a:latin typeface="Roboto Mono" pitchFamily="49" charset="0"/>
+                <a:ea typeface="Roboto Mono" pitchFamily="49" charset="0"/>
+              </a:rPr>
+              <a:t>		</a:t>
+            </a:r>
+            <a:r>
+              <a:rPr lang="en-US" sz="1400" dirty="0">
+                <a:solidFill>
+                  <a:srgbClr val="FFCA39"/>
+                </a:solidFill>
+                <a:latin typeface="Roboto Mono" pitchFamily="49" charset="0"/>
+                <a:ea typeface="Roboto Mono" pitchFamily="49" charset="0"/>
+              </a:rPr>
+              <a:t>xcolumn</a:t>
+            </a:r>
+            <a:r>
+              <a:rPr lang="en-US" sz="1400" dirty="0">
+                <a:solidFill>
+                  <a:schemeClr val="bg1"/>
+                </a:solidFill>
+                <a:latin typeface="Roboto Mono" pitchFamily="49" charset="0"/>
+                <a:ea typeface="Roboto Mono" pitchFamily="49" charset="0"/>
+              </a:rPr>
+              <a:t> = 'Month’,</a:t>
+            </a:r>
+          </a:p>
+          <a:p>
+            <a:r>
+              <a:rPr lang="en-US" sz="1400" dirty="0">
+                <a:solidFill>
+                  <a:schemeClr val="bg1"/>
+                </a:solidFill>
+                <a:latin typeface="Roboto Mono" pitchFamily="49" charset="0"/>
+                <a:ea typeface="Roboto Mono" pitchFamily="49" charset="0"/>
+              </a:rPr>
+              <a:t>		</a:t>
+            </a:r>
+            <a:r>
+              <a:rPr lang="en-US" sz="1400" dirty="0">
+                <a:solidFill>
+                  <a:srgbClr val="FFCA39"/>
+                </a:solidFill>
+                <a:latin typeface="Roboto Mono" pitchFamily="49" charset="0"/>
+                <a:ea typeface="Roboto Mono" pitchFamily="49" charset="0"/>
+              </a:rPr>
+              <a:t>type</a:t>
+            </a:r>
+            <a:r>
+              <a:rPr lang="en-US" sz="1400" dirty="0">
+                <a:solidFill>
+                  <a:schemeClr val="bg1"/>
+                </a:solidFill>
+                <a:latin typeface="Roboto Mono" pitchFamily="49" charset="0"/>
+                <a:ea typeface="Roboto Mono" pitchFamily="49" charset="0"/>
+              </a:rPr>
+              <a:t> = 'bar'</a:t>
+            </a:r>
+          </a:p>
+          <a:p>
+            <a:r>
+              <a:rPr lang="en-US" sz="1400" dirty="0">
+                <a:solidFill>
+                  <a:schemeClr val="bg1"/>
+                </a:solidFill>
+                <a:latin typeface="Roboto Mono" pitchFamily="49" charset="0"/>
+                <a:ea typeface="Roboto Mono" pitchFamily="49" charset="0"/>
+              </a:rPr>
+              <a:t>   )</a:t>
+            </a:r>
+          </a:p>
+          <a:p>
+            <a:r>
+              <a:rPr lang="en-US" sz="1400" dirty="0">
+                <a:solidFill>
+                  <a:schemeClr val="bg1"/>
+                </a:solidFill>
+                <a:latin typeface="Roboto Mono" pitchFamily="49" charset="0"/>
+                <a:ea typeface="Roboto Mono" pitchFamily="49" charset="0"/>
+              </a:rPr>
+              <a:t>) </a:t>
+            </a:r>
+            <a:endParaRPr lang="en-PK" sz="1400" dirty="0">
+              <a:solidFill>
+                <a:schemeClr val="bg1"/>
+              </a:solidFill>
+              <a:latin typeface="Roboto Mono" pitchFamily="49" charset="0"/>
+              <a:ea typeface="Roboto Mono" pitchFamily="49" charset="0"/>
+            </a:endParaRPr>
+          </a:p>
+        </p:txBody>
+      </p:sp>
     </p:spTree>
     <p:extLst>
       <p:ext uri="{BB962C8B-B14F-4D97-AF65-F5344CB8AC3E}">
@@ -9332,642 +9212,6 @@
       </p:pic>
       <p:sp>
         <p:nvSpPr>
-          <p:cNvPr id="8" name="TextBox 7">
-            <a:extLst>
-              <a:ext uri="{FF2B5EF4-FFF2-40B4-BE49-F238E27FC236}">
-                <a16:creationId xmlns:a16="http://schemas.microsoft.com/office/drawing/2014/main" id="{D9177F28-A0DE-EEB7-084E-387FEDD06A03}"/>
-              </a:ext>
-            </a:extLst>
-          </p:cNvPr>
-          <p:cNvSpPr txBox="1"/>
-          <p:nvPr/>
-        </p:nvSpPr>
-        <p:spPr>
-          <a:xfrm>
-            <a:off x="292187" y="1247518"/>
-            <a:ext cx="5339923" cy="3539430"/>
-          </a:xfrm>
-          <a:prstGeom prst="rect">
-            <a:avLst/>
-          </a:prstGeom>
-          <a:noFill/>
-        </p:spPr>
-        <p:txBody>
-          <a:bodyPr wrap="none" rtlCol="0">
-            <a:spAutoFit/>
-          </a:bodyPr>
-          <a:lstStyle/>
-          <a:p>
-            <a:r>
-              <a:rPr lang="en-US" sz="1400" dirty="0">
-                <a:solidFill>
-                  <a:srgbClr val="FF595E"/>
-                </a:solidFill>
-                <a:latin typeface="Roboto Mono" pitchFamily="49" charset="0"/>
-                <a:ea typeface="Roboto Mono" pitchFamily="49" charset="0"/>
-              </a:rPr>
-              <a:t>import</a:t>
-            </a:r>
-            <a:r>
-              <a:rPr lang="en-US" sz="1400" dirty="0">
-                <a:solidFill>
-                  <a:schemeClr val="bg1"/>
-                </a:solidFill>
-                <a:latin typeface="Roboto Mono" pitchFamily="49" charset="0"/>
-                <a:ea typeface="Roboto Mono" pitchFamily="49" charset="0"/>
-              </a:rPr>
-              <a:t> </a:t>
-            </a:r>
-            <a:r>
-              <a:rPr lang="en-US" sz="1400" dirty="0">
-                <a:solidFill>
-                  <a:srgbClr val="8BC926"/>
-                </a:solidFill>
-                <a:latin typeface="Roboto Mono" pitchFamily="49" charset="0"/>
-                <a:ea typeface="Roboto Mono" pitchFamily="49" charset="0"/>
-              </a:rPr>
-              <a:t>pandas</a:t>
-            </a:r>
-            <a:r>
-              <a:rPr lang="en-US" sz="1400" dirty="0">
-                <a:solidFill>
-                  <a:schemeClr val="bg1"/>
-                </a:solidFill>
-                <a:latin typeface="Roboto Mono" pitchFamily="49" charset="0"/>
-                <a:ea typeface="Roboto Mono" pitchFamily="49" charset="0"/>
-              </a:rPr>
-              <a:t> </a:t>
-            </a:r>
-            <a:r>
-              <a:rPr lang="en-US" sz="1400" dirty="0">
-                <a:solidFill>
-                  <a:srgbClr val="FF595E"/>
-                </a:solidFill>
-                <a:latin typeface="Roboto Mono" pitchFamily="49" charset="0"/>
-                <a:ea typeface="Roboto Mono" pitchFamily="49" charset="0"/>
-              </a:rPr>
-              <a:t>as</a:t>
-            </a:r>
-            <a:r>
-              <a:rPr lang="en-US" sz="1400" dirty="0">
-                <a:solidFill>
-                  <a:schemeClr val="bg1"/>
-                </a:solidFill>
-                <a:latin typeface="Roboto Mono" pitchFamily="49" charset="0"/>
-                <a:ea typeface="Roboto Mono" pitchFamily="49" charset="0"/>
-              </a:rPr>
-              <a:t> </a:t>
-            </a:r>
-            <a:r>
-              <a:rPr lang="en-US" sz="1400" dirty="0">
-                <a:solidFill>
-                  <a:srgbClr val="8BC926"/>
-                </a:solidFill>
-                <a:latin typeface="Roboto Mono" pitchFamily="49" charset="0"/>
-                <a:ea typeface="Roboto Mono" pitchFamily="49" charset="0"/>
-              </a:rPr>
-              <a:t>pd</a:t>
-            </a:r>
-          </a:p>
-          <a:p>
-            <a:r>
-              <a:rPr lang="en-US" sz="1400" dirty="0">
-                <a:solidFill>
-                  <a:srgbClr val="FF595E"/>
-                </a:solidFill>
-                <a:latin typeface="Roboto Mono" pitchFamily="49" charset="0"/>
-                <a:ea typeface="Roboto Mono" pitchFamily="49" charset="0"/>
-              </a:rPr>
-              <a:t>import</a:t>
-            </a:r>
-            <a:r>
-              <a:rPr lang="en-US" sz="1400" dirty="0">
-                <a:solidFill>
-                  <a:schemeClr val="bg1"/>
-                </a:solidFill>
-                <a:latin typeface="Roboto Mono" pitchFamily="49" charset="0"/>
-                <a:ea typeface="Roboto Mono" pitchFamily="49" charset="0"/>
-              </a:rPr>
-              <a:t> </a:t>
-            </a:r>
-            <a:r>
-              <a:rPr lang="en-US" sz="1400" dirty="0">
-                <a:solidFill>
-                  <a:srgbClr val="8BC926"/>
-                </a:solidFill>
-                <a:latin typeface="Roboto Mono" pitchFamily="49" charset="0"/>
-                <a:ea typeface="Roboto Mono" pitchFamily="49" charset="0"/>
-              </a:rPr>
-              <a:t>piesparrow</a:t>
-            </a:r>
-            <a:r>
-              <a:rPr lang="en-US" sz="1400" dirty="0">
-                <a:solidFill>
-                  <a:schemeClr val="bg1"/>
-                </a:solidFill>
-                <a:latin typeface="Roboto Mono" pitchFamily="49" charset="0"/>
-                <a:ea typeface="Roboto Mono" pitchFamily="49" charset="0"/>
-              </a:rPr>
-              <a:t> </a:t>
-            </a:r>
-            <a:r>
-              <a:rPr lang="en-US" sz="1400" dirty="0">
-                <a:solidFill>
-                  <a:srgbClr val="FF595E"/>
-                </a:solidFill>
-                <a:latin typeface="Roboto Mono" pitchFamily="49" charset="0"/>
-                <a:ea typeface="Roboto Mono" pitchFamily="49" charset="0"/>
-              </a:rPr>
-              <a:t>as</a:t>
-            </a:r>
-            <a:r>
-              <a:rPr lang="en-US" sz="1400" dirty="0">
-                <a:solidFill>
-                  <a:schemeClr val="bg1"/>
-                </a:solidFill>
-                <a:latin typeface="Roboto Mono" pitchFamily="49" charset="0"/>
-                <a:ea typeface="Roboto Mono" pitchFamily="49" charset="0"/>
-              </a:rPr>
-              <a:t> </a:t>
-            </a:r>
-            <a:r>
-              <a:rPr lang="en-US" sz="1400" dirty="0" err="1">
-                <a:solidFill>
-                  <a:srgbClr val="8BC926"/>
-                </a:solidFill>
-                <a:latin typeface="Roboto Mono" pitchFamily="49" charset="0"/>
-                <a:ea typeface="Roboto Mono" pitchFamily="49" charset="0"/>
-              </a:rPr>
-              <a:t>ps</a:t>
-            </a:r>
-            <a:endParaRPr lang="en-US" sz="1400" dirty="0">
-              <a:solidFill>
-                <a:srgbClr val="8BC926"/>
-              </a:solidFill>
-              <a:latin typeface="Roboto Mono" pitchFamily="49" charset="0"/>
-              <a:ea typeface="Roboto Mono" pitchFamily="49" charset="0"/>
-            </a:endParaRPr>
-          </a:p>
-          <a:p>
-            <a:endParaRPr lang="en-US" sz="1400" dirty="0">
-              <a:solidFill>
-                <a:schemeClr val="bg1"/>
-              </a:solidFill>
-              <a:latin typeface="Roboto Mono" pitchFamily="49" charset="0"/>
-              <a:ea typeface="Roboto Mono" pitchFamily="49" charset="0"/>
-            </a:endParaRPr>
-          </a:p>
-          <a:p>
-            <a:r>
-              <a:rPr lang="en-US" sz="1400" dirty="0" err="1">
-                <a:solidFill>
-                  <a:schemeClr val="bg1"/>
-                </a:solidFill>
-                <a:latin typeface="Roboto Mono" pitchFamily="49" charset="0"/>
-                <a:ea typeface="Roboto Mono" pitchFamily="49" charset="0"/>
-              </a:rPr>
-              <a:t>df</a:t>
-            </a:r>
-            <a:r>
-              <a:rPr lang="en-US" sz="1400" dirty="0">
-                <a:solidFill>
-                  <a:schemeClr val="bg1"/>
-                </a:solidFill>
-                <a:latin typeface="Roboto Mono" pitchFamily="49" charset="0"/>
-                <a:ea typeface="Roboto Mono" pitchFamily="49" charset="0"/>
-              </a:rPr>
-              <a:t> = </a:t>
-            </a:r>
-            <a:r>
-              <a:rPr lang="en-US" sz="1400" dirty="0" err="1">
-                <a:solidFill>
-                  <a:srgbClr val="8BC926"/>
-                </a:solidFill>
-                <a:latin typeface="Roboto Mono" pitchFamily="49" charset="0"/>
-                <a:ea typeface="Roboto Mono" pitchFamily="49" charset="0"/>
-              </a:rPr>
-              <a:t>pd.read_csv</a:t>
-            </a:r>
-            <a:r>
-              <a:rPr lang="en-US" sz="1400" dirty="0">
-                <a:solidFill>
-                  <a:schemeClr val="bg1"/>
-                </a:solidFill>
-                <a:latin typeface="Roboto Mono" pitchFamily="49" charset="0"/>
-                <a:ea typeface="Roboto Mono" pitchFamily="49" charset="0"/>
-              </a:rPr>
-              <a:t>('</a:t>
-            </a:r>
-            <a:r>
-              <a:rPr lang="en-US" sz="1400" dirty="0" err="1">
-                <a:solidFill>
-                  <a:schemeClr val="bg1"/>
-                </a:solidFill>
-                <a:latin typeface="Roboto Mono" pitchFamily="49" charset="0"/>
-                <a:ea typeface="Roboto Mono" pitchFamily="49" charset="0"/>
-              </a:rPr>
-              <a:t>pop.csv</a:t>
-            </a:r>
-            <a:r>
-              <a:rPr lang="en-US" sz="1400" dirty="0">
-                <a:solidFill>
-                  <a:schemeClr val="bg1"/>
-                </a:solidFill>
-                <a:latin typeface="Roboto Mono" pitchFamily="49" charset="0"/>
-                <a:ea typeface="Roboto Mono" pitchFamily="49" charset="0"/>
-              </a:rPr>
-              <a:t>')</a:t>
-            </a:r>
-          </a:p>
-          <a:p>
-            <a:endParaRPr lang="en-US" sz="1400" dirty="0">
-              <a:solidFill>
-                <a:schemeClr val="bg1"/>
-              </a:solidFill>
-              <a:latin typeface="Roboto Mono" pitchFamily="49" charset="0"/>
-              <a:ea typeface="Roboto Mono" pitchFamily="49" charset="0"/>
-            </a:endParaRPr>
-          </a:p>
-          <a:p>
-            <a:r>
-              <a:rPr lang="en-US" sz="1400" dirty="0" err="1">
-                <a:solidFill>
-                  <a:srgbClr val="8BC926"/>
-                </a:solidFill>
-                <a:latin typeface="Roboto Mono" pitchFamily="49" charset="0"/>
-                <a:ea typeface="Roboto Mono" pitchFamily="49" charset="0"/>
-              </a:rPr>
-              <a:t>ps.init</a:t>
-            </a:r>
-            <a:r>
-              <a:rPr lang="en-US" sz="1400" dirty="0">
-                <a:solidFill>
-                  <a:schemeClr val="bg1"/>
-                </a:solidFill>
-                <a:latin typeface="Roboto Mono" pitchFamily="49" charset="0"/>
-                <a:ea typeface="Roboto Mono" pitchFamily="49" charset="0"/>
-              </a:rPr>
-              <a:t>(</a:t>
-            </a:r>
-            <a:r>
-              <a:rPr lang="en-US" sz="1400" dirty="0">
-                <a:solidFill>
-                  <a:srgbClr val="FFCA39"/>
-                </a:solidFill>
-                <a:latin typeface="Roboto Mono" pitchFamily="49" charset="0"/>
-                <a:ea typeface="Roboto Mono" pitchFamily="49" charset="0"/>
-              </a:rPr>
-              <a:t>filename</a:t>
-            </a:r>
-            <a:r>
-              <a:rPr lang="en-US" sz="1400" dirty="0">
-                <a:solidFill>
-                  <a:schemeClr val="bg1"/>
-                </a:solidFill>
-                <a:latin typeface="Roboto Mono" pitchFamily="49" charset="0"/>
-                <a:ea typeface="Roboto Mono" pitchFamily="49" charset="0"/>
-              </a:rPr>
-              <a:t> = '</a:t>
-            </a:r>
-            <a:r>
-              <a:rPr lang="en-US" sz="1400" dirty="0" err="1">
-                <a:solidFill>
-                  <a:schemeClr val="bg1"/>
-                </a:solidFill>
-                <a:latin typeface="Roboto Mono" pitchFamily="49" charset="0"/>
-                <a:ea typeface="Roboto Mono" pitchFamily="49" charset="0"/>
-              </a:rPr>
-              <a:t>myChart</a:t>
-            </a:r>
-            <a:r>
-              <a:rPr lang="en-US" sz="1400" dirty="0">
-                <a:solidFill>
-                  <a:schemeClr val="bg1"/>
-                </a:solidFill>
-                <a:latin typeface="Roboto Mono" pitchFamily="49" charset="0"/>
-                <a:ea typeface="Roboto Mono" pitchFamily="49" charset="0"/>
-              </a:rPr>
-              <a:t>',</a:t>
-            </a:r>
-            <a:r>
-              <a:rPr lang="en-US" sz="1400" dirty="0">
-                <a:solidFill>
-                  <a:srgbClr val="FFCA39"/>
-                </a:solidFill>
-                <a:latin typeface="Roboto Mono" pitchFamily="49" charset="0"/>
-                <a:ea typeface="Roboto Mono" pitchFamily="49" charset="0"/>
-              </a:rPr>
-              <a:t>title </a:t>
-            </a:r>
-            <a:r>
-              <a:rPr lang="en-US" sz="1400" dirty="0">
-                <a:solidFill>
-                  <a:schemeClr val="bg1"/>
-                </a:solidFill>
-                <a:latin typeface="Roboto Mono" pitchFamily="49" charset="0"/>
-                <a:ea typeface="Roboto Mono" pitchFamily="49" charset="0"/>
-              </a:rPr>
-              <a:t>= ‘My Chart')</a:t>
-            </a:r>
-          </a:p>
-          <a:p>
-            <a:endParaRPr lang="en-US" sz="1400" dirty="0">
-              <a:solidFill>
-                <a:schemeClr val="bg1"/>
-              </a:solidFill>
-              <a:latin typeface="Roboto Mono" pitchFamily="49" charset="0"/>
-              <a:ea typeface="Roboto Mono" pitchFamily="49" charset="0"/>
-            </a:endParaRPr>
-          </a:p>
-          <a:p>
-            <a:r>
-              <a:rPr lang="en-US" sz="1400" dirty="0" err="1">
-                <a:solidFill>
-                  <a:srgbClr val="8BC926"/>
-                </a:solidFill>
-                <a:latin typeface="Roboto Mono" pitchFamily="49" charset="0"/>
-                <a:ea typeface="Roboto Mono" pitchFamily="49" charset="0"/>
-              </a:rPr>
-              <a:t>ps.row</a:t>
-            </a:r>
-            <a:r>
-              <a:rPr lang="en-US" sz="1400" dirty="0">
-                <a:solidFill>
-                  <a:schemeClr val="bg1"/>
-                </a:solidFill>
-                <a:latin typeface="Roboto Mono" pitchFamily="49" charset="0"/>
-                <a:ea typeface="Roboto Mono" pitchFamily="49" charset="0"/>
-              </a:rPr>
-              <a:t>(</a:t>
-            </a:r>
-          </a:p>
-          <a:p>
-            <a:r>
-              <a:rPr lang="en-US" sz="1400" dirty="0">
-                <a:solidFill>
-                  <a:schemeClr val="bg1"/>
-                </a:solidFill>
-                <a:latin typeface="Roboto Mono" pitchFamily="49" charset="0"/>
-                <a:ea typeface="Roboto Mono" pitchFamily="49" charset="0"/>
-              </a:rPr>
-              <a:t>   </a:t>
-            </a:r>
-            <a:r>
-              <a:rPr lang="en-US" sz="1400" dirty="0">
-                <a:solidFill>
-                  <a:srgbClr val="8BC926"/>
-                </a:solidFill>
-                <a:latin typeface="Roboto Mono" pitchFamily="49" charset="0"/>
-                <a:ea typeface="Roboto Mono" pitchFamily="49" charset="0"/>
-              </a:rPr>
-              <a:t>col1</a:t>
-            </a:r>
-            <a:r>
-              <a:rPr lang="en-US" sz="1400" dirty="0">
-                <a:solidFill>
-                  <a:schemeClr val="bg1"/>
-                </a:solidFill>
-                <a:latin typeface="Roboto Mono" pitchFamily="49" charset="0"/>
-                <a:ea typeface="Roboto Mono" pitchFamily="49" charset="0"/>
-              </a:rPr>
-              <a:t> = </a:t>
-            </a:r>
-            <a:r>
-              <a:rPr lang="en-US" sz="1400" dirty="0" err="1">
-                <a:solidFill>
-                  <a:srgbClr val="8BC926"/>
-                </a:solidFill>
-                <a:latin typeface="Roboto Mono" pitchFamily="49" charset="0"/>
-                <a:ea typeface="Roboto Mono" pitchFamily="49" charset="0"/>
-              </a:rPr>
-              <a:t>ps.bar</a:t>
-            </a:r>
-            <a:r>
-              <a:rPr lang="en-US" sz="1400" dirty="0">
-                <a:solidFill>
-                  <a:schemeClr val="bg1"/>
-                </a:solidFill>
-                <a:latin typeface="Roboto Mono" pitchFamily="49" charset="0"/>
-                <a:ea typeface="Roboto Mono" pitchFamily="49" charset="0"/>
-              </a:rPr>
-              <a:t>(</a:t>
-            </a:r>
-          </a:p>
-          <a:p>
-            <a:r>
-              <a:rPr lang="en-US" sz="1400" dirty="0">
-                <a:solidFill>
-                  <a:schemeClr val="bg1"/>
-                </a:solidFill>
-                <a:latin typeface="Roboto Mono" pitchFamily="49" charset="0"/>
-                <a:ea typeface="Roboto Mono" pitchFamily="49" charset="0"/>
-              </a:rPr>
-              <a:t>        </a:t>
-            </a:r>
-            <a:r>
-              <a:rPr lang="en-US" sz="1400" dirty="0">
-                <a:solidFill>
-                  <a:srgbClr val="FFCA39"/>
-                </a:solidFill>
-                <a:latin typeface="Roboto Mono" pitchFamily="49" charset="0"/>
-                <a:ea typeface="Roboto Mono" pitchFamily="49" charset="0"/>
-              </a:rPr>
-              <a:t>title</a:t>
-            </a:r>
-            <a:r>
-              <a:rPr lang="en-US" sz="1400" dirty="0">
-                <a:solidFill>
-                  <a:schemeClr val="bg1"/>
-                </a:solidFill>
-                <a:latin typeface="Roboto Mono" pitchFamily="49" charset="0"/>
-                <a:ea typeface="Roboto Mono" pitchFamily="49" charset="0"/>
-              </a:rPr>
-              <a:t> = 'Population of Cities',</a:t>
-            </a:r>
-          </a:p>
-          <a:p>
-            <a:r>
-              <a:rPr lang="en-US" sz="1400" dirty="0">
-                <a:solidFill>
-                  <a:schemeClr val="bg1"/>
-                </a:solidFill>
-                <a:latin typeface="Roboto Mono" pitchFamily="49" charset="0"/>
-                <a:ea typeface="Roboto Mono" pitchFamily="49" charset="0"/>
-              </a:rPr>
-              <a:t>        </a:t>
-            </a:r>
-            <a:r>
-              <a:rPr lang="en-US" sz="1400" dirty="0" err="1">
-                <a:solidFill>
-                  <a:srgbClr val="FFCA39"/>
-                </a:solidFill>
-                <a:latin typeface="Roboto Mono" pitchFamily="49" charset="0"/>
-                <a:ea typeface="Roboto Mono" pitchFamily="49" charset="0"/>
-              </a:rPr>
-              <a:t>dataframe</a:t>
-            </a:r>
-            <a:r>
-              <a:rPr lang="en-US" sz="1400" dirty="0">
-                <a:solidFill>
-                  <a:schemeClr val="bg1"/>
-                </a:solidFill>
-                <a:latin typeface="Roboto Mono" pitchFamily="49" charset="0"/>
-                <a:ea typeface="Roboto Mono" pitchFamily="49" charset="0"/>
-              </a:rPr>
-              <a:t> = </a:t>
-            </a:r>
-            <a:r>
-              <a:rPr lang="en-US" sz="1400" dirty="0" err="1">
-                <a:solidFill>
-                  <a:schemeClr val="bg1"/>
-                </a:solidFill>
-                <a:latin typeface="Roboto Mono" pitchFamily="49" charset="0"/>
-                <a:ea typeface="Roboto Mono" pitchFamily="49" charset="0"/>
-              </a:rPr>
-              <a:t>df</a:t>
-            </a:r>
-            <a:r>
-              <a:rPr lang="en-US" sz="1400" dirty="0">
-                <a:solidFill>
-                  <a:schemeClr val="bg1"/>
-                </a:solidFill>
-                <a:latin typeface="Roboto Mono" pitchFamily="49" charset="0"/>
-                <a:ea typeface="Roboto Mono" pitchFamily="49" charset="0"/>
-              </a:rPr>
-              <a:t>,</a:t>
-            </a:r>
-          </a:p>
-          <a:p>
-            <a:r>
-              <a:rPr lang="en-US" sz="1400" dirty="0">
-                <a:solidFill>
-                  <a:schemeClr val="bg1"/>
-                </a:solidFill>
-                <a:latin typeface="Roboto Mono" pitchFamily="49" charset="0"/>
-                <a:ea typeface="Roboto Mono" pitchFamily="49" charset="0"/>
-              </a:rPr>
-              <a:t>        </a:t>
-            </a:r>
-            <a:r>
-              <a:rPr lang="en-US" sz="1400" dirty="0" err="1">
-                <a:solidFill>
-                  <a:srgbClr val="FFCA39"/>
-                </a:solidFill>
-                <a:latin typeface="Roboto Mono" pitchFamily="49" charset="0"/>
-                <a:ea typeface="Roboto Mono" pitchFamily="49" charset="0"/>
-              </a:rPr>
-              <a:t>xlabel</a:t>
-            </a:r>
-            <a:r>
-              <a:rPr lang="en-US" sz="1400" dirty="0">
-                <a:solidFill>
-                  <a:schemeClr val="bg1"/>
-                </a:solidFill>
-                <a:latin typeface="Roboto Mono" pitchFamily="49" charset="0"/>
-                <a:ea typeface="Roboto Mono" pitchFamily="49" charset="0"/>
-              </a:rPr>
-              <a:t> = 'City',</a:t>
-            </a:r>
-          </a:p>
-          <a:p>
-            <a:r>
-              <a:rPr lang="en-US" sz="1400" dirty="0">
-                <a:solidFill>
-                  <a:schemeClr val="bg1"/>
-                </a:solidFill>
-                <a:latin typeface="Roboto Mono" pitchFamily="49" charset="0"/>
-                <a:ea typeface="Roboto Mono" pitchFamily="49" charset="0"/>
-              </a:rPr>
-              <a:t>        </a:t>
-            </a:r>
-            <a:r>
-              <a:rPr lang="en-US" sz="1400" dirty="0" err="1">
-                <a:solidFill>
-                  <a:srgbClr val="FFCA39"/>
-                </a:solidFill>
-                <a:latin typeface="Roboto Mono" pitchFamily="49" charset="0"/>
-                <a:ea typeface="Roboto Mono" pitchFamily="49" charset="0"/>
-              </a:rPr>
-              <a:t>xdata</a:t>
-            </a:r>
-            <a:r>
-              <a:rPr lang="en-US" sz="1400" dirty="0">
-                <a:solidFill>
-                  <a:schemeClr val="bg1"/>
-                </a:solidFill>
-                <a:latin typeface="Roboto Mono" pitchFamily="49" charset="0"/>
-                <a:ea typeface="Roboto Mono" pitchFamily="49" charset="0"/>
-              </a:rPr>
-              <a:t> = 'Population 2020', </a:t>
-            </a:r>
-          </a:p>
-          <a:p>
-            <a:r>
-              <a:rPr lang="en-US" sz="1400" dirty="0">
-                <a:solidFill>
-                  <a:schemeClr val="bg1"/>
-                </a:solidFill>
-                <a:latin typeface="Roboto Mono" pitchFamily="49" charset="0"/>
-                <a:ea typeface="Roboto Mono" pitchFamily="49" charset="0"/>
-              </a:rPr>
-              <a:t>        </a:t>
-            </a:r>
-            <a:r>
-              <a:rPr lang="en-US" sz="1400" dirty="0" err="1">
-                <a:solidFill>
-                  <a:srgbClr val="FFCA39"/>
-                </a:solidFill>
-                <a:latin typeface="Roboto Mono" pitchFamily="49" charset="0"/>
-                <a:ea typeface="Roboto Mono" pitchFamily="49" charset="0"/>
-              </a:rPr>
-              <a:t>ylabel</a:t>
-            </a:r>
-            <a:r>
-              <a:rPr lang="en-US" sz="1400" dirty="0">
-                <a:solidFill>
-                  <a:schemeClr val="bg1"/>
-                </a:solidFill>
-                <a:latin typeface="Roboto Mono" pitchFamily="49" charset="0"/>
-                <a:ea typeface="Roboto Mono" pitchFamily="49" charset="0"/>
-              </a:rPr>
-              <a:t> = ‘2020 Population in Millions'</a:t>
-            </a:r>
-          </a:p>
-          <a:p>
-            <a:r>
-              <a:rPr lang="en-US" sz="1400" dirty="0">
-                <a:solidFill>
-                  <a:schemeClr val="bg1"/>
-                </a:solidFill>
-                <a:latin typeface="Roboto Mono" pitchFamily="49" charset="0"/>
-                <a:ea typeface="Roboto Mono" pitchFamily="49" charset="0"/>
-              </a:rPr>
-              <a:t>   )</a:t>
-            </a:r>
-          </a:p>
-          <a:p>
-            <a:r>
-              <a:rPr lang="en-US" sz="1400" dirty="0">
-                <a:solidFill>
-                  <a:schemeClr val="bg1"/>
-                </a:solidFill>
-                <a:latin typeface="Roboto Mono" pitchFamily="49" charset="0"/>
-                <a:ea typeface="Roboto Mono" pitchFamily="49" charset="0"/>
-              </a:rPr>
-              <a:t>) </a:t>
-            </a:r>
-            <a:endParaRPr lang="en-PK" sz="1400" dirty="0">
-              <a:solidFill>
-                <a:schemeClr val="bg1"/>
-              </a:solidFill>
-              <a:latin typeface="Roboto Mono" pitchFamily="49" charset="0"/>
-              <a:ea typeface="Roboto Mono" pitchFamily="49" charset="0"/>
-            </a:endParaRPr>
-          </a:p>
-        </p:txBody>
-      </p:sp>
-      <p:sp>
-        <p:nvSpPr>
           <p:cNvPr id="9" name="TextBox 8">
             <a:extLst>
               <a:ext uri="{FF2B5EF4-FFF2-40B4-BE49-F238E27FC236}">
@@ -10441,6 +9685,612 @@
           </a:prstGeom>
         </p:spPr>
       </p:pic>
+      <p:sp>
+        <p:nvSpPr>
+          <p:cNvPr id="6" name="TextBox 5">
+            <a:extLst>
+              <a:ext uri="{FF2B5EF4-FFF2-40B4-BE49-F238E27FC236}">
+                <a16:creationId xmlns:a16="http://schemas.microsoft.com/office/drawing/2014/main" id="{19745164-5F40-ADA5-6DB1-2005483E94A7}"/>
+              </a:ext>
+            </a:extLst>
+          </p:cNvPr>
+          <p:cNvSpPr txBox="1"/>
+          <p:nvPr/>
+        </p:nvSpPr>
+        <p:spPr>
+          <a:xfrm>
+            <a:off x="292187" y="1247518"/>
+            <a:ext cx="5339923" cy="3539430"/>
+          </a:xfrm>
+          <a:prstGeom prst="rect">
+            <a:avLst/>
+          </a:prstGeom>
+          <a:noFill/>
+        </p:spPr>
+        <p:txBody>
+          <a:bodyPr wrap="none" rtlCol="0">
+            <a:spAutoFit/>
+          </a:bodyPr>
+          <a:lstStyle/>
+          <a:p>
+            <a:r>
+              <a:rPr lang="en-US" sz="1400" dirty="0">
+                <a:solidFill>
+                  <a:srgbClr val="FF595E"/>
+                </a:solidFill>
+                <a:latin typeface="Roboto Mono" pitchFamily="49" charset="0"/>
+                <a:ea typeface="Roboto Mono" pitchFamily="49" charset="0"/>
+              </a:rPr>
+              <a:t>import</a:t>
+            </a:r>
+            <a:r>
+              <a:rPr lang="en-US" sz="1400" dirty="0">
+                <a:solidFill>
+                  <a:schemeClr val="bg1"/>
+                </a:solidFill>
+                <a:latin typeface="Roboto Mono" pitchFamily="49" charset="0"/>
+                <a:ea typeface="Roboto Mono" pitchFamily="49" charset="0"/>
+              </a:rPr>
+              <a:t> </a:t>
+            </a:r>
+            <a:r>
+              <a:rPr lang="en-US" sz="1400" dirty="0">
+                <a:solidFill>
+                  <a:srgbClr val="8BC926"/>
+                </a:solidFill>
+                <a:latin typeface="Roboto Mono" pitchFamily="49" charset="0"/>
+                <a:ea typeface="Roboto Mono" pitchFamily="49" charset="0"/>
+              </a:rPr>
+              <a:t>pandas</a:t>
+            </a:r>
+            <a:r>
+              <a:rPr lang="en-US" sz="1400" dirty="0">
+                <a:solidFill>
+                  <a:schemeClr val="bg1"/>
+                </a:solidFill>
+                <a:latin typeface="Roboto Mono" pitchFamily="49" charset="0"/>
+                <a:ea typeface="Roboto Mono" pitchFamily="49" charset="0"/>
+              </a:rPr>
+              <a:t> </a:t>
+            </a:r>
+            <a:r>
+              <a:rPr lang="en-US" sz="1400" dirty="0">
+                <a:solidFill>
+                  <a:srgbClr val="FF595E"/>
+                </a:solidFill>
+                <a:latin typeface="Roboto Mono" pitchFamily="49" charset="0"/>
+                <a:ea typeface="Roboto Mono" pitchFamily="49" charset="0"/>
+              </a:rPr>
+              <a:t>as</a:t>
+            </a:r>
+            <a:r>
+              <a:rPr lang="en-US" sz="1400" dirty="0">
+                <a:solidFill>
+                  <a:schemeClr val="bg1"/>
+                </a:solidFill>
+                <a:latin typeface="Roboto Mono" pitchFamily="49" charset="0"/>
+                <a:ea typeface="Roboto Mono" pitchFamily="49" charset="0"/>
+              </a:rPr>
+              <a:t> </a:t>
+            </a:r>
+            <a:r>
+              <a:rPr lang="en-US" sz="1400" dirty="0">
+                <a:solidFill>
+                  <a:srgbClr val="8BC926"/>
+                </a:solidFill>
+                <a:latin typeface="Roboto Mono" pitchFamily="49" charset="0"/>
+                <a:ea typeface="Roboto Mono" pitchFamily="49" charset="0"/>
+              </a:rPr>
+              <a:t>pd</a:t>
+            </a:r>
+          </a:p>
+          <a:p>
+            <a:r>
+              <a:rPr lang="en-US" sz="1400" dirty="0">
+                <a:solidFill>
+                  <a:srgbClr val="FF595E"/>
+                </a:solidFill>
+                <a:latin typeface="Roboto Mono" pitchFamily="49" charset="0"/>
+                <a:ea typeface="Roboto Mono" pitchFamily="49" charset="0"/>
+              </a:rPr>
+              <a:t>import</a:t>
+            </a:r>
+            <a:r>
+              <a:rPr lang="en-US" sz="1400" dirty="0">
+                <a:solidFill>
+                  <a:schemeClr val="bg1"/>
+                </a:solidFill>
+                <a:latin typeface="Roboto Mono" pitchFamily="49" charset="0"/>
+                <a:ea typeface="Roboto Mono" pitchFamily="49" charset="0"/>
+              </a:rPr>
+              <a:t> </a:t>
+            </a:r>
+            <a:r>
+              <a:rPr lang="en-US" sz="1400" dirty="0">
+                <a:solidFill>
+                  <a:srgbClr val="8BC926"/>
+                </a:solidFill>
+                <a:latin typeface="Roboto Mono" pitchFamily="49" charset="0"/>
+                <a:ea typeface="Roboto Mono" pitchFamily="49" charset="0"/>
+              </a:rPr>
+              <a:t>piesparrow</a:t>
+            </a:r>
+            <a:r>
+              <a:rPr lang="en-US" sz="1400" dirty="0">
+                <a:solidFill>
+                  <a:schemeClr val="bg1"/>
+                </a:solidFill>
+                <a:latin typeface="Roboto Mono" pitchFamily="49" charset="0"/>
+                <a:ea typeface="Roboto Mono" pitchFamily="49" charset="0"/>
+              </a:rPr>
+              <a:t> </a:t>
+            </a:r>
+            <a:r>
+              <a:rPr lang="en-US" sz="1400" dirty="0">
+                <a:solidFill>
+                  <a:srgbClr val="FF595E"/>
+                </a:solidFill>
+                <a:latin typeface="Roboto Mono" pitchFamily="49" charset="0"/>
+                <a:ea typeface="Roboto Mono" pitchFamily="49" charset="0"/>
+              </a:rPr>
+              <a:t>as</a:t>
+            </a:r>
+            <a:r>
+              <a:rPr lang="en-US" sz="1400" dirty="0">
+                <a:solidFill>
+                  <a:schemeClr val="bg1"/>
+                </a:solidFill>
+                <a:latin typeface="Roboto Mono" pitchFamily="49" charset="0"/>
+                <a:ea typeface="Roboto Mono" pitchFamily="49" charset="0"/>
+              </a:rPr>
+              <a:t> </a:t>
+            </a:r>
+            <a:r>
+              <a:rPr lang="en-US" sz="1400" dirty="0" err="1">
+                <a:solidFill>
+                  <a:srgbClr val="8BC926"/>
+                </a:solidFill>
+                <a:latin typeface="Roboto Mono" pitchFamily="49" charset="0"/>
+                <a:ea typeface="Roboto Mono" pitchFamily="49" charset="0"/>
+              </a:rPr>
+              <a:t>ps</a:t>
+            </a:r>
+            <a:endParaRPr lang="en-US" sz="1400" dirty="0">
+              <a:solidFill>
+                <a:srgbClr val="8BC926"/>
+              </a:solidFill>
+              <a:latin typeface="Roboto Mono" pitchFamily="49" charset="0"/>
+              <a:ea typeface="Roboto Mono" pitchFamily="49" charset="0"/>
+            </a:endParaRPr>
+          </a:p>
+          <a:p>
+            <a:endParaRPr lang="en-US" sz="1400" dirty="0">
+              <a:solidFill>
+                <a:schemeClr val="bg1"/>
+              </a:solidFill>
+              <a:latin typeface="Roboto Mono" pitchFamily="49" charset="0"/>
+              <a:ea typeface="Roboto Mono" pitchFamily="49" charset="0"/>
+            </a:endParaRPr>
+          </a:p>
+          <a:p>
+            <a:r>
+              <a:rPr lang="en-US" sz="1400" dirty="0">
+                <a:solidFill>
+                  <a:schemeClr val="bg1"/>
+                </a:solidFill>
+                <a:latin typeface="Roboto Mono" pitchFamily="49" charset="0"/>
+                <a:ea typeface="Roboto Mono" pitchFamily="49" charset="0"/>
+              </a:rPr>
+              <a:t>data = </a:t>
+            </a:r>
+            <a:r>
+              <a:rPr lang="en-US" sz="1400" dirty="0" err="1">
+                <a:solidFill>
+                  <a:srgbClr val="8BC926"/>
+                </a:solidFill>
+                <a:latin typeface="Roboto Mono" pitchFamily="49" charset="0"/>
+                <a:ea typeface="Roboto Mono" pitchFamily="49" charset="0"/>
+              </a:rPr>
+              <a:t>pd.read_csv</a:t>
+            </a:r>
+            <a:r>
+              <a:rPr lang="en-US" sz="1400" dirty="0">
+                <a:solidFill>
+                  <a:schemeClr val="bg1"/>
+                </a:solidFill>
+                <a:latin typeface="Roboto Mono" pitchFamily="49" charset="0"/>
+                <a:ea typeface="Roboto Mono" pitchFamily="49" charset="0"/>
+              </a:rPr>
+              <a:t>(‘mock_data.csv')</a:t>
+            </a:r>
+          </a:p>
+          <a:p>
+            <a:endParaRPr lang="en-US" sz="1400" dirty="0">
+              <a:solidFill>
+                <a:schemeClr val="bg1"/>
+              </a:solidFill>
+              <a:latin typeface="Roboto Mono" pitchFamily="49" charset="0"/>
+              <a:ea typeface="Roboto Mono" pitchFamily="49" charset="0"/>
+            </a:endParaRPr>
+          </a:p>
+          <a:p>
+            <a:r>
+              <a:rPr lang="en-US" sz="1400" dirty="0">
+                <a:solidFill>
+                  <a:srgbClr val="8BC926"/>
+                </a:solidFill>
+                <a:latin typeface="Roboto Mono" pitchFamily="49" charset="0"/>
+                <a:ea typeface="Roboto Mono" pitchFamily="49" charset="0"/>
+              </a:rPr>
+              <a:t>ps.init</a:t>
+            </a:r>
+            <a:r>
+              <a:rPr lang="en-US" sz="1400" dirty="0">
+                <a:solidFill>
+                  <a:schemeClr val="bg1"/>
+                </a:solidFill>
+                <a:latin typeface="Roboto Mono" pitchFamily="49" charset="0"/>
+                <a:ea typeface="Roboto Mono" pitchFamily="49" charset="0"/>
+              </a:rPr>
+              <a:t>(</a:t>
+            </a:r>
+            <a:r>
+              <a:rPr lang="en-US" sz="1400" dirty="0">
+                <a:solidFill>
+                  <a:srgbClr val="FFCA39"/>
+                </a:solidFill>
+                <a:latin typeface="Roboto Mono" pitchFamily="49" charset="0"/>
+                <a:ea typeface="Roboto Mono" pitchFamily="49" charset="0"/>
+              </a:rPr>
+              <a:t>filename</a:t>
+            </a:r>
+            <a:r>
+              <a:rPr lang="en-US" sz="1400" dirty="0">
+                <a:solidFill>
+                  <a:schemeClr val="bg1"/>
+                </a:solidFill>
+                <a:latin typeface="Roboto Mono" pitchFamily="49" charset="0"/>
+                <a:ea typeface="Roboto Mono" pitchFamily="49" charset="0"/>
+              </a:rPr>
+              <a:t> = '</a:t>
+            </a:r>
+            <a:r>
+              <a:rPr lang="en-US" sz="1400" dirty="0" err="1">
+                <a:solidFill>
+                  <a:schemeClr val="bg1"/>
+                </a:solidFill>
+                <a:latin typeface="Roboto Mono" pitchFamily="49" charset="0"/>
+                <a:ea typeface="Roboto Mono" pitchFamily="49" charset="0"/>
+              </a:rPr>
+              <a:t>myChart</a:t>
+            </a:r>
+            <a:r>
+              <a:rPr lang="en-US" sz="1400" dirty="0">
+                <a:solidFill>
+                  <a:schemeClr val="bg1"/>
+                </a:solidFill>
+                <a:latin typeface="Roboto Mono" pitchFamily="49" charset="0"/>
+                <a:ea typeface="Roboto Mono" pitchFamily="49" charset="0"/>
+              </a:rPr>
+              <a:t>',</a:t>
+            </a:r>
+            <a:r>
+              <a:rPr lang="en-US" sz="1400" dirty="0">
+                <a:solidFill>
+                  <a:srgbClr val="FFCA39"/>
+                </a:solidFill>
+                <a:latin typeface="Roboto Mono" pitchFamily="49" charset="0"/>
+                <a:ea typeface="Roboto Mono" pitchFamily="49" charset="0"/>
+              </a:rPr>
+              <a:t>title </a:t>
+            </a:r>
+            <a:r>
+              <a:rPr lang="en-US" sz="1400" dirty="0">
+                <a:solidFill>
+                  <a:schemeClr val="bg1"/>
+                </a:solidFill>
+                <a:latin typeface="Roboto Mono" pitchFamily="49" charset="0"/>
+                <a:ea typeface="Roboto Mono" pitchFamily="49" charset="0"/>
+              </a:rPr>
+              <a:t>= ‘My Chart')</a:t>
+            </a:r>
+          </a:p>
+          <a:p>
+            <a:endParaRPr lang="en-US" sz="1400" dirty="0">
+              <a:solidFill>
+                <a:schemeClr val="bg1"/>
+              </a:solidFill>
+              <a:latin typeface="Roboto Mono" pitchFamily="49" charset="0"/>
+              <a:ea typeface="Roboto Mono" pitchFamily="49" charset="0"/>
+            </a:endParaRPr>
+          </a:p>
+          <a:p>
+            <a:r>
+              <a:rPr lang="en-US" sz="1400" dirty="0" err="1">
+                <a:solidFill>
+                  <a:srgbClr val="8BC926"/>
+                </a:solidFill>
+                <a:latin typeface="Roboto Mono" pitchFamily="49" charset="0"/>
+                <a:ea typeface="Roboto Mono" pitchFamily="49" charset="0"/>
+              </a:rPr>
+              <a:t>ps.row</a:t>
+            </a:r>
+            <a:r>
+              <a:rPr lang="en-US" sz="1400" dirty="0">
+                <a:solidFill>
+                  <a:schemeClr val="bg1"/>
+                </a:solidFill>
+                <a:latin typeface="Roboto Mono" pitchFamily="49" charset="0"/>
+                <a:ea typeface="Roboto Mono" pitchFamily="49" charset="0"/>
+              </a:rPr>
+              <a:t>(</a:t>
+            </a:r>
+          </a:p>
+          <a:p>
+            <a:r>
+              <a:rPr lang="en-US" sz="1400" dirty="0">
+                <a:solidFill>
+                  <a:srgbClr val="8BC926"/>
+                </a:solidFill>
+                <a:latin typeface="Roboto Mono" pitchFamily="49" charset="0"/>
+                <a:ea typeface="Roboto Mono" pitchFamily="49" charset="0"/>
+              </a:rPr>
+              <a:t>	</a:t>
+            </a:r>
+            <a:r>
+              <a:rPr lang="en-US" sz="1400" dirty="0" err="1">
+                <a:solidFill>
+                  <a:srgbClr val="8BC926"/>
+                </a:solidFill>
+                <a:latin typeface="Roboto Mono" pitchFamily="49" charset="0"/>
+                <a:ea typeface="Roboto Mono" pitchFamily="49" charset="0"/>
+              </a:rPr>
+              <a:t>ps.chart</a:t>
+            </a:r>
+            <a:r>
+              <a:rPr lang="en-US" sz="1400" dirty="0">
+                <a:solidFill>
+                  <a:schemeClr val="bg1"/>
+                </a:solidFill>
+                <a:latin typeface="Roboto Mono" pitchFamily="49" charset="0"/>
+                <a:ea typeface="Roboto Mono" pitchFamily="49" charset="0"/>
+              </a:rPr>
+              <a:t>(</a:t>
+            </a:r>
+          </a:p>
+          <a:p>
+            <a:r>
+              <a:rPr lang="en-US" sz="1400" dirty="0">
+                <a:solidFill>
+                  <a:schemeClr val="bg1"/>
+                </a:solidFill>
+                <a:latin typeface="Roboto Mono" pitchFamily="49" charset="0"/>
+                <a:ea typeface="Roboto Mono" pitchFamily="49" charset="0"/>
+              </a:rPr>
+              <a:t>		</a:t>
+            </a:r>
+            <a:r>
+              <a:rPr lang="en-US" sz="1400" dirty="0">
+                <a:solidFill>
+                  <a:srgbClr val="FFCA39"/>
+                </a:solidFill>
+                <a:latin typeface="Roboto Mono" pitchFamily="49" charset="0"/>
+                <a:ea typeface="Roboto Mono" pitchFamily="49" charset="0"/>
+              </a:rPr>
+              <a:t>title</a:t>
+            </a:r>
+            <a:r>
+              <a:rPr lang="en-US" sz="1400" dirty="0">
+                <a:solidFill>
+                  <a:schemeClr val="bg1"/>
+                </a:solidFill>
+                <a:latin typeface="Roboto Mono" pitchFamily="49" charset="0"/>
+                <a:ea typeface="Roboto Mono" pitchFamily="49" charset="0"/>
+              </a:rPr>
+              <a:t> = '</a:t>
+            </a:r>
+            <a:r>
+              <a:rPr lang="en-US" sz="1400" dirty="0" err="1">
+                <a:solidFill>
+                  <a:schemeClr val="bg1"/>
+                </a:solidFill>
+                <a:latin typeface="Roboto Mono" pitchFamily="49" charset="0"/>
+                <a:ea typeface="Roboto Mono" pitchFamily="49" charset="0"/>
+              </a:rPr>
+              <a:t>myChart</a:t>
+            </a:r>
+            <a:r>
+              <a:rPr lang="en-US" sz="1400" dirty="0">
+                <a:solidFill>
+                  <a:schemeClr val="bg1"/>
+                </a:solidFill>
+                <a:latin typeface="Roboto Mono" pitchFamily="49" charset="0"/>
+                <a:ea typeface="Roboto Mono" pitchFamily="49" charset="0"/>
+              </a:rPr>
+              <a:t>’,</a:t>
+            </a:r>
+          </a:p>
+          <a:p>
+            <a:r>
+              <a:rPr lang="en-US" sz="1400" dirty="0">
+                <a:solidFill>
+                  <a:schemeClr val="bg1"/>
+                </a:solidFill>
+                <a:latin typeface="Roboto Mono" pitchFamily="49" charset="0"/>
+                <a:ea typeface="Roboto Mono" pitchFamily="49" charset="0"/>
+              </a:rPr>
+              <a:t>		</a:t>
+            </a:r>
+            <a:r>
+              <a:rPr lang="en-US" sz="1400" dirty="0" err="1">
+                <a:solidFill>
+                  <a:srgbClr val="FFCA39"/>
+                </a:solidFill>
+                <a:latin typeface="Roboto Mono" pitchFamily="49" charset="0"/>
+                <a:ea typeface="Roboto Mono" pitchFamily="49" charset="0"/>
+              </a:rPr>
+              <a:t>df</a:t>
+            </a:r>
+            <a:r>
+              <a:rPr lang="en-US" sz="1400" dirty="0">
+                <a:solidFill>
+                  <a:schemeClr val="bg1"/>
+                </a:solidFill>
+                <a:latin typeface="Roboto Mono" pitchFamily="49" charset="0"/>
+                <a:ea typeface="Roboto Mono" pitchFamily="49" charset="0"/>
+              </a:rPr>
+              <a:t> = data,</a:t>
+            </a:r>
+          </a:p>
+          <a:p>
+            <a:r>
+              <a:rPr lang="en-US" sz="1400" dirty="0">
+                <a:solidFill>
+                  <a:schemeClr val="bg1"/>
+                </a:solidFill>
+                <a:latin typeface="Roboto Mono" pitchFamily="49" charset="0"/>
+                <a:ea typeface="Roboto Mono" pitchFamily="49" charset="0"/>
+              </a:rPr>
+              <a:t>		</a:t>
+            </a:r>
+            <a:r>
+              <a:rPr lang="en-US" sz="1400" dirty="0">
+                <a:solidFill>
+                  <a:srgbClr val="FFCA39"/>
+                </a:solidFill>
+                <a:latin typeface="Roboto Mono" pitchFamily="49" charset="0"/>
+                <a:ea typeface="Roboto Mono" pitchFamily="49" charset="0"/>
+              </a:rPr>
+              <a:t>columns</a:t>
+            </a:r>
+            <a:r>
+              <a:rPr lang="en-US" sz="1400" dirty="0">
+                <a:solidFill>
+                  <a:schemeClr val="bg1"/>
+                </a:solidFill>
+                <a:latin typeface="Roboto Mono" pitchFamily="49" charset="0"/>
+                <a:ea typeface="Roboto Mono" pitchFamily="49" charset="0"/>
+              </a:rPr>
+              <a:t> = ['</a:t>
+            </a:r>
+            <a:r>
+              <a:rPr lang="en-US" sz="1400" dirty="0" err="1">
+                <a:solidFill>
+                  <a:schemeClr val="bg1"/>
+                </a:solidFill>
+                <a:latin typeface="Roboto Mono" pitchFamily="49" charset="0"/>
+                <a:ea typeface="Roboto Mono" pitchFamily="49" charset="0"/>
+              </a:rPr>
+              <a:t>Month','Data</a:t>
+            </a:r>
+            <a:r>
+              <a:rPr lang="en-US" sz="1400" dirty="0">
+                <a:solidFill>
+                  <a:schemeClr val="bg1"/>
+                </a:solidFill>
+                <a:latin typeface="Roboto Mono" pitchFamily="49" charset="0"/>
+                <a:ea typeface="Roboto Mono" pitchFamily="49" charset="0"/>
+              </a:rPr>
+              <a:t> 1’],</a:t>
+            </a:r>
+          </a:p>
+          <a:p>
+            <a:r>
+              <a:rPr lang="en-US" sz="1400" dirty="0">
+                <a:solidFill>
+                  <a:schemeClr val="bg1"/>
+                </a:solidFill>
+                <a:latin typeface="Roboto Mono" pitchFamily="49" charset="0"/>
+                <a:ea typeface="Roboto Mono" pitchFamily="49" charset="0"/>
+              </a:rPr>
+              <a:t>		</a:t>
+            </a:r>
+            <a:r>
+              <a:rPr lang="en-US" sz="1400" dirty="0">
+                <a:solidFill>
+                  <a:srgbClr val="FFCA39"/>
+                </a:solidFill>
+                <a:latin typeface="Roboto Mono" pitchFamily="49" charset="0"/>
+                <a:ea typeface="Roboto Mono" pitchFamily="49" charset="0"/>
+              </a:rPr>
+              <a:t>xcolumn</a:t>
+            </a:r>
+            <a:r>
+              <a:rPr lang="en-US" sz="1400" dirty="0">
+                <a:solidFill>
+                  <a:schemeClr val="bg1"/>
+                </a:solidFill>
+                <a:latin typeface="Roboto Mono" pitchFamily="49" charset="0"/>
+                <a:ea typeface="Roboto Mono" pitchFamily="49" charset="0"/>
+              </a:rPr>
+              <a:t> = 'Month’,</a:t>
+            </a:r>
+          </a:p>
+          <a:p>
+            <a:r>
+              <a:rPr lang="en-US" sz="1400" dirty="0">
+                <a:solidFill>
+                  <a:schemeClr val="bg1"/>
+                </a:solidFill>
+                <a:latin typeface="Roboto Mono" pitchFamily="49" charset="0"/>
+                <a:ea typeface="Roboto Mono" pitchFamily="49" charset="0"/>
+              </a:rPr>
+              <a:t>		</a:t>
+            </a:r>
+            <a:r>
+              <a:rPr lang="en-US" sz="1400" dirty="0">
+                <a:solidFill>
+                  <a:srgbClr val="FFCA39"/>
+                </a:solidFill>
+                <a:latin typeface="Roboto Mono" pitchFamily="49" charset="0"/>
+                <a:ea typeface="Roboto Mono" pitchFamily="49" charset="0"/>
+              </a:rPr>
+              <a:t>type</a:t>
+            </a:r>
+            <a:r>
+              <a:rPr lang="en-US" sz="1400" dirty="0">
+                <a:solidFill>
+                  <a:schemeClr val="bg1"/>
+                </a:solidFill>
+                <a:latin typeface="Roboto Mono" pitchFamily="49" charset="0"/>
+                <a:ea typeface="Roboto Mono" pitchFamily="49" charset="0"/>
+              </a:rPr>
+              <a:t> = 'bar'</a:t>
+            </a:r>
+          </a:p>
+          <a:p>
+            <a:r>
+              <a:rPr lang="en-US" sz="1400" dirty="0">
+                <a:solidFill>
+                  <a:schemeClr val="bg1"/>
+                </a:solidFill>
+                <a:latin typeface="Roboto Mono" pitchFamily="49" charset="0"/>
+                <a:ea typeface="Roboto Mono" pitchFamily="49" charset="0"/>
+              </a:rPr>
+              <a:t>   )</a:t>
+            </a:r>
+          </a:p>
+          <a:p>
+            <a:r>
+              <a:rPr lang="en-US" sz="1400" dirty="0">
+                <a:solidFill>
+                  <a:schemeClr val="bg1"/>
+                </a:solidFill>
+                <a:latin typeface="Roboto Mono" pitchFamily="49" charset="0"/>
+                <a:ea typeface="Roboto Mono" pitchFamily="49" charset="0"/>
+              </a:rPr>
+              <a:t>) </a:t>
+            </a:r>
+            <a:endParaRPr lang="en-PK" sz="1400" dirty="0">
+              <a:solidFill>
+                <a:schemeClr val="bg1"/>
+              </a:solidFill>
+              <a:latin typeface="Roboto Mono" pitchFamily="49" charset="0"/>
+              <a:ea typeface="Roboto Mono" pitchFamily="49" charset="0"/>
+            </a:endParaRPr>
+          </a:p>
+        </p:txBody>
+      </p:sp>
     </p:spTree>
     <p:extLst>
       <p:ext uri="{BB962C8B-B14F-4D97-AF65-F5344CB8AC3E}">
@@ -10649,10 +10499,10 @@
       </p:sp>
       <p:pic>
         <p:nvPicPr>
-          <p:cNvPr id="18" name="Picture 17">
-            <a:extLst>
-              <a:ext uri="{FF2B5EF4-FFF2-40B4-BE49-F238E27FC236}">
-                <a16:creationId xmlns:a16="http://schemas.microsoft.com/office/drawing/2014/main" id="{623EFB25-F85F-72B7-30BA-4BD89EEA3CFD}"/>
+          <p:cNvPr id="6" name="Picture 5">
+            <a:extLst>
+              <a:ext uri="{FF2B5EF4-FFF2-40B4-BE49-F238E27FC236}">
+                <a16:creationId xmlns:a16="http://schemas.microsoft.com/office/drawing/2014/main" id="{BDD6FB0C-68A0-2AEF-DC59-14AF834EDE09}"/>
               </a:ext>
             </a:extLst>
           </p:cNvPr>
@@ -10661,15 +10511,16 @@
           </p:cNvPicPr>
           <p:nvPr/>
         </p:nvPicPr>
-        <p:blipFill rotWithShape="1">
+        <p:blipFill>
           <a:blip r:embed="rId3"/>
-          <a:srcRect l="3609" t="10420" r="4510" b="7778"/>
-          <a:stretch/>
+          <a:stretch>
+            <a:fillRect/>
+          </a:stretch>
         </p:blipFill>
         <p:spPr>
           <a:xfrm>
-            <a:off x="1390260" y="1361975"/>
-            <a:ext cx="9563878" cy="4794147"/>
+            <a:off x="839756" y="1515128"/>
+            <a:ext cx="10375640" cy="5003316"/>
           </a:xfrm>
           <a:prstGeom prst="rect">
             <a:avLst/>
@@ -10813,15 +10664,20 @@
           <p:nvPr/>
         </p:nvPicPr>
         <p:blipFill>
-          <a:blip r:embed="rId2"/>
-          <a:stretch>
-            <a:fillRect/>
-          </a:stretch>
+          <a:blip r:embed="rId2">
+            <a:extLst>
+              <a:ext uri="{28A0092B-C50C-407E-A947-70E740481C1C}">
+                <a14:useLocalDpi xmlns:a14="http://schemas.microsoft.com/office/drawing/2010/main" val="0"/>
+              </a:ext>
+            </a:extLst>
+          </a:blip>
+          <a:srcRect/>
+          <a:stretch/>
         </p:blipFill>
         <p:spPr>
           <a:xfrm>
-            <a:off x="3980154" y="2635084"/>
-            <a:ext cx="1059611" cy="1059611"/>
+            <a:off x="3980154" y="2667002"/>
+            <a:ext cx="1059611" cy="995775"/>
           </a:xfrm>
           <a:prstGeom prst="rect">
             <a:avLst/>
@@ -10843,7 +10699,7 @@
         <p:spPr>
           <a:xfrm>
             <a:off x="5229545" y="2780043"/>
-            <a:ext cx="3020379" cy="769441"/>
+            <a:ext cx="3114955" cy="769441"/>
           </a:xfrm>
           <a:prstGeom prst="rect">
             <a:avLst/>
@@ -10858,15 +10714,27 @@
           <a:p>
             <a:r>
               <a:rPr lang="en-PK" sz="4400" dirty="0">
-                <a:solidFill>
-                  <a:schemeClr val="bg2">
-                    <a:lumMod val="50000"/>
-                  </a:schemeClr>
-                </a:solidFill>
-                <a:latin typeface="Roboto" panose="02000000000000000000" pitchFamily="2" charset="0"/>
+                <a:latin typeface="Rubik" pitchFamily="2" charset="-79"/>
                 <a:ea typeface="Roboto" panose="02000000000000000000" pitchFamily="2" charset="0"/>
-              </a:rPr>
-              <a:t>pieSparrow</a:t>
+                <a:cs typeface="Rubik" pitchFamily="2" charset="-79"/>
+              </a:rPr>
+              <a:t>pie</a:t>
+            </a:r>
+            <a:r>
+              <a:rPr lang="en-US" sz="4400" dirty="0">
+                <a:latin typeface="Rubik" pitchFamily="2" charset="-79"/>
+                <a:ea typeface="Roboto" panose="02000000000000000000" pitchFamily="2" charset="0"/>
+                <a:cs typeface="Rubik" pitchFamily="2" charset="-79"/>
+              </a:rPr>
+              <a:t>s</a:t>
+            </a:r>
+            <a:r>
+              <a:rPr lang="en-PK" sz="4400" dirty="0">
+                <a:latin typeface="Rubik" pitchFamily="2" charset="-79"/>
+                <a:ea typeface="Roboto" panose="02000000000000000000" pitchFamily="2" charset="0"/>
+                <a:cs typeface="Rubik" pitchFamily="2" charset="-79"/>
+              </a:rPr>
+              <a:t>parrow</a:t>
             </a:r>
           </a:p>
         </p:txBody>
